--- a/slides/Touche Task 2 Team Kueri.pptx
+++ b/slides/Touche Task 2 Team Kueri.pptx
@@ -852,6 +852,9 @@
   <p:clrMapOvr>
     <a:overrideClrMapping bg1="dk1" tx1="lt1" bg2="dk2" tx2="lt2" accent1="accent1" accent2="accent2" accent3="accent3" accent4="accent4" accent5="accent5" accent6="accent6" hlink="hlink" folHlink="folHlink"/>
   </p:clrMapOvr>
+  <p:transition spd="med">
+    <p:pull/>
+  </p:transition>
 </p:sldLayout>
 </file>
 
@@ -1022,6 +1025,9 @@
   <p:clrMapOvr>
     <a:masterClrMapping/>
   </p:clrMapOvr>
+  <p:transition spd="med">
+    <p:pull/>
+  </p:transition>
 </p:sldLayout>
 </file>
 
@@ -1202,6 +1208,9 @@
   <p:clrMapOvr>
     <a:masterClrMapping/>
   </p:clrMapOvr>
+  <p:transition spd="med">
+    <p:pull/>
+  </p:transition>
 </p:sldLayout>
 </file>
 
@@ -1372,6 +1381,9 @@
   <p:clrMapOvr>
     <a:masterClrMapping/>
   </p:clrMapOvr>
+  <p:transition spd="med">
+    <p:pull/>
+  </p:transition>
 </p:sldLayout>
 </file>
 
@@ -1664,6 +1676,9 @@
   <p:clrMapOvr>
     <a:masterClrMapping/>
   </p:clrMapOvr>
+  <p:transition spd="med">
+    <p:pull/>
+  </p:transition>
 </p:sldLayout>
 </file>
 
@@ -1952,6 +1967,9 @@
   <p:clrMapOvr>
     <a:masterClrMapping/>
   </p:clrMapOvr>
+  <p:transition spd="med">
+    <p:pull/>
+  </p:transition>
 </p:sldLayout>
 </file>
 
@@ -2403,6 +2421,9 @@
   <p:clrMapOvr>
     <a:masterClrMapping/>
   </p:clrMapOvr>
+  <p:transition spd="med">
+    <p:pull/>
+  </p:transition>
 </p:sldLayout>
 </file>
 
@@ -2521,6 +2542,9 @@
   <p:clrMapOvr>
     <a:masterClrMapping/>
   </p:clrMapOvr>
+  <p:transition spd="med">
+    <p:pull/>
+  </p:transition>
 </p:sldLayout>
 </file>
 
@@ -2616,6 +2640,9 @@
   <p:clrMapOvr>
     <a:masterClrMapping/>
   </p:clrMapOvr>
+  <p:transition spd="med">
+    <p:pull/>
+  </p:transition>
 </p:sldLayout>
 </file>
 
@@ -2903,6 +2930,9 @@
   <p:clrMapOvr>
     <a:masterClrMapping/>
   </p:clrMapOvr>
+  <p:transition spd="med">
+    <p:pull/>
+  </p:transition>
 </p:sldLayout>
 </file>
 
@@ -3224,6 +3254,9 @@
   <p:clrMapOvr>
     <a:masterClrMapping/>
   </p:clrMapOvr>
+  <p:transition spd="med">
+    <p:pull/>
+  </p:transition>
 </p:sldLayout>
 </file>
 
@@ -3529,6 +3562,9 @@
     <p:sldLayoutId id="2147483670" r:id="rId10"/>
     <p:sldLayoutId id="2147483671" r:id="rId11"/>
   </p:sldLayoutIdLst>
+  <p:transition spd="med">
+    <p:pull/>
+  </p:transition>
   <p:txStyles>
     <p:titleStyle>
       <a:lvl1pPr algn="l" defTabSz="914400" rtl="0" eaLnBrk="1" latinLnBrk="0" hangingPunct="1">
@@ -4127,6 +4163,342 @@
   <p:clrMapOvr>
     <a:masterClrMapping/>
   </p:clrMapOvr>
+  <p:transition spd="med">
+    <p:pull/>
+  </p:transition>
+  <p:timing>
+    <p:tnLst>
+      <p:par>
+        <p:cTn id="1" dur="indefinite" restart="never" nodeType="tmRoot">
+          <p:childTnLst>
+            <p:seq concurrent="1" nextAc="seek">
+              <p:cTn id="2" dur="indefinite" nodeType="mainSeq">
+                <p:childTnLst>
+                  <p:par>
+                    <p:cTn id="3" fill="hold">
+                      <p:stCondLst>
+                        <p:cond delay="indefinite"/>
+                        <p:cond evt="onBegin" delay="0">
+                          <p:tn val="2"/>
+                        </p:cond>
+                      </p:stCondLst>
+                      <p:childTnLst>
+                        <p:par>
+                          <p:cTn id="4" fill="hold">
+                            <p:stCondLst>
+                              <p:cond delay="0"/>
+                            </p:stCondLst>
+                            <p:childTnLst>
+                              <p:par>
+                                <p:cTn id="5" presetID="10" presetClass="entr" presetSubtype="0" fill="hold" nodeType="afterEffect">
+                                  <p:stCondLst>
+                                    <p:cond delay="0"/>
+                                  </p:stCondLst>
+                                  <p:childTnLst>
+                                    <p:set>
+                                      <p:cBhvr>
+                                        <p:cTn id="6" dur="1" fill="hold">
+                                          <p:stCondLst>
+                                            <p:cond delay="0"/>
+                                          </p:stCondLst>
+                                        </p:cTn>
+                                        <p:tgtEl>
+                                          <p:spTgt spid="7"/>
+                                        </p:tgtEl>
+                                        <p:attrNameLst>
+                                          <p:attrName>style.visibility</p:attrName>
+                                        </p:attrNameLst>
+                                      </p:cBhvr>
+                                      <p:to>
+                                        <p:strVal val="visible"/>
+                                      </p:to>
+                                    </p:set>
+                                    <p:animEffect transition="in" filter="fade">
+                                      <p:cBhvr>
+                                        <p:cTn id="7" dur="500"/>
+                                        <p:tgtEl>
+                                          <p:spTgt spid="7"/>
+                                        </p:tgtEl>
+                                      </p:cBhvr>
+                                    </p:animEffect>
+                                  </p:childTnLst>
+                                </p:cTn>
+                              </p:par>
+                              <p:par>
+                                <p:cTn id="8" presetID="10" presetClass="entr" presetSubtype="0" fill="hold" nodeType="withEffect">
+                                  <p:stCondLst>
+                                    <p:cond delay="0"/>
+                                  </p:stCondLst>
+                                  <p:childTnLst>
+                                    <p:set>
+                                      <p:cBhvr>
+                                        <p:cTn id="9" dur="1" fill="hold">
+                                          <p:stCondLst>
+                                            <p:cond delay="0"/>
+                                          </p:stCondLst>
+                                        </p:cTn>
+                                        <p:tgtEl>
+                                          <p:spTgt spid="5"/>
+                                        </p:tgtEl>
+                                        <p:attrNameLst>
+                                          <p:attrName>style.visibility</p:attrName>
+                                        </p:attrNameLst>
+                                      </p:cBhvr>
+                                      <p:to>
+                                        <p:strVal val="visible"/>
+                                      </p:to>
+                                    </p:set>
+                                    <p:animEffect transition="in" filter="fade">
+                                      <p:cBhvr>
+                                        <p:cTn id="10" dur="500"/>
+                                        <p:tgtEl>
+                                          <p:spTgt spid="5"/>
+                                        </p:tgtEl>
+                                      </p:cBhvr>
+                                    </p:animEffect>
+                                  </p:childTnLst>
+                                </p:cTn>
+                              </p:par>
+                              <p:par>
+                                <p:cTn id="11" presetID="10" presetClass="entr" presetSubtype="0" fill="hold" nodeType="withEffect">
+                                  <p:stCondLst>
+                                    <p:cond delay="0"/>
+                                  </p:stCondLst>
+                                  <p:childTnLst>
+                                    <p:set>
+                                      <p:cBhvr>
+                                        <p:cTn id="12" dur="1" fill="hold">
+                                          <p:stCondLst>
+                                            <p:cond delay="0"/>
+                                          </p:stCondLst>
+                                        </p:cTn>
+                                        <p:tgtEl>
+                                          <p:spTgt spid="9"/>
+                                        </p:tgtEl>
+                                        <p:attrNameLst>
+                                          <p:attrName>style.visibility</p:attrName>
+                                        </p:attrNameLst>
+                                      </p:cBhvr>
+                                      <p:to>
+                                        <p:strVal val="visible"/>
+                                      </p:to>
+                                    </p:set>
+                                    <p:animEffect transition="in" filter="fade">
+                                      <p:cBhvr>
+                                        <p:cTn id="13" dur="500"/>
+                                        <p:tgtEl>
+                                          <p:spTgt spid="9"/>
+                                        </p:tgtEl>
+                                      </p:cBhvr>
+                                    </p:animEffect>
+                                  </p:childTnLst>
+                                </p:cTn>
+                              </p:par>
+                            </p:childTnLst>
+                          </p:cTn>
+                        </p:par>
+                        <p:par>
+                          <p:cTn id="14" fill="hold">
+                            <p:stCondLst>
+                              <p:cond delay="500"/>
+                            </p:stCondLst>
+                            <p:childTnLst>
+                              <p:par>
+                                <p:cTn id="15" presetID="10" presetClass="entr" presetSubtype="0" fill="hold" grpId="0" nodeType="afterEffect">
+                                  <p:stCondLst>
+                                    <p:cond delay="100"/>
+                                  </p:stCondLst>
+                                  <p:childTnLst>
+                                    <p:set>
+                                      <p:cBhvr>
+                                        <p:cTn id="16" dur="1" fill="hold">
+                                          <p:stCondLst>
+                                            <p:cond delay="0"/>
+                                          </p:stCondLst>
+                                        </p:cTn>
+                                        <p:tgtEl>
+                                          <p:spTgt spid="2"/>
+                                        </p:tgtEl>
+                                        <p:attrNameLst>
+                                          <p:attrName>style.visibility</p:attrName>
+                                        </p:attrNameLst>
+                                      </p:cBhvr>
+                                      <p:to>
+                                        <p:strVal val="visible"/>
+                                      </p:to>
+                                    </p:set>
+                                    <p:animEffect transition="in" filter="fade">
+                                      <p:cBhvr>
+                                        <p:cTn id="17" dur="500"/>
+                                        <p:tgtEl>
+                                          <p:spTgt spid="2"/>
+                                        </p:tgtEl>
+                                      </p:cBhvr>
+                                    </p:animEffect>
+                                  </p:childTnLst>
+                                </p:cTn>
+                              </p:par>
+                              <p:par>
+                                <p:cTn id="18" presetID="10" presetClass="entr" presetSubtype="0" fill="hold" grpId="0" nodeType="withEffect">
+                                  <p:stCondLst>
+                                    <p:cond delay="100"/>
+                                  </p:stCondLst>
+                                  <p:childTnLst>
+                                    <p:set>
+                                      <p:cBhvr>
+                                        <p:cTn id="19" dur="1" fill="hold">
+                                          <p:stCondLst>
+                                            <p:cond delay="0"/>
+                                          </p:stCondLst>
+                                        </p:cTn>
+                                        <p:tgtEl>
+                                          <p:spTgt spid="3">
+                                            <p:txEl>
+                                              <p:pRg st="0" end="0"/>
+                                            </p:txEl>
+                                          </p:spTgt>
+                                        </p:tgtEl>
+                                        <p:attrNameLst>
+                                          <p:attrName>style.visibility</p:attrName>
+                                        </p:attrNameLst>
+                                      </p:cBhvr>
+                                      <p:to>
+                                        <p:strVal val="visible"/>
+                                      </p:to>
+                                    </p:set>
+                                    <p:animEffect transition="in" filter="fade">
+                                      <p:cBhvr>
+                                        <p:cTn id="20" dur="500"/>
+                                        <p:tgtEl>
+                                          <p:spTgt spid="3">
+                                            <p:txEl>
+                                              <p:pRg st="0" end="0"/>
+                                            </p:txEl>
+                                          </p:spTgt>
+                                        </p:tgtEl>
+                                      </p:cBhvr>
+                                    </p:animEffect>
+                                  </p:childTnLst>
+                                </p:cTn>
+                              </p:par>
+                              <p:par>
+                                <p:cTn id="21" presetID="10" presetClass="entr" presetSubtype="0" fill="hold" grpId="0" nodeType="withEffect">
+                                  <p:stCondLst>
+                                    <p:cond delay="100"/>
+                                  </p:stCondLst>
+                                  <p:childTnLst>
+                                    <p:set>
+                                      <p:cBhvr>
+                                        <p:cTn id="22" dur="1" fill="hold">
+                                          <p:stCondLst>
+                                            <p:cond delay="0"/>
+                                          </p:stCondLst>
+                                        </p:cTn>
+                                        <p:tgtEl>
+                                          <p:spTgt spid="3">
+                                            <p:txEl>
+                                              <p:pRg st="3" end="3"/>
+                                            </p:txEl>
+                                          </p:spTgt>
+                                        </p:tgtEl>
+                                        <p:attrNameLst>
+                                          <p:attrName>style.visibility</p:attrName>
+                                        </p:attrNameLst>
+                                      </p:cBhvr>
+                                      <p:to>
+                                        <p:strVal val="visible"/>
+                                      </p:to>
+                                    </p:set>
+                                    <p:animEffect transition="in" filter="fade">
+                                      <p:cBhvr>
+                                        <p:cTn id="23" dur="500"/>
+                                        <p:tgtEl>
+                                          <p:spTgt spid="3">
+                                            <p:txEl>
+                                              <p:pRg st="3" end="3"/>
+                                            </p:txEl>
+                                          </p:spTgt>
+                                        </p:tgtEl>
+                                      </p:cBhvr>
+                                    </p:animEffect>
+                                  </p:childTnLst>
+                                </p:cTn>
+                              </p:par>
+                              <p:par>
+                                <p:cTn id="24" presetID="10" presetClass="entr" presetSubtype="0" fill="hold" grpId="0" nodeType="withEffect">
+                                  <p:stCondLst>
+                                    <p:cond delay="100"/>
+                                  </p:stCondLst>
+                                  <p:childTnLst>
+                                    <p:set>
+                                      <p:cBhvr>
+                                        <p:cTn id="25" dur="1" fill="hold">
+                                          <p:stCondLst>
+                                            <p:cond delay="0"/>
+                                          </p:stCondLst>
+                                        </p:cTn>
+                                        <p:tgtEl>
+                                          <p:spTgt spid="3">
+                                            <p:txEl>
+                                              <p:pRg st="6" end="6"/>
+                                            </p:txEl>
+                                          </p:spTgt>
+                                        </p:tgtEl>
+                                        <p:attrNameLst>
+                                          <p:attrName>style.visibility</p:attrName>
+                                        </p:attrNameLst>
+                                      </p:cBhvr>
+                                      <p:to>
+                                        <p:strVal val="visible"/>
+                                      </p:to>
+                                    </p:set>
+                                    <p:animEffect transition="in" filter="fade">
+                                      <p:cBhvr>
+                                        <p:cTn id="26" dur="500"/>
+                                        <p:tgtEl>
+                                          <p:spTgt spid="3">
+                                            <p:txEl>
+                                              <p:pRg st="6" end="6"/>
+                                            </p:txEl>
+                                          </p:spTgt>
+                                        </p:tgtEl>
+                                      </p:cBhvr>
+                                    </p:animEffect>
+                                  </p:childTnLst>
+                                </p:cTn>
+                              </p:par>
+                            </p:childTnLst>
+                          </p:cTn>
+                        </p:par>
+                      </p:childTnLst>
+                    </p:cTn>
+                  </p:par>
+                </p:childTnLst>
+              </p:cTn>
+              <p:prevCondLst>
+                <p:cond evt="onPrev" delay="0">
+                  <p:tgtEl>
+                    <p:sldTgt/>
+                  </p:tgtEl>
+                </p:cond>
+              </p:prevCondLst>
+              <p:nextCondLst>
+                <p:cond evt="onNext" delay="0">
+                  <p:tgtEl>
+                    <p:sldTgt/>
+                  </p:tgtEl>
+                </p:cond>
+              </p:nextCondLst>
+            </p:seq>
+          </p:childTnLst>
+        </p:cTn>
+      </p:par>
+    </p:tnLst>
+    <p:bldLst>
+      <p:bldP spid="2" grpId="0"/>
+      <p:bldP spid="3" grpId="0" build="p"/>
+    </p:bldLst>
+  </p:timing>
 </p:sld>
 </file>
 
@@ -4254,6 +4626,400 @@
   <p:clrMapOvr>
     <a:masterClrMapping/>
   </p:clrMapOvr>
+  <p:transition spd="med">
+    <p:pull/>
+  </p:transition>
+  <p:timing>
+    <p:tnLst>
+      <p:par>
+        <p:cTn id="1" dur="indefinite" restart="never" nodeType="tmRoot">
+          <p:childTnLst>
+            <p:seq concurrent="1" nextAc="seek">
+              <p:cTn id="2" dur="indefinite" nodeType="mainSeq">
+                <p:childTnLst>
+                  <p:par>
+                    <p:cTn id="3" fill="hold">
+                      <p:stCondLst>
+                        <p:cond delay="indefinite"/>
+                        <p:cond evt="onBegin" delay="0">
+                          <p:tn val="2"/>
+                        </p:cond>
+                      </p:stCondLst>
+                      <p:childTnLst>
+                        <p:par>
+                          <p:cTn id="4" fill="hold">
+                            <p:stCondLst>
+                              <p:cond delay="0"/>
+                            </p:stCondLst>
+                            <p:childTnLst>
+                              <p:par>
+                                <p:cTn id="5" presetID="10" presetClass="entr" presetSubtype="0" fill="hold" grpId="0" nodeType="afterEffect">
+                                  <p:stCondLst>
+                                    <p:cond delay="0"/>
+                                  </p:stCondLst>
+                                  <p:childTnLst>
+                                    <p:set>
+                                      <p:cBhvr>
+                                        <p:cTn id="6" dur="1" fill="hold">
+                                          <p:stCondLst>
+                                            <p:cond delay="0"/>
+                                          </p:stCondLst>
+                                        </p:cTn>
+                                        <p:tgtEl>
+                                          <p:spTgt spid="2"/>
+                                        </p:tgtEl>
+                                        <p:attrNameLst>
+                                          <p:attrName>style.visibility</p:attrName>
+                                        </p:attrNameLst>
+                                      </p:cBhvr>
+                                      <p:to>
+                                        <p:strVal val="visible"/>
+                                      </p:to>
+                                    </p:set>
+                                    <p:animEffect transition="in" filter="fade">
+                                      <p:cBhvr>
+                                        <p:cTn id="7" dur="500"/>
+                                        <p:tgtEl>
+                                          <p:spTgt spid="2"/>
+                                        </p:tgtEl>
+                                      </p:cBhvr>
+                                    </p:animEffect>
+                                  </p:childTnLst>
+                                </p:cTn>
+                              </p:par>
+                              <p:par>
+                                <p:cTn id="8" presetID="10" presetClass="entr" presetSubtype="0" fill="hold" grpId="0" nodeType="withEffect">
+                                  <p:stCondLst>
+                                    <p:cond delay="0"/>
+                                  </p:stCondLst>
+                                  <p:childTnLst>
+                                    <p:set>
+                                      <p:cBhvr>
+                                        <p:cTn id="9" dur="1" fill="hold">
+                                          <p:stCondLst>
+                                            <p:cond delay="0"/>
+                                          </p:stCondLst>
+                                        </p:cTn>
+                                        <p:tgtEl>
+                                          <p:spTgt spid="3">
+                                            <p:txEl>
+                                              <p:pRg st="0" end="0"/>
+                                            </p:txEl>
+                                          </p:spTgt>
+                                        </p:tgtEl>
+                                        <p:attrNameLst>
+                                          <p:attrName>style.visibility</p:attrName>
+                                        </p:attrNameLst>
+                                      </p:cBhvr>
+                                      <p:to>
+                                        <p:strVal val="visible"/>
+                                      </p:to>
+                                    </p:set>
+                                    <p:animEffect transition="in" filter="fade">
+                                      <p:cBhvr>
+                                        <p:cTn id="10" dur="500"/>
+                                        <p:tgtEl>
+                                          <p:spTgt spid="3">
+                                            <p:txEl>
+                                              <p:pRg st="0" end="0"/>
+                                            </p:txEl>
+                                          </p:spTgt>
+                                        </p:tgtEl>
+                                      </p:cBhvr>
+                                    </p:animEffect>
+                                  </p:childTnLst>
+                                </p:cTn>
+                              </p:par>
+                              <p:par>
+                                <p:cTn id="11" presetID="10" presetClass="entr" presetSubtype="0" fill="hold" grpId="0" nodeType="withEffect">
+                                  <p:stCondLst>
+                                    <p:cond delay="0"/>
+                                  </p:stCondLst>
+                                  <p:childTnLst>
+                                    <p:set>
+                                      <p:cBhvr>
+                                        <p:cTn id="12" dur="1" fill="hold">
+                                          <p:stCondLst>
+                                            <p:cond delay="0"/>
+                                          </p:stCondLst>
+                                        </p:cTn>
+                                        <p:tgtEl>
+                                          <p:spTgt spid="3">
+                                            <p:txEl>
+                                              <p:pRg st="1" end="1"/>
+                                            </p:txEl>
+                                          </p:spTgt>
+                                        </p:tgtEl>
+                                        <p:attrNameLst>
+                                          <p:attrName>style.visibility</p:attrName>
+                                        </p:attrNameLst>
+                                      </p:cBhvr>
+                                      <p:to>
+                                        <p:strVal val="visible"/>
+                                      </p:to>
+                                    </p:set>
+                                    <p:animEffect transition="in" filter="fade">
+                                      <p:cBhvr>
+                                        <p:cTn id="13" dur="500"/>
+                                        <p:tgtEl>
+                                          <p:spTgt spid="3">
+                                            <p:txEl>
+                                              <p:pRg st="1" end="1"/>
+                                            </p:txEl>
+                                          </p:spTgt>
+                                        </p:tgtEl>
+                                      </p:cBhvr>
+                                    </p:animEffect>
+                                  </p:childTnLst>
+                                </p:cTn>
+                              </p:par>
+                              <p:par>
+                                <p:cTn id="14" presetID="10" presetClass="entr" presetSubtype="0" fill="hold" grpId="0" nodeType="withEffect">
+                                  <p:stCondLst>
+                                    <p:cond delay="0"/>
+                                  </p:stCondLst>
+                                  <p:childTnLst>
+                                    <p:set>
+                                      <p:cBhvr>
+                                        <p:cTn id="15" dur="1" fill="hold">
+                                          <p:stCondLst>
+                                            <p:cond delay="0"/>
+                                          </p:stCondLst>
+                                        </p:cTn>
+                                        <p:tgtEl>
+                                          <p:spTgt spid="3">
+                                            <p:txEl>
+                                              <p:pRg st="2" end="2"/>
+                                            </p:txEl>
+                                          </p:spTgt>
+                                        </p:tgtEl>
+                                        <p:attrNameLst>
+                                          <p:attrName>style.visibility</p:attrName>
+                                        </p:attrNameLst>
+                                      </p:cBhvr>
+                                      <p:to>
+                                        <p:strVal val="visible"/>
+                                      </p:to>
+                                    </p:set>
+                                    <p:animEffect transition="in" filter="fade">
+                                      <p:cBhvr>
+                                        <p:cTn id="16" dur="500"/>
+                                        <p:tgtEl>
+                                          <p:spTgt spid="3">
+                                            <p:txEl>
+                                              <p:pRg st="2" end="2"/>
+                                            </p:txEl>
+                                          </p:spTgt>
+                                        </p:tgtEl>
+                                      </p:cBhvr>
+                                    </p:animEffect>
+                                  </p:childTnLst>
+                                </p:cTn>
+                              </p:par>
+                              <p:par>
+                                <p:cTn id="17" presetID="10" presetClass="entr" presetSubtype="0" fill="hold" grpId="0" nodeType="withEffect">
+                                  <p:stCondLst>
+                                    <p:cond delay="0"/>
+                                  </p:stCondLst>
+                                  <p:childTnLst>
+                                    <p:set>
+                                      <p:cBhvr>
+                                        <p:cTn id="18" dur="1" fill="hold">
+                                          <p:stCondLst>
+                                            <p:cond delay="0"/>
+                                          </p:stCondLst>
+                                        </p:cTn>
+                                        <p:tgtEl>
+                                          <p:spTgt spid="3">
+                                            <p:txEl>
+                                              <p:pRg st="3" end="3"/>
+                                            </p:txEl>
+                                          </p:spTgt>
+                                        </p:tgtEl>
+                                        <p:attrNameLst>
+                                          <p:attrName>style.visibility</p:attrName>
+                                        </p:attrNameLst>
+                                      </p:cBhvr>
+                                      <p:to>
+                                        <p:strVal val="visible"/>
+                                      </p:to>
+                                    </p:set>
+                                    <p:animEffect transition="in" filter="fade">
+                                      <p:cBhvr>
+                                        <p:cTn id="19" dur="500"/>
+                                        <p:tgtEl>
+                                          <p:spTgt spid="3">
+                                            <p:txEl>
+                                              <p:pRg st="3" end="3"/>
+                                            </p:txEl>
+                                          </p:spTgt>
+                                        </p:tgtEl>
+                                      </p:cBhvr>
+                                    </p:animEffect>
+                                  </p:childTnLst>
+                                </p:cTn>
+                              </p:par>
+                              <p:par>
+                                <p:cTn id="20" presetID="10" presetClass="entr" presetSubtype="0" fill="hold" grpId="0" nodeType="withEffect">
+                                  <p:stCondLst>
+                                    <p:cond delay="0"/>
+                                  </p:stCondLst>
+                                  <p:childTnLst>
+                                    <p:set>
+                                      <p:cBhvr>
+                                        <p:cTn id="21" dur="1" fill="hold">
+                                          <p:stCondLst>
+                                            <p:cond delay="0"/>
+                                          </p:stCondLst>
+                                        </p:cTn>
+                                        <p:tgtEl>
+                                          <p:spTgt spid="3">
+                                            <p:txEl>
+                                              <p:pRg st="4" end="4"/>
+                                            </p:txEl>
+                                          </p:spTgt>
+                                        </p:tgtEl>
+                                        <p:attrNameLst>
+                                          <p:attrName>style.visibility</p:attrName>
+                                        </p:attrNameLst>
+                                      </p:cBhvr>
+                                      <p:to>
+                                        <p:strVal val="visible"/>
+                                      </p:to>
+                                    </p:set>
+                                    <p:animEffect transition="in" filter="fade">
+                                      <p:cBhvr>
+                                        <p:cTn id="22" dur="500"/>
+                                        <p:tgtEl>
+                                          <p:spTgt spid="3">
+                                            <p:txEl>
+                                              <p:pRg st="4" end="4"/>
+                                            </p:txEl>
+                                          </p:spTgt>
+                                        </p:tgtEl>
+                                      </p:cBhvr>
+                                    </p:animEffect>
+                                  </p:childTnLst>
+                                </p:cTn>
+                              </p:par>
+                              <p:par>
+                                <p:cTn id="23" presetID="10" presetClass="entr" presetSubtype="0" fill="hold" grpId="0" nodeType="withEffect">
+                                  <p:stCondLst>
+                                    <p:cond delay="0"/>
+                                  </p:stCondLst>
+                                  <p:childTnLst>
+                                    <p:set>
+                                      <p:cBhvr>
+                                        <p:cTn id="24" dur="1" fill="hold">
+                                          <p:stCondLst>
+                                            <p:cond delay="0"/>
+                                          </p:stCondLst>
+                                        </p:cTn>
+                                        <p:tgtEl>
+                                          <p:spTgt spid="3">
+                                            <p:txEl>
+                                              <p:pRg st="5" end="5"/>
+                                            </p:txEl>
+                                          </p:spTgt>
+                                        </p:tgtEl>
+                                        <p:attrNameLst>
+                                          <p:attrName>style.visibility</p:attrName>
+                                        </p:attrNameLst>
+                                      </p:cBhvr>
+                                      <p:to>
+                                        <p:strVal val="visible"/>
+                                      </p:to>
+                                    </p:set>
+                                    <p:animEffect transition="in" filter="fade">
+                                      <p:cBhvr>
+                                        <p:cTn id="25" dur="500"/>
+                                        <p:tgtEl>
+                                          <p:spTgt spid="3">
+                                            <p:txEl>
+                                              <p:pRg st="5" end="5"/>
+                                            </p:txEl>
+                                          </p:spTgt>
+                                        </p:tgtEl>
+                                      </p:cBhvr>
+                                    </p:animEffect>
+                                  </p:childTnLst>
+                                </p:cTn>
+                              </p:par>
+                              <p:par>
+                                <p:cTn id="26" presetID="10" presetClass="entr" presetSubtype="0" fill="hold" grpId="0" nodeType="withEffect">
+                                  <p:stCondLst>
+                                    <p:cond delay="0"/>
+                                  </p:stCondLst>
+                                  <p:childTnLst>
+                                    <p:set>
+                                      <p:cBhvr>
+                                        <p:cTn id="27" dur="1" fill="hold">
+                                          <p:stCondLst>
+                                            <p:cond delay="0"/>
+                                          </p:stCondLst>
+                                        </p:cTn>
+                                        <p:tgtEl>
+                                          <p:spTgt spid="3">
+                                            <p:txEl>
+                                              <p:pRg st="6" end="6"/>
+                                            </p:txEl>
+                                          </p:spTgt>
+                                        </p:tgtEl>
+                                        <p:attrNameLst>
+                                          <p:attrName>style.visibility</p:attrName>
+                                        </p:attrNameLst>
+                                      </p:cBhvr>
+                                      <p:to>
+                                        <p:strVal val="visible"/>
+                                      </p:to>
+                                    </p:set>
+                                    <p:animEffect transition="in" filter="fade">
+                                      <p:cBhvr>
+                                        <p:cTn id="28" dur="500"/>
+                                        <p:tgtEl>
+                                          <p:spTgt spid="3">
+                                            <p:txEl>
+                                              <p:pRg st="6" end="6"/>
+                                            </p:txEl>
+                                          </p:spTgt>
+                                        </p:tgtEl>
+                                      </p:cBhvr>
+                                    </p:animEffect>
+                                  </p:childTnLst>
+                                </p:cTn>
+                              </p:par>
+                            </p:childTnLst>
+                          </p:cTn>
+                        </p:par>
+                      </p:childTnLst>
+                    </p:cTn>
+                  </p:par>
+                </p:childTnLst>
+              </p:cTn>
+              <p:prevCondLst>
+                <p:cond evt="onPrev" delay="0">
+                  <p:tgtEl>
+                    <p:sldTgt/>
+                  </p:tgtEl>
+                </p:cond>
+              </p:prevCondLst>
+              <p:nextCondLst>
+                <p:cond evt="onNext" delay="0">
+                  <p:tgtEl>
+                    <p:sldTgt/>
+                  </p:tgtEl>
+                </p:cond>
+              </p:nextCondLst>
+            </p:seq>
+          </p:childTnLst>
+        </p:cTn>
+      </p:par>
+    </p:tnLst>
+    <p:bldLst>
+      <p:bldP spid="2" grpId="0"/>
+      <p:bldP spid="3" grpId="0" build="p"/>
+    </p:bldLst>
+  </p:timing>
 </p:sld>
 </file>
 
@@ -4380,6 +5146,357 @@
   <p:clrMapOvr>
     <a:masterClrMapping/>
   </p:clrMapOvr>
+  <p:transition spd="med">
+    <p:pull/>
+  </p:transition>
+  <p:timing>
+    <p:tnLst>
+      <p:par>
+        <p:cTn id="1" dur="indefinite" restart="never" nodeType="tmRoot">
+          <p:childTnLst>
+            <p:seq concurrent="1" nextAc="seek">
+              <p:cTn id="2" dur="indefinite" nodeType="mainSeq">
+                <p:childTnLst>
+                  <p:par>
+                    <p:cTn id="3" fill="hold">
+                      <p:stCondLst>
+                        <p:cond delay="indefinite"/>
+                        <p:cond evt="onBegin" delay="0">
+                          <p:tn val="2"/>
+                        </p:cond>
+                      </p:stCondLst>
+                      <p:childTnLst>
+                        <p:par>
+                          <p:cTn id="4" fill="hold">
+                            <p:stCondLst>
+                              <p:cond delay="0"/>
+                            </p:stCondLst>
+                            <p:childTnLst>
+                              <p:par>
+                                <p:cTn id="5" presetID="10" presetClass="entr" presetSubtype="0" fill="hold" grpId="0" nodeType="afterEffect">
+                                  <p:stCondLst>
+                                    <p:cond delay="0"/>
+                                  </p:stCondLst>
+                                  <p:childTnLst>
+                                    <p:set>
+                                      <p:cBhvr>
+                                        <p:cTn id="6" dur="1" fill="hold">
+                                          <p:stCondLst>
+                                            <p:cond delay="0"/>
+                                          </p:stCondLst>
+                                        </p:cTn>
+                                        <p:tgtEl>
+                                          <p:spTgt spid="2"/>
+                                        </p:tgtEl>
+                                        <p:attrNameLst>
+                                          <p:attrName>style.visibility</p:attrName>
+                                        </p:attrNameLst>
+                                      </p:cBhvr>
+                                      <p:to>
+                                        <p:strVal val="visible"/>
+                                      </p:to>
+                                    </p:set>
+                                    <p:animEffect transition="in" filter="fade">
+                                      <p:cBhvr>
+                                        <p:cTn id="7" dur="500"/>
+                                        <p:tgtEl>
+                                          <p:spTgt spid="2"/>
+                                        </p:tgtEl>
+                                      </p:cBhvr>
+                                    </p:animEffect>
+                                  </p:childTnLst>
+                                </p:cTn>
+                              </p:par>
+                              <p:par>
+                                <p:cTn id="8" presetID="10" presetClass="entr" presetSubtype="0" fill="hold" grpId="0" nodeType="withEffect">
+                                  <p:stCondLst>
+                                    <p:cond delay="0"/>
+                                  </p:stCondLst>
+                                  <p:childTnLst>
+                                    <p:set>
+                                      <p:cBhvr>
+                                        <p:cTn id="9" dur="1" fill="hold">
+                                          <p:stCondLst>
+                                            <p:cond delay="0"/>
+                                          </p:stCondLst>
+                                        </p:cTn>
+                                        <p:tgtEl>
+                                          <p:spTgt spid="3">
+                                            <p:txEl>
+                                              <p:pRg st="0" end="0"/>
+                                            </p:txEl>
+                                          </p:spTgt>
+                                        </p:tgtEl>
+                                        <p:attrNameLst>
+                                          <p:attrName>style.visibility</p:attrName>
+                                        </p:attrNameLst>
+                                      </p:cBhvr>
+                                      <p:to>
+                                        <p:strVal val="visible"/>
+                                      </p:to>
+                                    </p:set>
+                                    <p:animEffect transition="in" filter="fade">
+                                      <p:cBhvr>
+                                        <p:cTn id="10" dur="500"/>
+                                        <p:tgtEl>
+                                          <p:spTgt spid="3">
+                                            <p:txEl>
+                                              <p:pRg st="0" end="0"/>
+                                            </p:txEl>
+                                          </p:spTgt>
+                                        </p:tgtEl>
+                                      </p:cBhvr>
+                                    </p:animEffect>
+                                  </p:childTnLst>
+                                </p:cTn>
+                              </p:par>
+                              <p:par>
+                                <p:cTn id="11" presetID="10" presetClass="entr" presetSubtype="0" fill="hold" grpId="0" nodeType="withEffect">
+                                  <p:stCondLst>
+                                    <p:cond delay="0"/>
+                                  </p:stCondLst>
+                                  <p:childTnLst>
+                                    <p:set>
+                                      <p:cBhvr>
+                                        <p:cTn id="12" dur="1" fill="hold">
+                                          <p:stCondLst>
+                                            <p:cond delay="0"/>
+                                          </p:stCondLst>
+                                        </p:cTn>
+                                        <p:tgtEl>
+                                          <p:spTgt spid="3">
+                                            <p:txEl>
+                                              <p:pRg st="1" end="1"/>
+                                            </p:txEl>
+                                          </p:spTgt>
+                                        </p:tgtEl>
+                                        <p:attrNameLst>
+                                          <p:attrName>style.visibility</p:attrName>
+                                        </p:attrNameLst>
+                                      </p:cBhvr>
+                                      <p:to>
+                                        <p:strVal val="visible"/>
+                                      </p:to>
+                                    </p:set>
+                                    <p:animEffect transition="in" filter="fade">
+                                      <p:cBhvr>
+                                        <p:cTn id="13" dur="500"/>
+                                        <p:tgtEl>
+                                          <p:spTgt spid="3">
+                                            <p:txEl>
+                                              <p:pRg st="1" end="1"/>
+                                            </p:txEl>
+                                          </p:spTgt>
+                                        </p:tgtEl>
+                                      </p:cBhvr>
+                                    </p:animEffect>
+                                  </p:childTnLst>
+                                </p:cTn>
+                              </p:par>
+                              <p:par>
+                                <p:cTn id="14" presetID="10" presetClass="entr" presetSubtype="0" fill="hold" grpId="0" nodeType="withEffect">
+                                  <p:stCondLst>
+                                    <p:cond delay="0"/>
+                                  </p:stCondLst>
+                                  <p:childTnLst>
+                                    <p:set>
+                                      <p:cBhvr>
+                                        <p:cTn id="15" dur="1" fill="hold">
+                                          <p:stCondLst>
+                                            <p:cond delay="0"/>
+                                          </p:stCondLst>
+                                        </p:cTn>
+                                        <p:tgtEl>
+                                          <p:spTgt spid="3">
+                                            <p:txEl>
+                                              <p:pRg st="2" end="2"/>
+                                            </p:txEl>
+                                          </p:spTgt>
+                                        </p:tgtEl>
+                                        <p:attrNameLst>
+                                          <p:attrName>style.visibility</p:attrName>
+                                        </p:attrNameLst>
+                                      </p:cBhvr>
+                                      <p:to>
+                                        <p:strVal val="visible"/>
+                                      </p:to>
+                                    </p:set>
+                                    <p:animEffect transition="in" filter="fade">
+                                      <p:cBhvr>
+                                        <p:cTn id="16" dur="500"/>
+                                        <p:tgtEl>
+                                          <p:spTgt spid="3">
+                                            <p:txEl>
+                                              <p:pRg st="2" end="2"/>
+                                            </p:txEl>
+                                          </p:spTgt>
+                                        </p:tgtEl>
+                                      </p:cBhvr>
+                                    </p:animEffect>
+                                  </p:childTnLst>
+                                </p:cTn>
+                              </p:par>
+                              <p:par>
+                                <p:cTn id="17" presetID="10" presetClass="entr" presetSubtype="0" fill="hold" grpId="0" nodeType="withEffect">
+                                  <p:stCondLst>
+                                    <p:cond delay="0"/>
+                                  </p:stCondLst>
+                                  <p:childTnLst>
+                                    <p:set>
+                                      <p:cBhvr>
+                                        <p:cTn id="18" dur="1" fill="hold">
+                                          <p:stCondLst>
+                                            <p:cond delay="0"/>
+                                          </p:stCondLst>
+                                        </p:cTn>
+                                        <p:tgtEl>
+                                          <p:spTgt spid="3">
+                                            <p:txEl>
+                                              <p:pRg st="3" end="3"/>
+                                            </p:txEl>
+                                          </p:spTgt>
+                                        </p:tgtEl>
+                                        <p:attrNameLst>
+                                          <p:attrName>style.visibility</p:attrName>
+                                        </p:attrNameLst>
+                                      </p:cBhvr>
+                                      <p:to>
+                                        <p:strVal val="visible"/>
+                                      </p:to>
+                                    </p:set>
+                                    <p:animEffect transition="in" filter="fade">
+                                      <p:cBhvr>
+                                        <p:cTn id="19" dur="500"/>
+                                        <p:tgtEl>
+                                          <p:spTgt spid="3">
+                                            <p:txEl>
+                                              <p:pRg st="3" end="3"/>
+                                            </p:txEl>
+                                          </p:spTgt>
+                                        </p:tgtEl>
+                                      </p:cBhvr>
+                                    </p:animEffect>
+                                  </p:childTnLst>
+                                </p:cTn>
+                              </p:par>
+                              <p:par>
+                                <p:cTn id="20" presetID="10" presetClass="entr" presetSubtype="0" fill="hold" grpId="0" nodeType="withEffect">
+                                  <p:stCondLst>
+                                    <p:cond delay="0"/>
+                                  </p:stCondLst>
+                                  <p:childTnLst>
+                                    <p:set>
+                                      <p:cBhvr>
+                                        <p:cTn id="21" dur="1" fill="hold">
+                                          <p:stCondLst>
+                                            <p:cond delay="0"/>
+                                          </p:stCondLst>
+                                        </p:cTn>
+                                        <p:tgtEl>
+                                          <p:spTgt spid="3">
+                                            <p:txEl>
+                                              <p:pRg st="4" end="4"/>
+                                            </p:txEl>
+                                          </p:spTgt>
+                                        </p:tgtEl>
+                                        <p:attrNameLst>
+                                          <p:attrName>style.visibility</p:attrName>
+                                        </p:attrNameLst>
+                                      </p:cBhvr>
+                                      <p:to>
+                                        <p:strVal val="visible"/>
+                                      </p:to>
+                                    </p:set>
+                                    <p:animEffect transition="in" filter="fade">
+                                      <p:cBhvr>
+                                        <p:cTn id="22" dur="500"/>
+                                        <p:tgtEl>
+                                          <p:spTgt spid="3">
+                                            <p:txEl>
+                                              <p:pRg st="4" end="4"/>
+                                            </p:txEl>
+                                          </p:spTgt>
+                                        </p:tgtEl>
+                                      </p:cBhvr>
+                                    </p:animEffect>
+                                  </p:childTnLst>
+                                </p:cTn>
+                              </p:par>
+                              <p:par>
+                                <p:cTn id="23" presetID="10" presetClass="entr" presetSubtype="0" fill="hold" grpId="0" nodeType="withEffect">
+                                  <p:stCondLst>
+                                    <p:cond delay="0"/>
+                                  </p:stCondLst>
+                                  <p:childTnLst>
+                                    <p:set>
+                                      <p:cBhvr>
+                                        <p:cTn id="24" dur="1" fill="hold">
+                                          <p:stCondLst>
+                                            <p:cond delay="0"/>
+                                          </p:stCondLst>
+                                        </p:cTn>
+                                        <p:tgtEl>
+                                          <p:spTgt spid="3">
+                                            <p:txEl>
+                                              <p:pRg st="5" end="5"/>
+                                            </p:txEl>
+                                          </p:spTgt>
+                                        </p:tgtEl>
+                                        <p:attrNameLst>
+                                          <p:attrName>style.visibility</p:attrName>
+                                        </p:attrNameLst>
+                                      </p:cBhvr>
+                                      <p:to>
+                                        <p:strVal val="visible"/>
+                                      </p:to>
+                                    </p:set>
+                                    <p:animEffect transition="in" filter="fade">
+                                      <p:cBhvr>
+                                        <p:cTn id="25" dur="500"/>
+                                        <p:tgtEl>
+                                          <p:spTgt spid="3">
+                                            <p:txEl>
+                                              <p:pRg st="5" end="5"/>
+                                            </p:txEl>
+                                          </p:spTgt>
+                                        </p:tgtEl>
+                                      </p:cBhvr>
+                                    </p:animEffect>
+                                  </p:childTnLst>
+                                </p:cTn>
+                              </p:par>
+                            </p:childTnLst>
+                          </p:cTn>
+                        </p:par>
+                      </p:childTnLst>
+                    </p:cTn>
+                  </p:par>
+                </p:childTnLst>
+              </p:cTn>
+              <p:prevCondLst>
+                <p:cond evt="onPrev" delay="0">
+                  <p:tgtEl>
+                    <p:sldTgt/>
+                  </p:tgtEl>
+                </p:cond>
+              </p:prevCondLst>
+              <p:nextCondLst>
+                <p:cond evt="onNext" delay="0">
+                  <p:tgtEl>
+                    <p:sldTgt/>
+                  </p:tgtEl>
+                </p:cond>
+              </p:nextCondLst>
+            </p:seq>
+          </p:childTnLst>
+        </p:cTn>
+      </p:par>
+    </p:tnLst>
+    <p:bldLst>
+      <p:bldP spid="2" grpId="0"/>
+      <p:bldP spid="3" grpId="0" build="p"/>
+    </p:bldLst>
+  </p:timing>
 </p:sld>
 </file>
 
@@ -4544,6 +5661,306 @@
   <p:clrMapOvr>
     <a:masterClrMapping/>
   </p:clrMapOvr>
+  <p:transition spd="med">
+    <p:pull/>
+  </p:transition>
+  <p:timing>
+    <p:tnLst>
+      <p:par>
+        <p:cTn id="1" dur="indefinite" restart="never" nodeType="tmRoot">
+          <p:childTnLst>
+            <p:seq concurrent="1" nextAc="seek">
+              <p:cTn id="2" dur="indefinite" nodeType="mainSeq">
+                <p:childTnLst>
+                  <p:par>
+                    <p:cTn id="3" fill="hold">
+                      <p:stCondLst>
+                        <p:cond delay="indefinite"/>
+                        <p:cond evt="onBegin" delay="0">
+                          <p:tn val="2"/>
+                        </p:cond>
+                      </p:stCondLst>
+                      <p:childTnLst>
+                        <p:par>
+                          <p:cTn id="4" fill="hold">
+                            <p:stCondLst>
+                              <p:cond delay="0"/>
+                            </p:stCondLst>
+                            <p:childTnLst>
+                              <p:par>
+                                <p:cTn id="5" presetID="10" presetClass="entr" presetSubtype="0" fill="hold" grpId="0" nodeType="afterEffect">
+                                  <p:stCondLst>
+                                    <p:cond delay="0"/>
+                                  </p:stCondLst>
+                                  <p:childTnLst>
+                                    <p:set>
+                                      <p:cBhvr>
+                                        <p:cTn id="6" dur="1" fill="hold">
+                                          <p:stCondLst>
+                                            <p:cond delay="0"/>
+                                          </p:stCondLst>
+                                        </p:cTn>
+                                        <p:tgtEl>
+                                          <p:spTgt spid="2"/>
+                                        </p:tgtEl>
+                                        <p:attrNameLst>
+                                          <p:attrName>style.visibility</p:attrName>
+                                        </p:attrNameLst>
+                                      </p:cBhvr>
+                                      <p:to>
+                                        <p:strVal val="visible"/>
+                                      </p:to>
+                                    </p:set>
+                                    <p:animEffect transition="in" filter="fade">
+                                      <p:cBhvr>
+                                        <p:cTn id="7" dur="500"/>
+                                        <p:tgtEl>
+                                          <p:spTgt spid="2"/>
+                                        </p:tgtEl>
+                                      </p:cBhvr>
+                                    </p:animEffect>
+                                  </p:childTnLst>
+                                </p:cTn>
+                              </p:par>
+                              <p:par>
+                                <p:cTn id="8" presetID="10" presetClass="entr" presetSubtype="0" fill="hold" grpId="0" nodeType="withEffect">
+                                  <p:stCondLst>
+                                    <p:cond delay="0"/>
+                                  </p:stCondLst>
+                                  <p:childTnLst>
+                                    <p:set>
+                                      <p:cBhvr>
+                                        <p:cTn id="9" dur="1" fill="hold">
+                                          <p:stCondLst>
+                                            <p:cond delay="0"/>
+                                          </p:stCondLst>
+                                        </p:cTn>
+                                        <p:tgtEl>
+                                          <p:spTgt spid="3">
+                                            <p:txEl>
+                                              <p:pRg st="0" end="0"/>
+                                            </p:txEl>
+                                          </p:spTgt>
+                                        </p:tgtEl>
+                                        <p:attrNameLst>
+                                          <p:attrName>style.visibility</p:attrName>
+                                        </p:attrNameLst>
+                                      </p:cBhvr>
+                                      <p:to>
+                                        <p:strVal val="visible"/>
+                                      </p:to>
+                                    </p:set>
+                                    <p:animEffect transition="in" filter="fade">
+                                      <p:cBhvr>
+                                        <p:cTn id="10" dur="500"/>
+                                        <p:tgtEl>
+                                          <p:spTgt spid="3">
+                                            <p:txEl>
+                                              <p:pRg st="0" end="0"/>
+                                            </p:txEl>
+                                          </p:spTgt>
+                                        </p:tgtEl>
+                                      </p:cBhvr>
+                                    </p:animEffect>
+                                  </p:childTnLst>
+                                </p:cTn>
+                              </p:par>
+                              <p:par>
+                                <p:cTn id="11" presetID="10" presetClass="entr" presetSubtype="0" fill="hold" grpId="0" nodeType="withEffect">
+                                  <p:stCondLst>
+                                    <p:cond delay="0"/>
+                                  </p:stCondLst>
+                                  <p:childTnLst>
+                                    <p:set>
+                                      <p:cBhvr>
+                                        <p:cTn id="12" dur="1" fill="hold">
+                                          <p:stCondLst>
+                                            <p:cond delay="0"/>
+                                          </p:stCondLst>
+                                        </p:cTn>
+                                        <p:tgtEl>
+                                          <p:spTgt spid="3">
+                                            <p:txEl>
+                                              <p:pRg st="1" end="1"/>
+                                            </p:txEl>
+                                          </p:spTgt>
+                                        </p:tgtEl>
+                                        <p:attrNameLst>
+                                          <p:attrName>style.visibility</p:attrName>
+                                        </p:attrNameLst>
+                                      </p:cBhvr>
+                                      <p:to>
+                                        <p:strVal val="visible"/>
+                                      </p:to>
+                                    </p:set>
+                                    <p:animEffect transition="in" filter="fade">
+                                      <p:cBhvr>
+                                        <p:cTn id="13" dur="500"/>
+                                        <p:tgtEl>
+                                          <p:spTgt spid="3">
+                                            <p:txEl>
+                                              <p:pRg st="1" end="1"/>
+                                            </p:txEl>
+                                          </p:spTgt>
+                                        </p:tgtEl>
+                                      </p:cBhvr>
+                                    </p:animEffect>
+                                  </p:childTnLst>
+                                </p:cTn>
+                              </p:par>
+                              <p:par>
+                                <p:cTn id="14" presetID="10" presetClass="entr" presetSubtype="0" fill="hold" grpId="0" nodeType="withEffect">
+                                  <p:stCondLst>
+                                    <p:cond delay="0"/>
+                                  </p:stCondLst>
+                                  <p:childTnLst>
+                                    <p:set>
+                                      <p:cBhvr>
+                                        <p:cTn id="15" dur="1" fill="hold">
+                                          <p:stCondLst>
+                                            <p:cond delay="0"/>
+                                          </p:stCondLst>
+                                        </p:cTn>
+                                        <p:tgtEl>
+                                          <p:spTgt spid="3">
+                                            <p:txEl>
+                                              <p:pRg st="2" end="2"/>
+                                            </p:txEl>
+                                          </p:spTgt>
+                                        </p:tgtEl>
+                                        <p:attrNameLst>
+                                          <p:attrName>style.visibility</p:attrName>
+                                        </p:attrNameLst>
+                                      </p:cBhvr>
+                                      <p:to>
+                                        <p:strVal val="visible"/>
+                                      </p:to>
+                                    </p:set>
+                                    <p:animEffect transition="in" filter="fade">
+                                      <p:cBhvr>
+                                        <p:cTn id="16" dur="500"/>
+                                        <p:tgtEl>
+                                          <p:spTgt spid="3">
+                                            <p:txEl>
+                                              <p:pRg st="2" end="2"/>
+                                            </p:txEl>
+                                          </p:spTgt>
+                                        </p:tgtEl>
+                                      </p:cBhvr>
+                                    </p:animEffect>
+                                  </p:childTnLst>
+                                </p:cTn>
+                              </p:par>
+                              <p:par>
+                                <p:cTn id="17" presetID="10" presetClass="entr" presetSubtype="0" fill="hold" grpId="0" nodeType="withEffect">
+                                  <p:stCondLst>
+                                    <p:cond delay="0"/>
+                                  </p:stCondLst>
+                                  <p:childTnLst>
+                                    <p:set>
+                                      <p:cBhvr>
+                                        <p:cTn id="18" dur="1" fill="hold">
+                                          <p:stCondLst>
+                                            <p:cond delay="0"/>
+                                          </p:stCondLst>
+                                        </p:cTn>
+                                        <p:tgtEl>
+                                          <p:spTgt spid="3">
+                                            <p:txEl>
+                                              <p:pRg st="3" end="3"/>
+                                            </p:txEl>
+                                          </p:spTgt>
+                                        </p:tgtEl>
+                                        <p:attrNameLst>
+                                          <p:attrName>style.visibility</p:attrName>
+                                        </p:attrNameLst>
+                                      </p:cBhvr>
+                                      <p:to>
+                                        <p:strVal val="visible"/>
+                                      </p:to>
+                                    </p:set>
+                                    <p:animEffect transition="in" filter="fade">
+                                      <p:cBhvr>
+                                        <p:cTn id="19" dur="500"/>
+                                        <p:tgtEl>
+                                          <p:spTgt spid="3">
+                                            <p:txEl>
+                                              <p:pRg st="3" end="3"/>
+                                            </p:txEl>
+                                          </p:spTgt>
+                                        </p:tgtEl>
+                                      </p:cBhvr>
+                                    </p:animEffect>
+                                  </p:childTnLst>
+                                </p:cTn>
+                              </p:par>
+                              <p:par>
+                                <p:cTn id="20" presetID="10" presetClass="entr" presetSubtype="0" fill="hold" nodeType="withEffect">
+                                  <p:stCondLst>
+                                    <p:cond delay="0"/>
+                                  </p:stCondLst>
+                                  <p:childTnLst>
+                                    <p:set>
+                                      <p:cBhvr>
+                                        <p:cTn id="21" dur="1" fill="hold">
+                                          <p:stCondLst>
+                                            <p:cond delay="0"/>
+                                          </p:stCondLst>
+                                        </p:cTn>
+                                        <p:tgtEl>
+                                          <p:spTgt spid="7"/>
+                                        </p:tgtEl>
+                                        <p:attrNameLst>
+                                          <p:attrName>style.visibility</p:attrName>
+                                        </p:attrNameLst>
+                                      </p:cBhvr>
+                                      <p:to>
+                                        <p:strVal val="visible"/>
+                                      </p:to>
+                                    </p:set>
+                                    <p:animEffect transition="in" filter="fade">
+                                      <p:cBhvr>
+                                        <p:cTn id="22" dur="500"/>
+                                        <p:tgtEl>
+                                          <p:spTgt spid="7"/>
+                                        </p:tgtEl>
+                                      </p:cBhvr>
+                                    </p:animEffect>
+                                  </p:childTnLst>
+                                </p:cTn>
+                              </p:par>
+                            </p:childTnLst>
+                          </p:cTn>
+                        </p:par>
+                      </p:childTnLst>
+                    </p:cTn>
+                  </p:par>
+                </p:childTnLst>
+              </p:cTn>
+              <p:prevCondLst>
+                <p:cond evt="onPrev" delay="0">
+                  <p:tgtEl>
+                    <p:sldTgt/>
+                  </p:tgtEl>
+                </p:cond>
+              </p:prevCondLst>
+              <p:nextCondLst>
+                <p:cond evt="onNext" delay="0">
+                  <p:tgtEl>
+                    <p:sldTgt/>
+                  </p:tgtEl>
+                </p:cond>
+              </p:nextCondLst>
+            </p:seq>
+          </p:childTnLst>
+        </p:cTn>
+      </p:par>
+    </p:tnLst>
+    <p:bldLst>
+      <p:bldP spid="2" grpId="0"/>
+      <p:bldP spid="3" grpId="0" build="p"/>
+    </p:bldLst>
+  </p:timing>
 </p:sld>
 </file>
 
@@ -4615,19 +6032,19 @@
           <a:p>
             <a:r>
               <a:rPr lang="en-US" dirty="0"/>
-              <a:t>Perform RRF using all the runs in .txt documents inside that input directory.</a:t>
+              <a:t>Perform RRF using all the runs in .txt documents inside the input directory.</a:t>
             </a:r>
           </a:p>
           <a:p>
             <a:r>
               <a:rPr lang="en-US" dirty="0"/>
-              <a:t>For each documents and for each topic the documents and their respective ranking are collected.</a:t>
+              <a:t>For each document and for each topic, the documents and their respective ranking are collected.</a:t>
             </a:r>
           </a:p>
           <a:p>
             <a:r>
               <a:rPr lang="en-US" dirty="0"/>
-              <a:t>Then document receive a new scoring using the RRF formula</a:t>
+              <a:t>Then each document receives a new scoring using the RRF formula</a:t>
             </a:r>
           </a:p>
         </p:txBody>
@@ -4678,6 +6095,263 @@
   <p:clrMapOvr>
     <a:masterClrMapping/>
   </p:clrMapOvr>
+  <p:transition spd="med">
+    <p:pull/>
+  </p:transition>
+  <p:timing>
+    <p:tnLst>
+      <p:par>
+        <p:cTn id="1" dur="indefinite" restart="never" nodeType="tmRoot">
+          <p:childTnLst>
+            <p:seq concurrent="1" nextAc="seek">
+              <p:cTn id="2" dur="indefinite" nodeType="mainSeq">
+                <p:childTnLst>
+                  <p:par>
+                    <p:cTn id="3" fill="hold">
+                      <p:stCondLst>
+                        <p:cond delay="indefinite"/>
+                        <p:cond evt="onBegin" delay="0">
+                          <p:tn val="2"/>
+                        </p:cond>
+                      </p:stCondLst>
+                      <p:childTnLst>
+                        <p:par>
+                          <p:cTn id="4" fill="hold">
+                            <p:stCondLst>
+                              <p:cond delay="0"/>
+                            </p:stCondLst>
+                            <p:childTnLst>
+                              <p:par>
+                                <p:cTn id="5" presetID="10" presetClass="entr" presetSubtype="0" fill="hold" grpId="0" nodeType="afterEffect">
+                                  <p:stCondLst>
+                                    <p:cond delay="0"/>
+                                  </p:stCondLst>
+                                  <p:childTnLst>
+                                    <p:set>
+                                      <p:cBhvr>
+                                        <p:cTn id="6" dur="1" fill="hold">
+                                          <p:stCondLst>
+                                            <p:cond delay="0"/>
+                                          </p:stCondLst>
+                                        </p:cTn>
+                                        <p:tgtEl>
+                                          <p:spTgt spid="2"/>
+                                        </p:tgtEl>
+                                        <p:attrNameLst>
+                                          <p:attrName>style.visibility</p:attrName>
+                                        </p:attrNameLst>
+                                      </p:cBhvr>
+                                      <p:to>
+                                        <p:strVal val="visible"/>
+                                      </p:to>
+                                    </p:set>
+                                    <p:animEffect transition="in" filter="fade">
+                                      <p:cBhvr>
+                                        <p:cTn id="7" dur="500"/>
+                                        <p:tgtEl>
+                                          <p:spTgt spid="2"/>
+                                        </p:tgtEl>
+                                      </p:cBhvr>
+                                    </p:animEffect>
+                                  </p:childTnLst>
+                                </p:cTn>
+                              </p:par>
+                              <p:par>
+                                <p:cTn id="8" presetID="10" presetClass="entr" presetSubtype="0" fill="hold" grpId="0" nodeType="withEffect">
+                                  <p:stCondLst>
+                                    <p:cond delay="0"/>
+                                  </p:stCondLst>
+                                  <p:childTnLst>
+                                    <p:set>
+                                      <p:cBhvr>
+                                        <p:cTn id="9" dur="1" fill="hold">
+                                          <p:stCondLst>
+                                            <p:cond delay="0"/>
+                                          </p:stCondLst>
+                                        </p:cTn>
+                                        <p:tgtEl>
+                                          <p:spTgt spid="3">
+                                            <p:txEl>
+                                              <p:pRg st="0" end="0"/>
+                                            </p:txEl>
+                                          </p:spTgt>
+                                        </p:tgtEl>
+                                        <p:attrNameLst>
+                                          <p:attrName>style.visibility</p:attrName>
+                                        </p:attrNameLst>
+                                      </p:cBhvr>
+                                      <p:to>
+                                        <p:strVal val="visible"/>
+                                      </p:to>
+                                    </p:set>
+                                    <p:animEffect transition="in" filter="fade">
+                                      <p:cBhvr>
+                                        <p:cTn id="10" dur="500"/>
+                                        <p:tgtEl>
+                                          <p:spTgt spid="3">
+                                            <p:txEl>
+                                              <p:pRg st="0" end="0"/>
+                                            </p:txEl>
+                                          </p:spTgt>
+                                        </p:tgtEl>
+                                      </p:cBhvr>
+                                    </p:animEffect>
+                                  </p:childTnLst>
+                                </p:cTn>
+                              </p:par>
+                              <p:par>
+                                <p:cTn id="11" presetID="10" presetClass="entr" presetSubtype="0" fill="hold" grpId="0" nodeType="withEffect">
+                                  <p:stCondLst>
+                                    <p:cond delay="0"/>
+                                  </p:stCondLst>
+                                  <p:childTnLst>
+                                    <p:set>
+                                      <p:cBhvr>
+                                        <p:cTn id="12" dur="1" fill="hold">
+                                          <p:stCondLst>
+                                            <p:cond delay="0"/>
+                                          </p:stCondLst>
+                                        </p:cTn>
+                                        <p:tgtEl>
+                                          <p:spTgt spid="3">
+                                            <p:txEl>
+                                              <p:pRg st="1" end="1"/>
+                                            </p:txEl>
+                                          </p:spTgt>
+                                        </p:tgtEl>
+                                        <p:attrNameLst>
+                                          <p:attrName>style.visibility</p:attrName>
+                                        </p:attrNameLst>
+                                      </p:cBhvr>
+                                      <p:to>
+                                        <p:strVal val="visible"/>
+                                      </p:to>
+                                    </p:set>
+                                    <p:animEffect transition="in" filter="fade">
+                                      <p:cBhvr>
+                                        <p:cTn id="13" dur="500"/>
+                                        <p:tgtEl>
+                                          <p:spTgt spid="3">
+                                            <p:txEl>
+                                              <p:pRg st="1" end="1"/>
+                                            </p:txEl>
+                                          </p:spTgt>
+                                        </p:tgtEl>
+                                      </p:cBhvr>
+                                    </p:animEffect>
+                                  </p:childTnLst>
+                                </p:cTn>
+                              </p:par>
+                              <p:par>
+                                <p:cTn id="14" presetID="10" presetClass="entr" presetSubtype="0" fill="hold" grpId="0" nodeType="withEffect">
+                                  <p:stCondLst>
+                                    <p:cond delay="0"/>
+                                  </p:stCondLst>
+                                  <p:childTnLst>
+                                    <p:set>
+                                      <p:cBhvr>
+                                        <p:cTn id="15" dur="1" fill="hold">
+                                          <p:stCondLst>
+                                            <p:cond delay="0"/>
+                                          </p:stCondLst>
+                                        </p:cTn>
+                                        <p:tgtEl>
+                                          <p:spTgt spid="3">
+                                            <p:txEl>
+                                              <p:pRg st="2" end="2"/>
+                                            </p:txEl>
+                                          </p:spTgt>
+                                        </p:tgtEl>
+                                        <p:attrNameLst>
+                                          <p:attrName>style.visibility</p:attrName>
+                                        </p:attrNameLst>
+                                      </p:cBhvr>
+                                      <p:to>
+                                        <p:strVal val="visible"/>
+                                      </p:to>
+                                    </p:set>
+                                    <p:animEffect transition="in" filter="fade">
+                                      <p:cBhvr>
+                                        <p:cTn id="16" dur="500"/>
+                                        <p:tgtEl>
+                                          <p:spTgt spid="3">
+                                            <p:txEl>
+                                              <p:pRg st="2" end="2"/>
+                                            </p:txEl>
+                                          </p:spTgt>
+                                        </p:tgtEl>
+                                      </p:cBhvr>
+                                    </p:animEffect>
+                                  </p:childTnLst>
+                                </p:cTn>
+                              </p:par>
+                              <p:par>
+                                <p:cTn id="17" presetID="10" presetClass="entr" presetSubtype="0" fill="hold" nodeType="withEffect">
+                                  <p:stCondLst>
+                                    <p:cond delay="0"/>
+                                  </p:stCondLst>
+                                  <p:childTnLst>
+                                    <p:set>
+                                      <p:cBhvr>
+                                        <p:cTn id="18" dur="1" fill="hold">
+                                          <p:stCondLst>
+                                            <p:cond delay="0"/>
+                                          </p:stCondLst>
+                                        </p:cTn>
+                                        <p:tgtEl>
+                                          <p:spTgt spid="5"/>
+                                        </p:tgtEl>
+                                        <p:attrNameLst>
+                                          <p:attrName>style.visibility</p:attrName>
+                                        </p:attrNameLst>
+                                      </p:cBhvr>
+                                      <p:to>
+                                        <p:strVal val="visible"/>
+                                      </p:to>
+                                    </p:set>
+                                    <p:animEffect transition="in" filter="fade">
+                                      <p:cBhvr>
+                                        <p:cTn id="19" dur="500"/>
+                                        <p:tgtEl>
+                                          <p:spTgt spid="5"/>
+                                        </p:tgtEl>
+                                      </p:cBhvr>
+                                    </p:animEffect>
+                                  </p:childTnLst>
+                                </p:cTn>
+                              </p:par>
+                            </p:childTnLst>
+                          </p:cTn>
+                        </p:par>
+                      </p:childTnLst>
+                    </p:cTn>
+                  </p:par>
+                </p:childTnLst>
+              </p:cTn>
+              <p:prevCondLst>
+                <p:cond evt="onPrev" delay="0">
+                  <p:tgtEl>
+                    <p:sldTgt/>
+                  </p:tgtEl>
+                </p:cond>
+              </p:prevCondLst>
+              <p:nextCondLst>
+                <p:cond evt="onNext" delay="0">
+                  <p:tgtEl>
+                    <p:sldTgt/>
+                  </p:tgtEl>
+                </p:cond>
+              </p:nextCondLst>
+            </p:seq>
+          </p:childTnLst>
+        </p:cTn>
+      </p:par>
+    </p:tnLst>
+    <p:bldLst>
+      <p:bldP spid="2" grpId="0"/>
+      <p:bldP spid="3" grpId="0" build="p"/>
+    </p:bldLst>
+  </p:timing>
 </p:sld>
 </file>
 
@@ -4784,6 +6458,228 @@
   <p:clrMapOvr>
     <a:masterClrMapping/>
   </p:clrMapOvr>
+  <p:transition spd="med">
+    <p:pull/>
+  </p:transition>
+  <p:timing>
+    <p:tnLst>
+      <p:par>
+        <p:cTn id="1" dur="indefinite" restart="never" nodeType="tmRoot">
+          <p:childTnLst>
+            <p:seq concurrent="1" nextAc="seek">
+              <p:cTn id="2" dur="indefinite" nodeType="mainSeq">
+                <p:childTnLst>
+                  <p:par>
+                    <p:cTn id="3" fill="hold">
+                      <p:stCondLst>
+                        <p:cond delay="indefinite"/>
+                        <p:cond evt="onBegin" delay="0">
+                          <p:tn val="2"/>
+                        </p:cond>
+                      </p:stCondLst>
+                      <p:childTnLst>
+                        <p:par>
+                          <p:cTn id="4" fill="hold">
+                            <p:stCondLst>
+                              <p:cond delay="0"/>
+                            </p:stCondLst>
+                            <p:childTnLst>
+                              <p:par>
+                                <p:cTn id="5" presetID="10" presetClass="entr" presetSubtype="0" fill="hold" grpId="0" nodeType="afterEffect">
+                                  <p:stCondLst>
+                                    <p:cond delay="0"/>
+                                  </p:stCondLst>
+                                  <p:childTnLst>
+                                    <p:set>
+                                      <p:cBhvr>
+                                        <p:cTn id="6" dur="1" fill="hold">
+                                          <p:stCondLst>
+                                            <p:cond delay="0"/>
+                                          </p:stCondLst>
+                                        </p:cTn>
+                                        <p:tgtEl>
+                                          <p:spTgt spid="2"/>
+                                        </p:tgtEl>
+                                        <p:attrNameLst>
+                                          <p:attrName>style.visibility</p:attrName>
+                                        </p:attrNameLst>
+                                      </p:cBhvr>
+                                      <p:to>
+                                        <p:strVal val="visible"/>
+                                      </p:to>
+                                    </p:set>
+                                    <p:animEffect transition="in" filter="fade">
+                                      <p:cBhvr>
+                                        <p:cTn id="7" dur="500"/>
+                                        <p:tgtEl>
+                                          <p:spTgt spid="2"/>
+                                        </p:tgtEl>
+                                      </p:cBhvr>
+                                    </p:animEffect>
+                                  </p:childTnLst>
+                                </p:cTn>
+                              </p:par>
+                              <p:par>
+                                <p:cTn id="8" presetID="10" presetClass="entr" presetSubtype="0" fill="hold" grpId="0" nodeType="withEffect">
+                                  <p:stCondLst>
+                                    <p:cond delay="0"/>
+                                  </p:stCondLst>
+                                  <p:childTnLst>
+                                    <p:set>
+                                      <p:cBhvr>
+                                        <p:cTn id="9" dur="1" fill="hold">
+                                          <p:stCondLst>
+                                            <p:cond delay="0"/>
+                                          </p:stCondLst>
+                                        </p:cTn>
+                                        <p:tgtEl>
+                                          <p:spTgt spid="3">
+                                            <p:txEl>
+                                              <p:pRg st="0" end="0"/>
+                                            </p:txEl>
+                                          </p:spTgt>
+                                        </p:tgtEl>
+                                        <p:attrNameLst>
+                                          <p:attrName>style.visibility</p:attrName>
+                                        </p:attrNameLst>
+                                      </p:cBhvr>
+                                      <p:to>
+                                        <p:strVal val="visible"/>
+                                      </p:to>
+                                    </p:set>
+                                    <p:animEffect transition="in" filter="fade">
+                                      <p:cBhvr>
+                                        <p:cTn id="10" dur="500"/>
+                                        <p:tgtEl>
+                                          <p:spTgt spid="3">
+                                            <p:txEl>
+                                              <p:pRg st="0" end="0"/>
+                                            </p:txEl>
+                                          </p:spTgt>
+                                        </p:tgtEl>
+                                      </p:cBhvr>
+                                    </p:animEffect>
+                                  </p:childTnLst>
+                                </p:cTn>
+                              </p:par>
+                              <p:par>
+                                <p:cTn id="11" presetID="10" presetClass="entr" presetSubtype="0" fill="hold" grpId="0" nodeType="withEffect">
+                                  <p:stCondLst>
+                                    <p:cond delay="0"/>
+                                  </p:stCondLst>
+                                  <p:childTnLst>
+                                    <p:set>
+                                      <p:cBhvr>
+                                        <p:cTn id="12" dur="1" fill="hold">
+                                          <p:stCondLst>
+                                            <p:cond delay="0"/>
+                                          </p:stCondLst>
+                                        </p:cTn>
+                                        <p:tgtEl>
+                                          <p:spTgt spid="3">
+                                            <p:txEl>
+                                              <p:pRg st="1" end="1"/>
+                                            </p:txEl>
+                                          </p:spTgt>
+                                        </p:tgtEl>
+                                        <p:attrNameLst>
+                                          <p:attrName>style.visibility</p:attrName>
+                                        </p:attrNameLst>
+                                      </p:cBhvr>
+                                      <p:to>
+                                        <p:strVal val="visible"/>
+                                      </p:to>
+                                    </p:set>
+                                    <p:animEffect transition="in" filter="fade">
+                                      <p:cBhvr>
+                                        <p:cTn id="13" dur="500"/>
+                                        <p:tgtEl>
+                                          <p:spTgt spid="3">
+                                            <p:txEl>
+                                              <p:pRg st="1" end="1"/>
+                                            </p:txEl>
+                                          </p:spTgt>
+                                        </p:tgtEl>
+                                      </p:cBhvr>
+                                    </p:animEffect>
+                                  </p:childTnLst>
+                                </p:cTn>
+                              </p:par>
+                              <p:par>
+                                <p:cTn id="14" presetID="10" presetClass="entr" presetSubtype="0" fill="hold" grpId="0" nodeType="withEffect">
+                                  <p:stCondLst>
+                                    <p:cond delay="0"/>
+                                  </p:stCondLst>
+                                  <p:childTnLst>
+                                    <p:set>
+                                      <p:cBhvr>
+                                        <p:cTn id="15" dur="1" fill="hold">
+                                          <p:stCondLst>
+                                            <p:cond delay="0"/>
+                                          </p:stCondLst>
+                                        </p:cTn>
+                                        <p:tgtEl>
+                                          <p:spTgt spid="3">
+                                            <p:txEl>
+                                              <p:pRg st="2" end="2"/>
+                                            </p:txEl>
+                                          </p:spTgt>
+                                        </p:tgtEl>
+                                        <p:attrNameLst>
+                                          <p:attrName>style.visibility</p:attrName>
+                                        </p:attrNameLst>
+                                      </p:cBhvr>
+                                      <p:to>
+                                        <p:strVal val="visible"/>
+                                      </p:to>
+                                    </p:set>
+                                    <p:animEffect transition="in" filter="fade">
+                                      <p:cBhvr>
+                                        <p:cTn id="16" dur="500"/>
+                                        <p:tgtEl>
+                                          <p:spTgt spid="3">
+                                            <p:txEl>
+                                              <p:pRg st="2" end="2"/>
+                                            </p:txEl>
+                                          </p:spTgt>
+                                        </p:tgtEl>
+                                      </p:cBhvr>
+                                    </p:animEffect>
+                                  </p:childTnLst>
+                                </p:cTn>
+                              </p:par>
+                            </p:childTnLst>
+                          </p:cTn>
+                        </p:par>
+                      </p:childTnLst>
+                    </p:cTn>
+                  </p:par>
+                </p:childTnLst>
+              </p:cTn>
+              <p:prevCondLst>
+                <p:cond evt="onPrev" delay="0">
+                  <p:tgtEl>
+                    <p:sldTgt/>
+                  </p:tgtEl>
+                </p:cond>
+              </p:prevCondLst>
+              <p:nextCondLst>
+                <p:cond evt="onNext" delay="0">
+                  <p:tgtEl>
+                    <p:sldTgt/>
+                  </p:tgtEl>
+                </p:cond>
+              </p:nextCondLst>
+            </p:seq>
+          </p:childTnLst>
+        </p:cTn>
+      </p:par>
+    </p:tnLst>
+    <p:bldLst>
+      <p:bldP spid="2" grpId="0"/>
+      <p:bldP spid="3" grpId="0" build="p"/>
+    </p:bldLst>
+  </p:timing>
 </p:sld>
 </file>
 
@@ -4870,6 +6766,142 @@
   <p:clrMapOvr>
     <a:masterClrMapping/>
   </p:clrMapOvr>
+  <p:transition spd="med">
+    <p:pull/>
+  </p:transition>
+  <p:timing>
+    <p:tnLst>
+      <p:par>
+        <p:cTn id="1" dur="indefinite" restart="never" nodeType="tmRoot">
+          <p:childTnLst>
+            <p:seq concurrent="1" nextAc="seek">
+              <p:cTn id="2" dur="indefinite" nodeType="mainSeq">
+                <p:childTnLst>
+                  <p:par>
+                    <p:cTn id="3" fill="hold">
+                      <p:stCondLst>
+                        <p:cond delay="indefinite"/>
+                        <p:cond evt="onBegin" delay="0">
+                          <p:tn val="2"/>
+                        </p:cond>
+                      </p:stCondLst>
+                      <p:childTnLst>
+                        <p:par>
+                          <p:cTn id="4" fill="hold">
+                            <p:stCondLst>
+                              <p:cond delay="0"/>
+                            </p:stCondLst>
+                            <p:childTnLst>
+                              <p:par>
+                                <p:cTn id="5" presetID="10" presetClass="entr" presetSubtype="0" fill="hold" grpId="0" nodeType="afterEffect">
+                                  <p:stCondLst>
+                                    <p:cond delay="0"/>
+                                  </p:stCondLst>
+                                  <p:childTnLst>
+                                    <p:set>
+                                      <p:cBhvr>
+                                        <p:cTn id="6" dur="1" fill="hold">
+                                          <p:stCondLst>
+                                            <p:cond delay="0"/>
+                                          </p:stCondLst>
+                                        </p:cTn>
+                                        <p:tgtEl>
+                                          <p:spTgt spid="8"/>
+                                        </p:tgtEl>
+                                        <p:attrNameLst>
+                                          <p:attrName>style.visibility</p:attrName>
+                                        </p:attrNameLst>
+                                      </p:cBhvr>
+                                      <p:to>
+                                        <p:strVal val="visible"/>
+                                      </p:to>
+                                    </p:set>
+                                    <p:animEffect transition="in" filter="fade">
+                                      <p:cBhvr>
+                                        <p:cTn id="7" dur="500"/>
+                                        <p:tgtEl>
+                                          <p:spTgt spid="8"/>
+                                        </p:tgtEl>
+                                      </p:cBhvr>
+                                    </p:animEffect>
+                                  </p:childTnLst>
+                                </p:cTn>
+                              </p:par>
+                              <p:par>
+                                <p:cTn id="8" presetID="10" presetClass="entr" presetSubtype="0" fill="hold" grpId="0" nodeType="withEffect">
+                                  <p:stCondLst>
+                                    <p:cond delay="0"/>
+                                  </p:stCondLst>
+                                  <p:childTnLst>
+                                    <p:set>
+                                      <p:cBhvr>
+                                        <p:cTn id="9" dur="1" fill="hold">
+                                          <p:stCondLst>
+                                            <p:cond delay="0"/>
+                                          </p:stCondLst>
+                                        </p:cTn>
+                                        <p:tgtEl>
+                                          <p:spTgt spid="9">
+                                            <p:txEl>
+                                              <p:pRg st="0" end="0"/>
+                                            </p:txEl>
+                                          </p:spTgt>
+                                        </p:tgtEl>
+                                        <p:attrNameLst>
+                                          <p:attrName>style.visibility</p:attrName>
+                                        </p:attrNameLst>
+                                      </p:cBhvr>
+                                      <p:to>
+                                        <p:strVal val="visible"/>
+                                      </p:to>
+                                    </p:set>
+                                    <p:animEffect transition="in" filter="fade">
+                                      <p:cBhvr>
+                                        <p:cTn id="10" dur="500"/>
+                                        <p:tgtEl>
+                                          <p:spTgt spid="9">
+                                            <p:txEl>
+                                              <p:pRg st="0" end="0"/>
+                                            </p:txEl>
+                                          </p:spTgt>
+                                        </p:tgtEl>
+                                      </p:cBhvr>
+                                    </p:animEffect>
+                                  </p:childTnLst>
+                                </p:cTn>
+                              </p:par>
+                            </p:childTnLst>
+                          </p:cTn>
+                        </p:par>
+                      </p:childTnLst>
+                    </p:cTn>
+                  </p:par>
+                </p:childTnLst>
+              </p:cTn>
+              <p:prevCondLst>
+                <p:cond evt="onPrev" delay="0">
+                  <p:tgtEl>
+                    <p:sldTgt/>
+                  </p:tgtEl>
+                </p:cond>
+              </p:prevCondLst>
+              <p:nextCondLst>
+                <p:cond evt="onNext" delay="0">
+                  <p:tgtEl>
+                    <p:sldTgt/>
+                  </p:tgtEl>
+                </p:cond>
+              </p:nextCondLst>
+            </p:seq>
+          </p:childTnLst>
+        </p:cTn>
+      </p:par>
+    </p:tnLst>
+    <p:bldLst>
+      <p:bldP spid="8" grpId="0"/>
+      <p:bldP spid="9" grpId="0" build="p"/>
+    </p:bldLst>
+  </p:timing>
 </p:sld>
 </file>
 
@@ -4968,6 +7000,133 @@
   <p:clrMapOvr>
     <a:masterClrMapping/>
   </p:clrMapOvr>
+  <p:transition spd="med">
+    <p:pull/>
+  </p:transition>
+  <p:timing>
+    <p:tnLst>
+      <p:par>
+        <p:cTn id="1" dur="indefinite" restart="never" nodeType="tmRoot">
+          <p:childTnLst>
+            <p:seq concurrent="1" nextAc="seek">
+              <p:cTn id="2" dur="indefinite" nodeType="mainSeq">
+                <p:childTnLst>
+                  <p:par>
+                    <p:cTn id="3" fill="hold">
+                      <p:stCondLst>
+                        <p:cond delay="indefinite"/>
+                        <p:cond evt="onBegin" delay="0">
+                          <p:tn val="2"/>
+                        </p:cond>
+                      </p:stCondLst>
+                      <p:childTnLst>
+                        <p:par>
+                          <p:cTn id="4" fill="hold">
+                            <p:stCondLst>
+                              <p:cond delay="0"/>
+                            </p:stCondLst>
+                            <p:childTnLst>
+                              <p:par>
+                                <p:cTn id="5" presetID="10" presetClass="entr" presetSubtype="0" fill="hold" grpId="0" nodeType="afterEffect">
+                                  <p:stCondLst>
+                                    <p:cond delay="0"/>
+                                  </p:stCondLst>
+                                  <p:childTnLst>
+                                    <p:set>
+                                      <p:cBhvr>
+                                        <p:cTn id="6" dur="1" fill="hold">
+                                          <p:stCondLst>
+                                            <p:cond delay="0"/>
+                                          </p:stCondLst>
+                                        </p:cTn>
+                                        <p:tgtEl>
+                                          <p:spTgt spid="2"/>
+                                        </p:tgtEl>
+                                        <p:attrNameLst>
+                                          <p:attrName>style.visibility</p:attrName>
+                                        </p:attrNameLst>
+                                      </p:cBhvr>
+                                      <p:to>
+                                        <p:strVal val="visible"/>
+                                      </p:to>
+                                    </p:set>
+                                    <p:animEffect transition="in" filter="fade">
+                                      <p:cBhvr>
+                                        <p:cTn id="7" dur="500"/>
+                                        <p:tgtEl>
+                                          <p:spTgt spid="2"/>
+                                        </p:tgtEl>
+                                      </p:cBhvr>
+                                    </p:animEffect>
+                                  </p:childTnLst>
+                                </p:cTn>
+                              </p:par>
+                              <p:par>
+                                <p:cTn id="8" presetID="10" presetClass="entr" presetSubtype="0" fill="hold" nodeType="withEffect">
+                                  <p:stCondLst>
+                                    <p:cond delay="0"/>
+                                  </p:stCondLst>
+                                  <p:childTnLst>
+                                    <p:set>
+                                      <p:cBhvr>
+                                        <p:cTn id="9" dur="1" fill="hold">
+                                          <p:stCondLst>
+                                            <p:cond delay="0"/>
+                                          </p:stCondLst>
+                                        </p:cTn>
+                                        <p:tgtEl>
+                                          <p:spTgt spid="5"/>
+                                        </p:tgtEl>
+                                        <p:attrNameLst>
+                                          <p:attrName>style.visibility</p:attrName>
+                                        </p:attrNameLst>
+                                      </p:cBhvr>
+                                      <p:to>
+                                        <p:strVal val="visible"/>
+                                      </p:to>
+                                    </p:set>
+                                    <p:animEffect transition="in" filter="fade">
+                                      <p:cBhvr>
+                                        <p:cTn id="10" dur="500"/>
+                                        <p:tgtEl>
+                                          <p:spTgt spid="5"/>
+                                        </p:tgtEl>
+                                      </p:cBhvr>
+                                    </p:animEffect>
+                                  </p:childTnLst>
+                                </p:cTn>
+                              </p:par>
+                            </p:childTnLst>
+                          </p:cTn>
+                        </p:par>
+                      </p:childTnLst>
+                    </p:cTn>
+                  </p:par>
+                </p:childTnLst>
+              </p:cTn>
+              <p:prevCondLst>
+                <p:cond evt="onPrev" delay="0">
+                  <p:tgtEl>
+                    <p:sldTgt/>
+                  </p:tgtEl>
+                </p:cond>
+              </p:prevCondLst>
+              <p:nextCondLst>
+                <p:cond evt="onNext" delay="0">
+                  <p:tgtEl>
+                    <p:sldTgt/>
+                  </p:tgtEl>
+                </p:cond>
+              </p:nextCondLst>
+            </p:seq>
+          </p:childTnLst>
+        </p:cTn>
+      </p:par>
+    </p:tnLst>
+    <p:bldLst>
+      <p:bldP spid="2" grpId="0"/>
+    </p:bldLst>
+  </p:timing>
 </p:sld>
 </file>
 
@@ -5090,6 +7249,400 @@
   <p:clrMapOvr>
     <a:masterClrMapping/>
   </p:clrMapOvr>
+  <p:transition spd="med">
+    <p:pull/>
+  </p:transition>
+  <p:timing>
+    <p:tnLst>
+      <p:par>
+        <p:cTn id="1" dur="indefinite" restart="never" nodeType="tmRoot">
+          <p:childTnLst>
+            <p:seq concurrent="1" nextAc="seek">
+              <p:cTn id="2" dur="indefinite" nodeType="mainSeq">
+                <p:childTnLst>
+                  <p:par>
+                    <p:cTn id="3" fill="hold">
+                      <p:stCondLst>
+                        <p:cond delay="indefinite"/>
+                        <p:cond evt="onBegin" delay="0">
+                          <p:tn val="2"/>
+                        </p:cond>
+                      </p:stCondLst>
+                      <p:childTnLst>
+                        <p:par>
+                          <p:cTn id="4" fill="hold">
+                            <p:stCondLst>
+                              <p:cond delay="0"/>
+                            </p:stCondLst>
+                            <p:childTnLst>
+                              <p:par>
+                                <p:cTn id="5" presetID="10" presetClass="entr" presetSubtype="0" fill="hold" grpId="0" nodeType="afterEffect">
+                                  <p:stCondLst>
+                                    <p:cond delay="0"/>
+                                  </p:stCondLst>
+                                  <p:childTnLst>
+                                    <p:set>
+                                      <p:cBhvr>
+                                        <p:cTn id="6" dur="1" fill="hold">
+                                          <p:stCondLst>
+                                            <p:cond delay="0"/>
+                                          </p:stCondLst>
+                                        </p:cTn>
+                                        <p:tgtEl>
+                                          <p:spTgt spid="2"/>
+                                        </p:tgtEl>
+                                        <p:attrNameLst>
+                                          <p:attrName>style.visibility</p:attrName>
+                                        </p:attrNameLst>
+                                      </p:cBhvr>
+                                      <p:to>
+                                        <p:strVal val="visible"/>
+                                      </p:to>
+                                    </p:set>
+                                    <p:animEffect transition="in" filter="fade">
+                                      <p:cBhvr>
+                                        <p:cTn id="7" dur="500"/>
+                                        <p:tgtEl>
+                                          <p:spTgt spid="2"/>
+                                        </p:tgtEl>
+                                      </p:cBhvr>
+                                    </p:animEffect>
+                                  </p:childTnLst>
+                                </p:cTn>
+                              </p:par>
+                              <p:par>
+                                <p:cTn id="8" presetID="10" presetClass="entr" presetSubtype="0" fill="hold" grpId="0" nodeType="withEffect">
+                                  <p:stCondLst>
+                                    <p:cond delay="0"/>
+                                  </p:stCondLst>
+                                  <p:childTnLst>
+                                    <p:set>
+                                      <p:cBhvr>
+                                        <p:cTn id="9" dur="1" fill="hold">
+                                          <p:stCondLst>
+                                            <p:cond delay="0"/>
+                                          </p:stCondLst>
+                                        </p:cTn>
+                                        <p:tgtEl>
+                                          <p:spTgt spid="3">
+                                            <p:txEl>
+                                              <p:pRg st="0" end="0"/>
+                                            </p:txEl>
+                                          </p:spTgt>
+                                        </p:tgtEl>
+                                        <p:attrNameLst>
+                                          <p:attrName>style.visibility</p:attrName>
+                                        </p:attrNameLst>
+                                      </p:cBhvr>
+                                      <p:to>
+                                        <p:strVal val="visible"/>
+                                      </p:to>
+                                    </p:set>
+                                    <p:animEffect transition="in" filter="fade">
+                                      <p:cBhvr>
+                                        <p:cTn id="10" dur="500"/>
+                                        <p:tgtEl>
+                                          <p:spTgt spid="3">
+                                            <p:txEl>
+                                              <p:pRg st="0" end="0"/>
+                                            </p:txEl>
+                                          </p:spTgt>
+                                        </p:tgtEl>
+                                      </p:cBhvr>
+                                    </p:animEffect>
+                                  </p:childTnLst>
+                                </p:cTn>
+                              </p:par>
+                              <p:par>
+                                <p:cTn id="11" presetID="10" presetClass="entr" presetSubtype="0" fill="hold" grpId="0" nodeType="withEffect">
+                                  <p:stCondLst>
+                                    <p:cond delay="0"/>
+                                  </p:stCondLst>
+                                  <p:childTnLst>
+                                    <p:set>
+                                      <p:cBhvr>
+                                        <p:cTn id="12" dur="1" fill="hold">
+                                          <p:stCondLst>
+                                            <p:cond delay="0"/>
+                                          </p:stCondLst>
+                                        </p:cTn>
+                                        <p:tgtEl>
+                                          <p:spTgt spid="3">
+                                            <p:txEl>
+                                              <p:pRg st="1" end="1"/>
+                                            </p:txEl>
+                                          </p:spTgt>
+                                        </p:tgtEl>
+                                        <p:attrNameLst>
+                                          <p:attrName>style.visibility</p:attrName>
+                                        </p:attrNameLst>
+                                      </p:cBhvr>
+                                      <p:to>
+                                        <p:strVal val="visible"/>
+                                      </p:to>
+                                    </p:set>
+                                    <p:animEffect transition="in" filter="fade">
+                                      <p:cBhvr>
+                                        <p:cTn id="13" dur="500"/>
+                                        <p:tgtEl>
+                                          <p:spTgt spid="3">
+                                            <p:txEl>
+                                              <p:pRg st="1" end="1"/>
+                                            </p:txEl>
+                                          </p:spTgt>
+                                        </p:tgtEl>
+                                      </p:cBhvr>
+                                    </p:animEffect>
+                                  </p:childTnLst>
+                                </p:cTn>
+                              </p:par>
+                              <p:par>
+                                <p:cTn id="14" presetID="10" presetClass="entr" presetSubtype="0" fill="hold" grpId="0" nodeType="withEffect">
+                                  <p:stCondLst>
+                                    <p:cond delay="0"/>
+                                  </p:stCondLst>
+                                  <p:childTnLst>
+                                    <p:set>
+                                      <p:cBhvr>
+                                        <p:cTn id="15" dur="1" fill="hold">
+                                          <p:stCondLst>
+                                            <p:cond delay="0"/>
+                                          </p:stCondLst>
+                                        </p:cTn>
+                                        <p:tgtEl>
+                                          <p:spTgt spid="3">
+                                            <p:txEl>
+                                              <p:pRg st="2" end="2"/>
+                                            </p:txEl>
+                                          </p:spTgt>
+                                        </p:tgtEl>
+                                        <p:attrNameLst>
+                                          <p:attrName>style.visibility</p:attrName>
+                                        </p:attrNameLst>
+                                      </p:cBhvr>
+                                      <p:to>
+                                        <p:strVal val="visible"/>
+                                      </p:to>
+                                    </p:set>
+                                    <p:animEffect transition="in" filter="fade">
+                                      <p:cBhvr>
+                                        <p:cTn id="16" dur="500"/>
+                                        <p:tgtEl>
+                                          <p:spTgt spid="3">
+                                            <p:txEl>
+                                              <p:pRg st="2" end="2"/>
+                                            </p:txEl>
+                                          </p:spTgt>
+                                        </p:tgtEl>
+                                      </p:cBhvr>
+                                    </p:animEffect>
+                                  </p:childTnLst>
+                                </p:cTn>
+                              </p:par>
+                              <p:par>
+                                <p:cTn id="17" presetID="10" presetClass="entr" presetSubtype="0" fill="hold" grpId="0" nodeType="withEffect">
+                                  <p:stCondLst>
+                                    <p:cond delay="0"/>
+                                  </p:stCondLst>
+                                  <p:childTnLst>
+                                    <p:set>
+                                      <p:cBhvr>
+                                        <p:cTn id="18" dur="1" fill="hold">
+                                          <p:stCondLst>
+                                            <p:cond delay="0"/>
+                                          </p:stCondLst>
+                                        </p:cTn>
+                                        <p:tgtEl>
+                                          <p:spTgt spid="3">
+                                            <p:txEl>
+                                              <p:pRg st="3" end="3"/>
+                                            </p:txEl>
+                                          </p:spTgt>
+                                        </p:tgtEl>
+                                        <p:attrNameLst>
+                                          <p:attrName>style.visibility</p:attrName>
+                                        </p:attrNameLst>
+                                      </p:cBhvr>
+                                      <p:to>
+                                        <p:strVal val="visible"/>
+                                      </p:to>
+                                    </p:set>
+                                    <p:animEffect transition="in" filter="fade">
+                                      <p:cBhvr>
+                                        <p:cTn id="19" dur="500"/>
+                                        <p:tgtEl>
+                                          <p:spTgt spid="3">
+                                            <p:txEl>
+                                              <p:pRg st="3" end="3"/>
+                                            </p:txEl>
+                                          </p:spTgt>
+                                        </p:tgtEl>
+                                      </p:cBhvr>
+                                    </p:animEffect>
+                                  </p:childTnLst>
+                                </p:cTn>
+                              </p:par>
+                              <p:par>
+                                <p:cTn id="20" presetID="10" presetClass="entr" presetSubtype="0" fill="hold" grpId="0" nodeType="withEffect">
+                                  <p:stCondLst>
+                                    <p:cond delay="0"/>
+                                  </p:stCondLst>
+                                  <p:childTnLst>
+                                    <p:set>
+                                      <p:cBhvr>
+                                        <p:cTn id="21" dur="1" fill="hold">
+                                          <p:stCondLst>
+                                            <p:cond delay="0"/>
+                                          </p:stCondLst>
+                                        </p:cTn>
+                                        <p:tgtEl>
+                                          <p:spTgt spid="3">
+                                            <p:txEl>
+                                              <p:pRg st="4" end="4"/>
+                                            </p:txEl>
+                                          </p:spTgt>
+                                        </p:tgtEl>
+                                        <p:attrNameLst>
+                                          <p:attrName>style.visibility</p:attrName>
+                                        </p:attrNameLst>
+                                      </p:cBhvr>
+                                      <p:to>
+                                        <p:strVal val="visible"/>
+                                      </p:to>
+                                    </p:set>
+                                    <p:animEffect transition="in" filter="fade">
+                                      <p:cBhvr>
+                                        <p:cTn id="22" dur="500"/>
+                                        <p:tgtEl>
+                                          <p:spTgt spid="3">
+                                            <p:txEl>
+                                              <p:pRg st="4" end="4"/>
+                                            </p:txEl>
+                                          </p:spTgt>
+                                        </p:tgtEl>
+                                      </p:cBhvr>
+                                    </p:animEffect>
+                                  </p:childTnLst>
+                                </p:cTn>
+                              </p:par>
+                              <p:par>
+                                <p:cTn id="23" presetID="10" presetClass="entr" presetSubtype="0" fill="hold" grpId="0" nodeType="withEffect">
+                                  <p:stCondLst>
+                                    <p:cond delay="0"/>
+                                  </p:stCondLst>
+                                  <p:childTnLst>
+                                    <p:set>
+                                      <p:cBhvr>
+                                        <p:cTn id="24" dur="1" fill="hold">
+                                          <p:stCondLst>
+                                            <p:cond delay="0"/>
+                                          </p:stCondLst>
+                                        </p:cTn>
+                                        <p:tgtEl>
+                                          <p:spTgt spid="3">
+                                            <p:txEl>
+                                              <p:pRg st="5" end="5"/>
+                                            </p:txEl>
+                                          </p:spTgt>
+                                        </p:tgtEl>
+                                        <p:attrNameLst>
+                                          <p:attrName>style.visibility</p:attrName>
+                                        </p:attrNameLst>
+                                      </p:cBhvr>
+                                      <p:to>
+                                        <p:strVal val="visible"/>
+                                      </p:to>
+                                    </p:set>
+                                    <p:animEffect transition="in" filter="fade">
+                                      <p:cBhvr>
+                                        <p:cTn id="25" dur="500"/>
+                                        <p:tgtEl>
+                                          <p:spTgt spid="3">
+                                            <p:txEl>
+                                              <p:pRg st="5" end="5"/>
+                                            </p:txEl>
+                                          </p:spTgt>
+                                        </p:tgtEl>
+                                      </p:cBhvr>
+                                    </p:animEffect>
+                                  </p:childTnLst>
+                                </p:cTn>
+                              </p:par>
+                              <p:par>
+                                <p:cTn id="26" presetID="10" presetClass="entr" presetSubtype="0" fill="hold" grpId="0" nodeType="withEffect">
+                                  <p:stCondLst>
+                                    <p:cond delay="0"/>
+                                  </p:stCondLst>
+                                  <p:childTnLst>
+                                    <p:set>
+                                      <p:cBhvr>
+                                        <p:cTn id="27" dur="1" fill="hold">
+                                          <p:stCondLst>
+                                            <p:cond delay="0"/>
+                                          </p:stCondLst>
+                                        </p:cTn>
+                                        <p:tgtEl>
+                                          <p:spTgt spid="3">
+                                            <p:txEl>
+                                              <p:pRg st="6" end="6"/>
+                                            </p:txEl>
+                                          </p:spTgt>
+                                        </p:tgtEl>
+                                        <p:attrNameLst>
+                                          <p:attrName>style.visibility</p:attrName>
+                                        </p:attrNameLst>
+                                      </p:cBhvr>
+                                      <p:to>
+                                        <p:strVal val="visible"/>
+                                      </p:to>
+                                    </p:set>
+                                    <p:animEffect transition="in" filter="fade">
+                                      <p:cBhvr>
+                                        <p:cTn id="28" dur="500"/>
+                                        <p:tgtEl>
+                                          <p:spTgt spid="3">
+                                            <p:txEl>
+                                              <p:pRg st="6" end="6"/>
+                                            </p:txEl>
+                                          </p:spTgt>
+                                        </p:tgtEl>
+                                      </p:cBhvr>
+                                    </p:animEffect>
+                                  </p:childTnLst>
+                                </p:cTn>
+                              </p:par>
+                            </p:childTnLst>
+                          </p:cTn>
+                        </p:par>
+                      </p:childTnLst>
+                    </p:cTn>
+                  </p:par>
+                </p:childTnLst>
+              </p:cTn>
+              <p:prevCondLst>
+                <p:cond evt="onPrev" delay="0">
+                  <p:tgtEl>
+                    <p:sldTgt/>
+                  </p:tgtEl>
+                </p:cond>
+              </p:prevCondLst>
+              <p:nextCondLst>
+                <p:cond evt="onNext" delay="0">
+                  <p:tgtEl>
+                    <p:sldTgt/>
+                  </p:tgtEl>
+                </p:cond>
+              </p:nextCondLst>
+            </p:seq>
+          </p:childTnLst>
+        </p:cTn>
+      </p:par>
+    </p:tnLst>
+    <p:bldLst>
+      <p:bldP spid="2" grpId="0"/>
+      <p:bldP spid="3" grpId="0" build="p"/>
+    </p:bldLst>
+  </p:timing>
 </p:sld>
 </file>
 
@@ -5182,6 +7735,185 @@
   <p:clrMapOvr>
     <a:masterClrMapping/>
   </p:clrMapOvr>
+  <p:transition spd="med">
+    <p:pull/>
+  </p:transition>
+  <p:timing>
+    <p:tnLst>
+      <p:par>
+        <p:cTn id="1" dur="indefinite" restart="never" nodeType="tmRoot">
+          <p:childTnLst>
+            <p:seq concurrent="1" nextAc="seek">
+              <p:cTn id="2" dur="indefinite" nodeType="mainSeq">
+                <p:childTnLst>
+                  <p:par>
+                    <p:cTn id="3" fill="hold">
+                      <p:stCondLst>
+                        <p:cond delay="indefinite"/>
+                        <p:cond evt="onBegin" delay="0">
+                          <p:tn val="2"/>
+                        </p:cond>
+                      </p:stCondLst>
+                      <p:childTnLst>
+                        <p:par>
+                          <p:cTn id="4" fill="hold">
+                            <p:stCondLst>
+                              <p:cond delay="0"/>
+                            </p:stCondLst>
+                            <p:childTnLst>
+                              <p:par>
+                                <p:cTn id="5" presetID="10" presetClass="entr" presetSubtype="0" fill="hold" grpId="0" nodeType="afterEffect">
+                                  <p:stCondLst>
+                                    <p:cond delay="0"/>
+                                  </p:stCondLst>
+                                  <p:childTnLst>
+                                    <p:set>
+                                      <p:cBhvr>
+                                        <p:cTn id="6" dur="1" fill="hold">
+                                          <p:stCondLst>
+                                            <p:cond delay="0"/>
+                                          </p:stCondLst>
+                                        </p:cTn>
+                                        <p:tgtEl>
+                                          <p:spTgt spid="2"/>
+                                        </p:tgtEl>
+                                        <p:attrNameLst>
+                                          <p:attrName>style.visibility</p:attrName>
+                                        </p:attrNameLst>
+                                      </p:cBhvr>
+                                      <p:to>
+                                        <p:strVal val="visible"/>
+                                      </p:to>
+                                    </p:set>
+                                    <p:animEffect transition="in" filter="fade">
+                                      <p:cBhvr>
+                                        <p:cTn id="7" dur="500"/>
+                                        <p:tgtEl>
+                                          <p:spTgt spid="2"/>
+                                        </p:tgtEl>
+                                      </p:cBhvr>
+                                    </p:animEffect>
+                                  </p:childTnLst>
+                                </p:cTn>
+                              </p:par>
+                              <p:par>
+                                <p:cTn id="8" presetID="10" presetClass="entr" presetSubtype="0" fill="hold" grpId="0" nodeType="withEffect">
+                                  <p:stCondLst>
+                                    <p:cond delay="0"/>
+                                  </p:stCondLst>
+                                  <p:childTnLst>
+                                    <p:set>
+                                      <p:cBhvr>
+                                        <p:cTn id="9" dur="1" fill="hold">
+                                          <p:stCondLst>
+                                            <p:cond delay="0"/>
+                                          </p:stCondLst>
+                                        </p:cTn>
+                                        <p:tgtEl>
+                                          <p:spTgt spid="3">
+                                            <p:txEl>
+                                              <p:pRg st="0" end="0"/>
+                                            </p:txEl>
+                                          </p:spTgt>
+                                        </p:tgtEl>
+                                        <p:attrNameLst>
+                                          <p:attrName>style.visibility</p:attrName>
+                                        </p:attrNameLst>
+                                      </p:cBhvr>
+                                      <p:to>
+                                        <p:strVal val="visible"/>
+                                      </p:to>
+                                    </p:set>
+                                    <p:animEffect transition="in" filter="fade">
+                                      <p:cBhvr>
+                                        <p:cTn id="10" dur="500"/>
+                                        <p:tgtEl>
+                                          <p:spTgt spid="3">
+                                            <p:txEl>
+                                              <p:pRg st="0" end="0"/>
+                                            </p:txEl>
+                                          </p:spTgt>
+                                        </p:tgtEl>
+                                      </p:cBhvr>
+                                    </p:animEffect>
+                                  </p:childTnLst>
+                                </p:cTn>
+                              </p:par>
+                              <p:par>
+                                <p:cTn id="11" presetID="10" presetClass="entr" presetSubtype="0" fill="hold" grpId="0" nodeType="withEffect">
+                                  <p:stCondLst>
+                                    <p:cond delay="0"/>
+                                  </p:stCondLst>
+                                  <p:childTnLst>
+                                    <p:set>
+                                      <p:cBhvr>
+                                        <p:cTn id="12" dur="1" fill="hold">
+                                          <p:stCondLst>
+                                            <p:cond delay="0"/>
+                                          </p:stCondLst>
+                                        </p:cTn>
+                                        <p:tgtEl>
+                                          <p:spTgt spid="3">
+                                            <p:txEl>
+                                              <p:pRg st="1" end="1"/>
+                                            </p:txEl>
+                                          </p:spTgt>
+                                        </p:tgtEl>
+                                        <p:attrNameLst>
+                                          <p:attrName>style.visibility</p:attrName>
+                                        </p:attrNameLst>
+                                      </p:cBhvr>
+                                      <p:to>
+                                        <p:strVal val="visible"/>
+                                      </p:to>
+                                    </p:set>
+                                    <p:animEffect transition="in" filter="fade">
+                                      <p:cBhvr>
+                                        <p:cTn id="13" dur="500"/>
+                                        <p:tgtEl>
+                                          <p:spTgt spid="3">
+                                            <p:txEl>
+                                              <p:pRg st="1" end="1"/>
+                                            </p:txEl>
+                                          </p:spTgt>
+                                        </p:tgtEl>
+                                      </p:cBhvr>
+                                    </p:animEffect>
+                                  </p:childTnLst>
+                                </p:cTn>
+                              </p:par>
+                            </p:childTnLst>
+                          </p:cTn>
+                        </p:par>
+                      </p:childTnLst>
+                    </p:cTn>
+                  </p:par>
+                </p:childTnLst>
+              </p:cTn>
+              <p:prevCondLst>
+                <p:cond evt="onPrev" delay="0">
+                  <p:tgtEl>
+                    <p:sldTgt/>
+                  </p:tgtEl>
+                </p:cond>
+              </p:prevCondLst>
+              <p:nextCondLst>
+                <p:cond evt="onNext" delay="0">
+                  <p:tgtEl>
+                    <p:sldTgt/>
+                  </p:tgtEl>
+                </p:cond>
+              </p:nextCondLst>
+            </p:seq>
+          </p:childTnLst>
+        </p:cTn>
+      </p:par>
+    </p:tnLst>
+    <p:bldLst>
+      <p:bldP spid="2" grpId="0"/>
+      <p:bldP spid="3" grpId="0" build="p"/>
+    </p:bldLst>
+  </p:timing>
 </p:sld>
 </file>
 
@@ -5268,6 +8000,142 @@
   <p:clrMapOvr>
     <a:masterClrMapping/>
   </p:clrMapOvr>
+  <p:transition spd="med">
+    <p:pull/>
+  </p:transition>
+  <p:timing>
+    <p:tnLst>
+      <p:par>
+        <p:cTn id="1" dur="indefinite" restart="never" nodeType="tmRoot">
+          <p:childTnLst>
+            <p:seq concurrent="1" nextAc="seek">
+              <p:cTn id="2" dur="indefinite" nodeType="mainSeq">
+                <p:childTnLst>
+                  <p:par>
+                    <p:cTn id="3" fill="hold">
+                      <p:stCondLst>
+                        <p:cond delay="indefinite"/>
+                        <p:cond evt="onBegin" delay="0">
+                          <p:tn val="2"/>
+                        </p:cond>
+                      </p:stCondLst>
+                      <p:childTnLst>
+                        <p:par>
+                          <p:cTn id="4" fill="hold">
+                            <p:stCondLst>
+                              <p:cond delay="0"/>
+                            </p:stCondLst>
+                            <p:childTnLst>
+                              <p:par>
+                                <p:cTn id="5" presetID="10" presetClass="entr" presetSubtype="0" fill="hold" grpId="0" nodeType="afterEffect">
+                                  <p:stCondLst>
+                                    <p:cond delay="0"/>
+                                  </p:stCondLst>
+                                  <p:childTnLst>
+                                    <p:set>
+                                      <p:cBhvr>
+                                        <p:cTn id="6" dur="1" fill="hold">
+                                          <p:stCondLst>
+                                            <p:cond delay="0"/>
+                                          </p:stCondLst>
+                                        </p:cTn>
+                                        <p:tgtEl>
+                                          <p:spTgt spid="4"/>
+                                        </p:tgtEl>
+                                        <p:attrNameLst>
+                                          <p:attrName>style.visibility</p:attrName>
+                                        </p:attrNameLst>
+                                      </p:cBhvr>
+                                      <p:to>
+                                        <p:strVal val="visible"/>
+                                      </p:to>
+                                    </p:set>
+                                    <p:animEffect transition="in" filter="fade">
+                                      <p:cBhvr>
+                                        <p:cTn id="7" dur="500"/>
+                                        <p:tgtEl>
+                                          <p:spTgt spid="4"/>
+                                        </p:tgtEl>
+                                      </p:cBhvr>
+                                    </p:animEffect>
+                                  </p:childTnLst>
+                                </p:cTn>
+                              </p:par>
+                              <p:par>
+                                <p:cTn id="8" presetID="10" presetClass="entr" presetSubtype="0" fill="hold" grpId="0" nodeType="withEffect">
+                                  <p:stCondLst>
+                                    <p:cond delay="0"/>
+                                  </p:stCondLst>
+                                  <p:childTnLst>
+                                    <p:set>
+                                      <p:cBhvr>
+                                        <p:cTn id="9" dur="1" fill="hold">
+                                          <p:stCondLst>
+                                            <p:cond delay="0"/>
+                                          </p:stCondLst>
+                                        </p:cTn>
+                                        <p:tgtEl>
+                                          <p:spTgt spid="5">
+                                            <p:txEl>
+                                              <p:pRg st="0" end="0"/>
+                                            </p:txEl>
+                                          </p:spTgt>
+                                        </p:tgtEl>
+                                        <p:attrNameLst>
+                                          <p:attrName>style.visibility</p:attrName>
+                                        </p:attrNameLst>
+                                      </p:cBhvr>
+                                      <p:to>
+                                        <p:strVal val="visible"/>
+                                      </p:to>
+                                    </p:set>
+                                    <p:animEffect transition="in" filter="fade">
+                                      <p:cBhvr>
+                                        <p:cTn id="10" dur="500"/>
+                                        <p:tgtEl>
+                                          <p:spTgt spid="5">
+                                            <p:txEl>
+                                              <p:pRg st="0" end="0"/>
+                                            </p:txEl>
+                                          </p:spTgt>
+                                        </p:tgtEl>
+                                      </p:cBhvr>
+                                    </p:animEffect>
+                                  </p:childTnLst>
+                                </p:cTn>
+                              </p:par>
+                            </p:childTnLst>
+                          </p:cTn>
+                        </p:par>
+                      </p:childTnLst>
+                    </p:cTn>
+                  </p:par>
+                </p:childTnLst>
+              </p:cTn>
+              <p:prevCondLst>
+                <p:cond evt="onPrev" delay="0">
+                  <p:tgtEl>
+                    <p:sldTgt/>
+                  </p:tgtEl>
+                </p:cond>
+              </p:prevCondLst>
+              <p:nextCondLst>
+                <p:cond evt="onNext" delay="0">
+                  <p:tgtEl>
+                    <p:sldTgt/>
+                  </p:tgtEl>
+                </p:cond>
+              </p:nextCondLst>
+            </p:seq>
+          </p:childTnLst>
+        </p:cTn>
+      </p:par>
+    </p:tnLst>
+    <p:bldLst>
+      <p:bldP spid="4" grpId="0"/>
+      <p:bldP spid="5" grpId="0" build="p"/>
+    </p:bldLst>
+  </p:timing>
 </p:sld>
 </file>
 
@@ -5354,6 +8222,142 @@
   <p:clrMapOvr>
     <a:masterClrMapping/>
   </p:clrMapOvr>
+  <p:transition spd="med">
+    <p:pull/>
+  </p:transition>
+  <p:timing>
+    <p:tnLst>
+      <p:par>
+        <p:cTn id="1" dur="indefinite" restart="never" nodeType="tmRoot">
+          <p:childTnLst>
+            <p:seq concurrent="1" nextAc="seek">
+              <p:cTn id="2" dur="indefinite" nodeType="mainSeq">
+                <p:childTnLst>
+                  <p:par>
+                    <p:cTn id="3" fill="hold">
+                      <p:stCondLst>
+                        <p:cond delay="indefinite"/>
+                        <p:cond evt="onBegin" delay="0">
+                          <p:tn val="2"/>
+                        </p:cond>
+                      </p:stCondLst>
+                      <p:childTnLst>
+                        <p:par>
+                          <p:cTn id="4" fill="hold">
+                            <p:stCondLst>
+                              <p:cond delay="0"/>
+                            </p:stCondLst>
+                            <p:childTnLst>
+                              <p:par>
+                                <p:cTn id="5" presetID="10" presetClass="entr" presetSubtype="0" fill="hold" grpId="0" nodeType="afterEffect">
+                                  <p:stCondLst>
+                                    <p:cond delay="0"/>
+                                  </p:stCondLst>
+                                  <p:childTnLst>
+                                    <p:set>
+                                      <p:cBhvr>
+                                        <p:cTn id="6" dur="1" fill="hold">
+                                          <p:stCondLst>
+                                            <p:cond delay="0"/>
+                                          </p:stCondLst>
+                                        </p:cTn>
+                                        <p:tgtEl>
+                                          <p:spTgt spid="4"/>
+                                        </p:tgtEl>
+                                        <p:attrNameLst>
+                                          <p:attrName>style.visibility</p:attrName>
+                                        </p:attrNameLst>
+                                      </p:cBhvr>
+                                      <p:to>
+                                        <p:strVal val="visible"/>
+                                      </p:to>
+                                    </p:set>
+                                    <p:animEffect transition="in" filter="fade">
+                                      <p:cBhvr>
+                                        <p:cTn id="7" dur="500"/>
+                                        <p:tgtEl>
+                                          <p:spTgt spid="4"/>
+                                        </p:tgtEl>
+                                      </p:cBhvr>
+                                    </p:animEffect>
+                                  </p:childTnLst>
+                                </p:cTn>
+                              </p:par>
+                              <p:par>
+                                <p:cTn id="8" presetID="10" presetClass="entr" presetSubtype="0" fill="hold" grpId="0" nodeType="withEffect">
+                                  <p:stCondLst>
+                                    <p:cond delay="0"/>
+                                  </p:stCondLst>
+                                  <p:childTnLst>
+                                    <p:set>
+                                      <p:cBhvr>
+                                        <p:cTn id="9" dur="1" fill="hold">
+                                          <p:stCondLst>
+                                            <p:cond delay="0"/>
+                                          </p:stCondLst>
+                                        </p:cTn>
+                                        <p:tgtEl>
+                                          <p:spTgt spid="5">
+                                            <p:txEl>
+                                              <p:pRg st="0" end="0"/>
+                                            </p:txEl>
+                                          </p:spTgt>
+                                        </p:tgtEl>
+                                        <p:attrNameLst>
+                                          <p:attrName>style.visibility</p:attrName>
+                                        </p:attrNameLst>
+                                      </p:cBhvr>
+                                      <p:to>
+                                        <p:strVal val="visible"/>
+                                      </p:to>
+                                    </p:set>
+                                    <p:animEffect transition="in" filter="fade">
+                                      <p:cBhvr>
+                                        <p:cTn id="10" dur="500"/>
+                                        <p:tgtEl>
+                                          <p:spTgt spid="5">
+                                            <p:txEl>
+                                              <p:pRg st="0" end="0"/>
+                                            </p:txEl>
+                                          </p:spTgt>
+                                        </p:tgtEl>
+                                      </p:cBhvr>
+                                    </p:animEffect>
+                                  </p:childTnLst>
+                                </p:cTn>
+                              </p:par>
+                            </p:childTnLst>
+                          </p:cTn>
+                        </p:par>
+                      </p:childTnLst>
+                    </p:cTn>
+                  </p:par>
+                </p:childTnLst>
+              </p:cTn>
+              <p:prevCondLst>
+                <p:cond evt="onPrev" delay="0">
+                  <p:tgtEl>
+                    <p:sldTgt/>
+                  </p:tgtEl>
+                </p:cond>
+              </p:prevCondLst>
+              <p:nextCondLst>
+                <p:cond evt="onNext" delay="0">
+                  <p:tgtEl>
+                    <p:sldTgt/>
+                  </p:tgtEl>
+                </p:cond>
+              </p:nextCondLst>
+            </p:seq>
+          </p:childTnLst>
+        </p:cTn>
+      </p:par>
+    </p:tnLst>
+    <p:bldLst>
+      <p:bldP spid="4" grpId="0"/>
+      <p:bldP spid="5" grpId="0" build="p"/>
+    </p:bldLst>
+  </p:timing>
 </p:sld>
 </file>
 
@@ -5490,6 +8494,400 @@
   <p:clrMapOvr>
     <a:masterClrMapping/>
   </p:clrMapOvr>
+  <p:transition spd="med">
+    <p:pull/>
+  </p:transition>
+  <p:timing>
+    <p:tnLst>
+      <p:par>
+        <p:cTn id="1" dur="indefinite" restart="never" nodeType="tmRoot">
+          <p:childTnLst>
+            <p:seq concurrent="1" nextAc="seek">
+              <p:cTn id="2" dur="indefinite" nodeType="mainSeq">
+                <p:childTnLst>
+                  <p:par>
+                    <p:cTn id="3" fill="hold">
+                      <p:stCondLst>
+                        <p:cond delay="indefinite"/>
+                        <p:cond evt="onBegin" delay="0">
+                          <p:tn val="2"/>
+                        </p:cond>
+                      </p:stCondLst>
+                      <p:childTnLst>
+                        <p:par>
+                          <p:cTn id="4" fill="hold">
+                            <p:stCondLst>
+                              <p:cond delay="0"/>
+                            </p:stCondLst>
+                            <p:childTnLst>
+                              <p:par>
+                                <p:cTn id="5" presetID="10" presetClass="entr" presetSubtype="0" fill="hold" grpId="0" nodeType="afterEffect">
+                                  <p:stCondLst>
+                                    <p:cond delay="0"/>
+                                  </p:stCondLst>
+                                  <p:childTnLst>
+                                    <p:set>
+                                      <p:cBhvr>
+                                        <p:cTn id="6" dur="1" fill="hold">
+                                          <p:stCondLst>
+                                            <p:cond delay="0"/>
+                                          </p:stCondLst>
+                                        </p:cTn>
+                                        <p:tgtEl>
+                                          <p:spTgt spid="2"/>
+                                        </p:tgtEl>
+                                        <p:attrNameLst>
+                                          <p:attrName>style.visibility</p:attrName>
+                                        </p:attrNameLst>
+                                      </p:cBhvr>
+                                      <p:to>
+                                        <p:strVal val="visible"/>
+                                      </p:to>
+                                    </p:set>
+                                    <p:animEffect transition="in" filter="fade">
+                                      <p:cBhvr>
+                                        <p:cTn id="7" dur="500"/>
+                                        <p:tgtEl>
+                                          <p:spTgt spid="2"/>
+                                        </p:tgtEl>
+                                      </p:cBhvr>
+                                    </p:animEffect>
+                                  </p:childTnLst>
+                                </p:cTn>
+                              </p:par>
+                              <p:par>
+                                <p:cTn id="8" presetID="10" presetClass="entr" presetSubtype="0" fill="hold" grpId="0" nodeType="withEffect">
+                                  <p:stCondLst>
+                                    <p:cond delay="0"/>
+                                  </p:stCondLst>
+                                  <p:childTnLst>
+                                    <p:set>
+                                      <p:cBhvr>
+                                        <p:cTn id="9" dur="1" fill="hold">
+                                          <p:stCondLst>
+                                            <p:cond delay="0"/>
+                                          </p:stCondLst>
+                                        </p:cTn>
+                                        <p:tgtEl>
+                                          <p:spTgt spid="3">
+                                            <p:txEl>
+                                              <p:pRg st="0" end="0"/>
+                                            </p:txEl>
+                                          </p:spTgt>
+                                        </p:tgtEl>
+                                        <p:attrNameLst>
+                                          <p:attrName>style.visibility</p:attrName>
+                                        </p:attrNameLst>
+                                      </p:cBhvr>
+                                      <p:to>
+                                        <p:strVal val="visible"/>
+                                      </p:to>
+                                    </p:set>
+                                    <p:animEffect transition="in" filter="fade">
+                                      <p:cBhvr>
+                                        <p:cTn id="10" dur="500"/>
+                                        <p:tgtEl>
+                                          <p:spTgt spid="3">
+                                            <p:txEl>
+                                              <p:pRg st="0" end="0"/>
+                                            </p:txEl>
+                                          </p:spTgt>
+                                        </p:tgtEl>
+                                      </p:cBhvr>
+                                    </p:animEffect>
+                                  </p:childTnLst>
+                                </p:cTn>
+                              </p:par>
+                              <p:par>
+                                <p:cTn id="11" presetID="10" presetClass="entr" presetSubtype="0" fill="hold" grpId="0" nodeType="withEffect">
+                                  <p:stCondLst>
+                                    <p:cond delay="0"/>
+                                  </p:stCondLst>
+                                  <p:childTnLst>
+                                    <p:set>
+                                      <p:cBhvr>
+                                        <p:cTn id="12" dur="1" fill="hold">
+                                          <p:stCondLst>
+                                            <p:cond delay="0"/>
+                                          </p:stCondLst>
+                                        </p:cTn>
+                                        <p:tgtEl>
+                                          <p:spTgt spid="3">
+                                            <p:txEl>
+                                              <p:pRg st="1" end="1"/>
+                                            </p:txEl>
+                                          </p:spTgt>
+                                        </p:tgtEl>
+                                        <p:attrNameLst>
+                                          <p:attrName>style.visibility</p:attrName>
+                                        </p:attrNameLst>
+                                      </p:cBhvr>
+                                      <p:to>
+                                        <p:strVal val="visible"/>
+                                      </p:to>
+                                    </p:set>
+                                    <p:animEffect transition="in" filter="fade">
+                                      <p:cBhvr>
+                                        <p:cTn id="13" dur="500"/>
+                                        <p:tgtEl>
+                                          <p:spTgt spid="3">
+                                            <p:txEl>
+                                              <p:pRg st="1" end="1"/>
+                                            </p:txEl>
+                                          </p:spTgt>
+                                        </p:tgtEl>
+                                      </p:cBhvr>
+                                    </p:animEffect>
+                                  </p:childTnLst>
+                                </p:cTn>
+                              </p:par>
+                              <p:par>
+                                <p:cTn id="14" presetID="10" presetClass="entr" presetSubtype="0" fill="hold" grpId="0" nodeType="withEffect">
+                                  <p:stCondLst>
+                                    <p:cond delay="0"/>
+                                  </p:stCondLst>
+                                  <p:childTnLst>
+                                    <p:set>
+                                      <p:cBhvr>
+                                        <p:cTn id="15" dur="1" fill="hold">
+                                          <p:stCondLst>
+                                            <p:cond delay="0"/>
+                                          </p:stCondLst>
+                                        </p:cTn>
+                                        <p:tgtEl>
+                                          <p:spTgt spid="3">
+                                            <p:txEl>
+                                              <p:pRg st="2" end="2"/>
+                                            </p:txEl>
+                                          </p:spTgt>
+                                        </p:tgtEl>
+                                        <p:attrNameLst>
+                                          <p:attrName>style.visibility</p:attrName>
+                                        </p:attrNameLst>
+                                      </p:cBhvr>
+                                      <p:to>
+                                        <p:strVal val="visible"/>
+                                      </p:to>
+                                    </p:set>
+                                    <p:animEffect transition="in" filter="fade">
+                                      <p:cBhvr>
+                                        <p:cTn id="16" dur="500"/>
+                                        <p:tgtEl>
+                                          <p:spTgt spid="3">
+                                            <p:txEl>
+                                              <p:pRg st="2" end="2"/>
+                                            </p:txEl>
+                                          </p:spTgt>
+                                        </p:tgtEl>
+                                      </p:cBhvr>
+                                    </p:animEffect>
+                                  </p:childTnLst>
+                                </p:cTn>
+                              </p:par>
+                              <p:par>
+                                <p:cTn id="17" presetID="10" presetClass="entr" presetSubtype="0" fill="hold" grpId="0" nodeType="withEffect">
+                                  <p:stCondLst>
+                                    <p:cond delay="0"/>
+                                  </p:stCondLst>
+                                  <p:childTnLst>
+                                    <p:set>
+                                      <p:cBhvr>
+                                        <p:cTn id="18" dur="1" fill="hold">
+                                          <p:stCondLst>
+                                            <p:cond delay="0"/>
+                                          </p:stCondLst>
+                                        </p:cTn>
+                                        <p:tgtEl>
+                                          <p:spTgt spid="3">
+                                            <p:txEl>
+                                              <p:pRg st="3" end="3"/>
+                                            </p:txEl>
+                                          </p:spTgt>
+                                        </p:tgtEl>
+                                        <p:attrNameLst>
+                                          <p:attrName>style.visibility</p:attrName>
+                                        </p:attrNameLst>
+                                      </p:cBhvr>
+                                      <p:to>
+                                        <p:strVal val="visible"/>
+                                      </p:to>
+                                    </p:set>
+                                    <p:animEffect transition="in" filter="fade">
+                                      <p:cBhvr>
+                                        <p:cTn id="19" dur="500"/>
+                                        <p:tgtEl>
+                                          <p:spTgt spid="3">
+                                            <p:txEl>
+                                              <p:pRg st="3" end="3"/>
+                                            </p:txEl>
+                                          </p:spTgt>
+                                        </p:tgtEl>
+                                      </p:cBhvr>
+                                    </p:animEffect>
+                                  </p:childTnLst>
+                                </p:cTn>
+                              </p:par>
+                              <p:par>
+                                <p:cTn id="20" presetID="10" presetClass="entr" presetSubtype="0" fill="hold" grpId="0" nodeType="withEffect">
+                                  <p:stCondLst>
+                                    <p:cond delay="0"/>
+                                  </p:stCondLst>
+                                  <p:childTnLst>
+                                    <p:set>
+                                      <p:cBhvr>
+                                        <p:cTn id="21" dur="1" fill="hold">
+                                          <p:stCondLst>
+                                            <p:cond delay="0"/>
+                                          </p:stCondLst>
+                                        </p:cTn>
+                                        <p:tgtEl>
+                                          <p:spTgt spid="3">
+                                            <p:txEl>
+                                              <p:pRg st="4" end="4"/>
+                                            </p:txEl>
+                                          </p:spTgt>
+                                        </p:tgtEl>
+                                        <p:attrNameLst>
+                                          <p:attrName>style.visibility</p:attrName>
+                                        </p:attrNameLst>
+                                      </p:cBhvr>
+                                      <p:to>
+                                        <p:strVal val="visible"/>
+                                      </p:to>
+                                    </p:set>
+                                    <p:animEffect transition="in" filter="fade">
+                                      <p:cBhvr>
+                                        <p:cTn id="22" dur="500"/>
+                                        <p:tgtEl>
+                                          <p:spTgt spid="3">
+                                            <p:txEl>
+                                              <p:pRg st="4" end="4"/>
+                                            </p:txEl>
+                                          </p:spTgt>
+                                        </p:tgtEl>
+                                      </p:cBhvr>
+                                    </p:animEffect>
+                                  </p:childTnLst>
+                                </p:cTn>
+                              </p:par>
+                              <p:par>
+                                <p:cTn id="23" presetID="10" presetClass="entr" presetSubtype="0" fill="hold" grpId="0" nodeType="withEffect">
+                                  <p:stCondLst>
+                                    <p:cond delay="0"/>
+                                  </p:stCondLst>
+                                  <p:childTnLst>
+                                    <p:set>
+                                      <p:cBhvr>
+                                        <p:cTn id="24" dur="1" fill="hold">
+                                          <p:stCondLst>
+                                            <p:cond delay="0"/>
+                                          </p:stCondLst>
+                                        </p:cTn>
+                                        <p:tgtEl>
+                                          <p:spTgt spid="3">
+                                            <p:txEl>
+                                              <p:pRg st="5" end="5"/>
+                                            </p:txEl>
+                                          </p:spTgt>
+                                        </p:tgtEl>
+                                        <p:attrNameLst>
+                                          <p:attrName>style.visibility</p:attrName>
+                                        </p:attrNameLst>
+                                      </p:cBhvr>
+                                      <p:to>
+                                        <p:strVal val="visible"/>
+                                      </p:to>
+                                    </p:set>
+                                    <p:animEffect transition="in" filter="fade">
+                                      <p:cBhvr>
+                                        <p:cTn id="25" dur="500"/>
+                                        <p:tgtEl>
+                                          <p:spTgt spid="3">
+                                            <p:txEl>
+                                              <p:pRg st="5" end="5"/>
+                                            </p:txEl>
+                                          </p:spTgt>
+                                        </p:tgtEl>
+                                      </p:cBhvr>
+                                    </p:animEffect>
+                                  </p:childTnLst>
+                                </p:cTn>
+                              </p:par>
+                              <p:par>
+                                <p:cTn id="26" presetID="10" presetClass="entr" presetSubtype="0" fill="hold" grpId="0" nodeType="withEffect">
+                                  <p:stCondLst>
+                                    <p:cond delay="0"/>
+                                  </p:stCondLst>
+                                  <p:childTnLst>
+                                    <p:set>
+                                      <p:cBhvr>
+                                        <p:cTn id="27" dur="1" fill="hold">
+                                          <p:stCondLst>
+                                            <p:cond delay="0"/>
+                                          </p:stCondLst>
+                                        </p:cTn>
+                                        <p:tgtEl>
+                                          <p:spTgt spid="3">
+                                            <p:txEl>
+                                              <p:pRg st="6" end="6"/>
+                                            </p:txEl>
+                                          </p:spTgt>
+                                        </p:tgtEl>
+                                        <p:attrNameLst>
+                                          <p:attrName>style.visibility</p:attrName>
+                                        </p:attrNameLst>
+                                      </p:cBhvr>
+                                      <p:to>
+                                        <p:strVal val="visible"/>
+                                      </p:to>
+                                    </p:set>
+                                    <p:animEffect transition="in" filter="fade">
+                                      <p:cBhvr>
+                                        <p:cTn id="28" dur="500"/>
+                                        <p:tgtEl>
+                                          <p:spTgt spid="3">
+                                            <p:txEl>
+                                              <p:pRg st="6" end="6"/>
+                                            </p:txEl>
+                                          </p:spTgt>
+                                        </p:tgtEl>
+                                      </p:cBhvr>
+                                    </p:animEffect>
+                                  </p:childTnLst>
+                                </p:cTn>
+                              </p:par>
+                            </p:childTnLst>
+                          </p:cTn>
+                        </p:par>
+                      </p:childTnLst>
+                    </p:cTn>
+                  </p:par>
+                </p:childTnLst>
+              </p:cTn>
+              <p:prevCondLst>
+                <p:cond evt="onPrev" delay="0">
+                  <p:tgtEl>
+                    <p:sldTgt/>
+                  </p:tgtEl>
+                </p:cond>
+              </p:prevCondLst>
+              <p:nextCondLst>
+                <p:cond evt="onNext" delay="0">
+                  <p:tgtEl>
+                    <p:sldTgt/>
+                  </p:tgtEl>
+                </p:cond>
+              </p:nextCondLst>
+            </p:seq>
+          </p:childTnLst>
+        </p:cTn>
+      </p:par>
+    </p:tnLst>
+    <p:bldLst>
+      <p:bldP spid="2" grpId="0"/>
+      <p:bldP spid="3" grpId="0" build="p"/>
+    </p:bldLst>
+  </p:timing>
 </p:sld>
 </file>
 
@@ -5573,6 +8971,98 @@
   <p:clrMapOvr>
     <a:masterClrMapping/>
   </p:clrMapOvr>
+  <p:transition spd="med">
+    <p:pull/>
+  </p:transition>
+  <p:timing>
+    <p:tnLst>
+      <p:par>
+        <p:cTn id="1" dur="indefinite" restart="never" nodeType="tmRoot">
+          <p:childTnLst>
+            <p:seq concurrent="1" nextAc="seek">
+              <p:cTn id="2" dur="indefinite" nodeType="mainSeq">
+                <p:childTnLst>
+                  <p:par>
+                    <p:cTn id="3" fill="hold">
+                      <p:stCondLst>
+                        <p:cond delay="indefinite"/>
+                        <p:cond evt="onBegin" delay="0">
+                          <p:tn val="2"/>
+                        </p:cond>
+                      </p:stCondLst>
+                      <p:childTnLst>
+                        <p:par>
+                          <p:cTn id="4" fill="hold">
+                            <p:stCondLst>
+                              <p:cond delay="0"/>
+                            </p:stCondLst>
+                            <p:childTnLst>
+                              <p:par>
+                                <p:cTn id="5" presetID="10" presetClass="entr" presetSubtype="0" fill="hold" grpId="0" nodeType="withEffect">
+                                  <p:stCondLst>
+                                    <p:cond delay="0"/>
+                                  </p:stCondLst>
+                                  <p:childTnLst>
+                                    <p:set>
+                                      <p:cBhvr>
+                                        <p:cTn id="6" dur="1" fill="hold">
+                                          <p:stCondLst>
+                                            <p:cond delay="0"/>
+                                          </p:stCondLst>
+                                        </p:cTn>
+                                        <p:tgtEl>
+                                          <p:spTgt spid="4"/>
+                                        </p:tgtEl>
+                                        <p:attrNameLst>
+                                          <p:attrName>style.visibility</p:attrName>
+                                        </p:attrNameLst>
+                                      </p:cBhvr>
+                                      <p:to>
+                                        <p:strVal val="visible"/>
+                                      </p:to>
+                                    </p:set>
+                                    <p:animEffect transition="in" filter="fade">
+                                      <p:cBhvr>
+                                        <p:cTn id="7" dur="500"/>
+                                        <p:tgtEl>
+                                          <p:spTgt spid="4"/>
+                                        </p:tgtEl>
+                                      </p:cBhvr>
+                                    </p:animEffect>
+                                  </p:childTnLst>
+                                </p:cTn>
+                              </p:par>
+                            </p:childTnLst>
+                          </p:cTn>
+                        </p:par>
+                      </p:childTnLst>
+                    </p:cTn>
+                  </p:par>
+                </p:childTnLst>
+              </p:cTn>
+              <p:prevCondLst>
+                <p:cond evt="onPrev" delay="0">
+                  <p:tgtEl>
+                    <p:sldTgt/>
+                  </p:tgtEl>
+                </p:cond>
+              </p:prevCondLst>
+              <p:nextCondLst>
+                <p:cond evt="onNext" delay="0">
+                  <p:tgtEl>
+                    <p:sldTgt/>
+                  </p:tgtEl>
+                </p:cond>
+              </p:nextCondLst>
+            </p:seq>
+          </p:childTnLst>
+        </p:cTn>
+      </p:par>
+    </p:tnLst>
+    <p:bldLst>
+      <p:bldP spid="4" grpId="0"/>
+    </p:bldLst>
+  </p:timing>
 </p:sld>
 </file>
 
@@ -5675,6 +9165,228 @@
   <p:clrMapOvr>
     <a:masterClrMapping/>
   </p:clrMapOvr>
+  <p:transition spd="med">
+    <p:pull/>
+  </p:transition>
+  <p:timing>
+    <p:tnLst>
+      <p:par>
+        <p:cTn id="1" dur="indefinite" restart="never" nodeType="tmRoot">
+          <p:childTnLst>
+            <p:seq concurrent="1" nextAc="seek">
+              <p:cTn id="2" dur="indefinite" nodeType="mainSeq">
+                <p:childTnLst>
+                  <p:par>
+                    <p:cTn id="3" fill="hold">
+                      <p:stCondLst>
+                        <p:cond delay="indefinite"/>
+                        <p:cond evt="onBegin" delay="0">
+                          <p:tn val="2"/>
+                        </p:cond>
+                      </p:stCondLst>
+                      <p:childTnLst>
+                        <p:par>
+                          <p:cTn id="4" fill="hold">
+                            <p:stCondLst>
+                              <p:cond delay="0"/>
+                            </p:stCondLst>
+                            <p:childTnLst>
+                              <p:par>
+                                <p:cTn id="5" presetID="10" presetClass="entr" presetSubtype="0" fill="hold" grpId="0" nodeType="afterEffect">
+                                  <p:stCondLst>
+                                    <p:cond delay="0"/>
+                                  </p:stCondLst>
+                                  <p:childTnLst>
+                                    <p:set>
+                                      <p:cBhvr>
+                                        <p:cTn id="6" dur="1" fill="hold">
+                                          <p:stCondLst>
+                                            <p:cond delay="0"/>
+                                          </p:stCondLst>
+                                        </p:cTn>
+                                        <p:tgtEl>
+                                          <p:spTgt spid="2"/>
+                                        </p:tgtEl>
+                                        <p:attrNameLst>
+                                          <p:attrName>style.visibility</p:attrName>
+                                        </p:attrNameLst>
+                                      </p:cBhvr>
+                                      <p:to>
+                                        <p:strVal val="visible"/>
+                                      </p:to>
+                                    </p:set>
+                                    <p:animEffect transition="in" filter="fade">
+                                      <p:cBhvr>
+                                        <p:cTn id="7" dur="500"/>
+                                        <p:tgtEl>
+                                          <p:spTgt spid="2"/>
+                                        </p:tgtEl>
+                                      </p:cBhvr>
+                                    </p:animEffect>
+                                  </p:childTnLst>
+                                </p:cTn>
+                              </p:par>
+                              <p:par>
+                                <p:cTn id="8" presetID="10" presetClass="entr" presetSubtype="0" fill="hold" grpId="0" nodeType="withEffect">
+                                  <p:stCondLst>
+                                    <p:cond delay="0"/>
+                                  </p:stCondLst>
+                                  <p:childTnLst>
+                                    <p:set>
+                                      <p:cBhvr>
+                                        <p:cTn id="9" dur="1" fill="hold">
+                                          <p:stCondLst>
+                                            <p:cond delay="0"/>
+                                          </p:stCondLst>
+                                        </p:cTn>
+                                        <p:tgtEl>
+                                          <p:spTgt spid="3">
+                                            <p:txEl>
+                                              <p:pRg st="0" end="0"/>
+                                            </p:txEl>
+                                          </p:spTgt>
+                                        </p:tgtEl>
+                                        <p:attrNameLst>
+                                          <p:attrName>style.visibility</p:attrName>
+                                        </p:attrNameLst>
+                                      </p:cBhvr>
+                                      <p:to>
+                                        <p:strVal val="visible"/>
+                                      </p:to>
+                                    </p:set>
+                                    <p:animEffect transition="in" filter="fade">
+                                      <p:cBhvr>
+                                        <p:cTn id="10" dur="500"/>
+                                        <p:tgtEl>
+                                          <p:spTgt spid="3">
+                                            <p:txEl>
+                                              <p:pRg st="0" end="0"/>
+                                            </p:txEl>
+                                          </p:spTgt>
+                                        </p:tgtEl>
+                                      </p:cBhvr>
+                                    </p:animEffect>
+                                  </p:childTnLst>
+                                </p:cTn>
+                              </p:par>
+                              <p:par>
+                                <p:cTn id="11" presetID="10" presetClass="entr" presetSubtype="0" fill="hold" grpId="0" nodeType="withEffect">
+                                  <p:stCondLst>
+                                    <p:cond delay="0"/>
+                                  </p:stCondLst>
+                                  <p:childTnLst>
+                                    <p:set>
+                                      <p:cBhvr>
+                                        <p:cTn id="12" dur="1" fill="hold">
+                                          <p:stCondLst>
+                                            <p:cond delay="0"/>
+                                          </p:stCondLst>
+                                        </p:cTn>
+                                        <p:tgtEl>
+                                          <p:spTgt spid="3">
+                                            <p:txEl>
+                                              <p:pRg st="1" end="1"/>
+                                            </p:txEl>
+                                          </p:spTgt>
+                                        </p:tgtEl>
+                                        <p:attrNameLst>
+                                          <p:attrName>style.visibility</p:attrName>
+                                        </p:attrNameLst>
+                                      </p:cBhvr>
+                                      <p:to>
+                                        <p:strVal val="visible"/>
+                                      </p:to>
+                                    </p:set>
+                                    <p:animEffect transition="in" filter="fade">
+                                      <p:cBhvr>
+                                        <p:cTn id="13" dur="500"/>
+                                        <p:tgtEl>
+                                          <p:spTgt spid="3">
+                                            <p:txEl>
+                                              <p:pRg st="1" end="1"/>
+                                            </p:txEl>
+                                          </p:spTgt>
+                                        </p:tgtEl>
+                                      </p:cBhvr>
+                                    </p:animEffect>
+                                  </p:childTnLst>
+                                </p:cTn>
+                              </p:par>
+                              <p:par>
+                                <p:cTn id="14" presetID="10" presetClass="entr" presetSubtype="0" fill="hold" grpId="0" nodeType="withEffect">
+                                  <p:stCondLst>
+                                    <p:cond delay="0"/>
+                                  </p:stCondLst>
+                                  <p:childTnLst>
+                                    <p:set>
+                                      <p:cBhvr>
+                                        <p:cTn id="15" dur="1" fill="hold">
+                                          <p:stCondLst>
+                                            <p:cond delay="0"/>
+                                          </p:stCondLst>
+                                        </p:cTn>
+                                        <p:tgtEl>
+                                          <p:spTgt spid="3">
+                                            <p:txEl>
+                                              <p:pRg st="2" end="2"/>
+                                            </p:txEl>
+                                          </p:spTgt>
+                                        </p:tgtEl>
+                                        <p:attrNameLst>
+                                          <p:attrName>style.visibility</p:attrName>
+                                        </p:attrNameLst>
+                                      </p:cBhvr>
+                                      <p:to>
+                                        <p:strVal val="visible"/>
+                                      </p:to>
+                                    </p:set>
+                                    <p:animEffect transition="in" filter="fade">
+                                      <p:cBhvr>
+                                        <p:cTn id="16" dur="500"/>
+                                        <p:tgtEl>
+                                          <p:spTgt spid="3">
+                                            <p:txEl>
+                                              <p:pRg st="2" end="2"/>
+                                            </p:txEl>
+                                          </p:spTgt>
+                                        </p:tgtEl>
+                                      </p:cBhvr>
+                                    </p:animEffect>
+                                  </p:childTnLst>
+                                </p:cTn>
+                              </p:par>
+                            </p:childTnLst>
+                          </p:cTn>
+                        </p:par>
+                      </p:childTnLst>
+                    </p:cTn>
+                  </p:par>
+                </p:childTnLst>
+              </p:cTn>
+              <p:prevCondLst>
+                <p:cond evt="onPrev" delay="0">
+                  <p:tgtEl>
+                    <p:sldTgt/>
+                  </p:tgtEl>
+                </p:cond>
+              </p:prevCondLst>
+              <p:nextCondLst>
+                <p:cond evt="onNext" delay="0">
+                  <p:tgtEl>
+                    <p:sldTgt/>
+                  </p:tgtEl>
+                </p:cond>
+              </p:nextCondLst>
+            </p:seq>
+          </p:childTnLst>
+        </p:cTn>
+      </p:par>
+    </p:tnLst>
+    <p:bldLst>
+      <p:bldP spid="2" grpId="0"/>
+      <p:bldP spid="3" grpId="0" build="p"/>
+    </p:bldLst>
+  </p:timing>
 </p:sld>
 </file>
 
@@ -5884,6 +9596,486 @@
   <p:clrMapOvr>
     <a:masterClrMapping/>
   </p:clrMapOvr>
+  <p:transition spd="med">
+    <p:pull/>
+  </p:transition>
+  <p:timing>
+    <p:tnLst>
+      <p:par>
+        <p:cTn id="1" dur="indefinite" restart="never" nodeType="tmRoot">
+          <p:childTnLst>
+            <p:seq concurrent="1" nextAc="seek">
+              <p:cTn id="2" dur="indefinite" nodeType="mainSeq">
+                <p:childTnLst>
+                  <p:par>
+                    <p:cTn id="3" fill="hold">
+                      <p:stCondLst>
+                        <p:cond delay="indefinite"/>
+                        <p:cond evt="onBegin" delay="0">
+                          <p:tn val="2"/>
+                        </p:cond>
+                      </p:stCondLst>
+                      <p:childTnLst>
+                        <p:par>
+                          <p:cTn id="4" fill="hold">
+                            <p:stCondLst>
+                              <p:cond delay="0"/>
+                            </p:stCondLst>
+                            <p:childTnLst>
+                              <p:par>
+                                <p:cTn id="5" presetID="10" presetClass="entr" presetSubtype="0" fill="hold" grpId="0" nodeType="afterEffect">
+                                  <p:stCondLst>
+                                    <p:cond delay="0"/>
+                                  </p:stCondLst>
+                                  <p:childTnLst>
+                                    <p:set>
+                                      <p:cBhvr>
+                                        <p:cTn id="6" dur="1" fill="hold">
+                                          <p:stCondLst>
+                                            <p:cond delay="0"/>
+                                          </p:stCondLst>
+                                        </p:cTn>
+                                        <p:tgtEl>
+                                          <p:spTgt spid="2"/>
+                                        </p:tgtEl>
+                                        <p:attrNameLst>
+                                          <p:attrName>style.visibility</p:attrName>
+                                        </p:attrNameLst>
+                                      </p:cBhvr>
+                                      <p:to>
+                                        <p:strVal val="visible"/>
+                                      </p:to>
+                                    </p:set>
+                                    <p:animEffect transition="in" filter="fade">
+                                      <p:cBhvr>
+                                        <p:cTn id="7" dur="500"/>
+                                        <p:tgtEl>
+                                          <p:spTgt spid="2"/>
+                                        </p:tgtEl>
+                                      </p:cBhvr>
+                                    </p:animEffect>
+                                  </p:childTnLst>
+                                </p:cTn>
+                              </p:par>
+                              <p:par>
+                                <p:cTn id="8" presetID="10" presetClass="entr" presetSubtype="0" fill="hold" grpId="0" nodeType="withEffect">
+                                  <p:stCondLst>
+                                    <p:cond delay="0"/>
+                                  </p:stCondLst>
+                                  <p:childTnLst>
+                                    <p:set>
+                                      <p:cBhvr>
+                                        <p:cTn id="9" dur="1" fill="hold">
+                                          <p:stCondLst>
+                                            <p:cond delay="0"/>
+                                          </p:stCondLst>
+                                        </p:cTn>
+                                        <p:tgtEl>
+                                          <p:spTgt spid="3">
+                                            <p:txEl>
+                                              <p:pRg st="0" end="0"/>
+                                            </p:txEl>
+                                          </p:spTgt>
+                                        </p:tgtEl>
+                                        <p:attrNameLst>
+                                          <p:attrName>style.visibility</p:attrName>
+                                        </p:attrNameLst>
+                                      </p:cBhvr>
+                                      <p:to>
+                                        <p:strVal val="visible"/>
+                                      </p:to>
+                                    </p:set>
+                                    <p:animEffect transition="in" filter="fade">
+                                      <p:cBhvr>
+                                        <p:cTn id="10" dur="500"/>
+                                        <p:tgtEl>
+                                          <p:spTgt spid="3">
+                                            <p:txEl>
+                                              <p:pRg st="0" end="0"/>
+                                            </p:txEl>
+                                          </p:spTgt>
+                                        </p:tgtEl>
+                                      </p:cBhvr>
+                                    </p:animEffect>
+                                  </p:childTnLst>
+                                </p:cTn>
+                              </p:par>
+                              <p:par>
+                                <p:cTn id="11" presetID="10" presetClass="entr" presetSubtype="0" fill="hold" grpId="0" nodeType="withEffect">
+                                  <p:stCondLst>
+                                    <p:cond delay="0"/>
+                                  </p:stCondLst>
+                                  <p:childTnLst>
+                                    <p:set>
+                                      <p:cBhvr>
+                                        <p:cTn id="12" dur="1" fill="hold">
+                                          <p:stCondLst>
+                                            <p:cond delay="0"/>
+                                          </p:stCondLst>
+                                        </p:cTn>
+                                        <p:tgtEl>
+                                          <p:spTgt spid="3">
+                                            <p:txEl>
+                                              <p:pRg st="1" end="1"/>
+                                            </p:txEl>
+                                          </p:spTgt>
+                                        </p:tgtEl>
+                                        <p:attrNameLst>
+                                          <p:attrName>style.visibility</p:attrName>
+                                        </p:attrNameLst>
+                                      </p:cBhvr>
+                                      <p:to>
+                                        <p:strVal val="visible"/>
+                                      </p:to>
+                                    </p:set>
+                                    <p:animEffect transition="in" filter="fade">
+                                      <p:cBhvr>
+                                        <p:cTn id="13" dur="500"/>
+                                        <p:tgtEl>
+                                          <p:spTgt spid="3">
+                                            <p:txEl>
+                                              <p:pRg st="1" end="1"/>
+                                            </p:txEl>
+                                          </p:spTgt>
+                                        </p:tgtEl>
+                                      </p:cBhvr>
+                                    </p:animEffect>
+                                  </p:childTnLst>
+                                </p:cTn>
+                              </p:par>
+                              <p:par>
+                                <p:cTn id="14" presetID="10" presetClass="entr" presetSubtype="0" fill="hold" grpId="0" nodeType="withEffect">
+                                  <p:stCondLst>
+                                    <p:cond delay="0"/>
+                                  </p:stCondLst>
+                                  <p:childTnLst>
+                                    <p:set>
+                                      <p:cBhvr>
+                                        <p:cTn id="15" dur="1" fill="hold">
+                                          <p:stCondLst>
+                                            <p:cond delay="0"/>
+                                          </p:stCondLst>
+                                        </p:cTn>
+                                        <p:tgtEl>
+                                          <p:spTgt spid="3">
+                                            <p:txEl>
+                                              <p:pRg st="2" end="2"/>
+                                            </p:txEl>
+                                          </p:spTgt>
+                                        </p:tgtEl>
+                                        <p:attrNameLst>
+                                          <p:attrName>style.visibility</p:attrName>
+                                        </p:attrNameLst>
+                                      </p:cBhvr>
+                                      <p:to>
+                                        <p:strVal val="visible"/>
+                                      </p:to>
+                                    </p:set>
+                                    <p:animEffect transition="in" filter="fade">
+                                      <p:cBhvr>
+                                        <p:cTn id="16" dur="500"/>
+                                        <p:tgtEl>
+                                          <p:spTgt spid="3">
+                                            <p:txEl>
+                                              <p:pRg st="2" end="2"/>
+                                            </p:txEl>
+                                          </p:spTgt>
+                                        </p:tgtEl>
+                                      </p:cBhvr>
+                                    </p:animEffect>
+                                  </p:childTnLst>
+                                </p:cTn>
+                              </p:par>
+                              <p:par>
+                                <p:cTn id="17" presetID="10" presetClass="entr" presetSubtype="0" fill="hold" grpId="0" nodeType="withEffect">
+                                  <p:stCondLst>
+                                    <p:cond delay="0"/>
+                                  </p:stCondLst>
+                                  <p:childTnLst>
+                                    <p:set>
+                                      <p:cBhvr>
+                                        <p:cTn id="18" dur="1" fill="hold">
+                                          <p:stCondLst>
+                                            <p:cond delay="0"/>
+                                          </p:stCondLst>
+                                        </p:cTn>
+                                        <p:tgtEl>
+                                          <p:spTgt spid="3">
+                                            <p:txEl>
+                                              <p:pRg st="3" end="3"/>
+                                            </p:txEl>
+                                          </p:spTgt>
+                                        </p:tgtEl>
+                                        <p:attrNameLst>
+                                          <p:attrName>style.visibility</p:attrName>
+                                        </p:attrNameLst>
+                                      </p:cBhvr>
+                                      <p:to>
+                                        <p:strVal val="visible"/>
+                                      </p:to>
+                                    </p:set>
+                                    <p:animEffect transition="in" filter="fade">
+                                      <p:cBhvr>
+                                        <p:cTn id="19" dur="500"/>
+                                        <p:tgtEl>
+                                          <p:spTgt spid="3">
+                                            <p:txEl>
+                                              <p:pRg st="3" end="3"/>
+                                            </p:txEl>
+                                          </p:spTgt>
+                                        </p:tgtEl>
+                                      </p:cBhvr>
+                                    </p:animEffect>
+                                  </p:childTnLst>
+                                </p:cTn>
+                              </p:par>
+                              <p:par>
+                                <p:cTn id="20" presetID="10" presetClass="entr" presetSubtype="0" fill="hold" grpId="0" nodeType="withEffect">
+                                  <p:stCondLst>
+                                    <p:cond delay="0"/>
+                                  </p:stCondLst>
+                                  <p:childTnLst>
+                                    <p:set>
+                                      <p:cBhvr>
+                                        <p:cTn id="21" dur="1" fill="hold">
+                                          <p:stCondLst>
+                                            <p:cond delay="0"/>
+                                          </p:stCondLst>
+                                        </p:cTn>
+                                        <p:tgtEl>
+                                          <p:spTgt spid="3">
+                                            <p:txEl>
+                                              <p:pRg st="4" end="4"/>
+                                            </p:txEl>
+                                          </p:spTgt>
+                                        </p:tgtEl>
+                                        <p:attrNameLst>
+                                          <p:attrName>style.visibility</p:attrName>
+                                        </p:attrNameLst>
+                                      </p:cBhvr>
+                                      <p:to>
+                                        <p:strVal val="visible"/>
+                                      </p:to>
+                                    </p:set>
+                                    <p:animEffect transition="in" filter="fade">
+                                      <p:cBhvr>
+                                        <p:cTn id="22" dur="500"/>
+                                        <p:tgtEl>
+                                          <p:spTgt spid="3">
+                                            <p:txEl>
+                                              <p:pRg st="4" end="4"/>
+                                            </p:txEl>
+                                          </p:spTgt>
+                                        </p:tgtEl>
+                                      </p:cBhvr>
+                                    </p:animEffect>
+                                  </p:childTnLst>
+                                </p:cTn>
+                              </p:par>
+                              <p:par>
+                                <p:cTn id="23" presetID="10" presetClass="entr" presetSubtype="0" fill="hold" grpId="0" nodeType="withEffect">
+                                  <p:stCondLst>
+                                    <p:cond delay="0"/>
+                                  </p:stCondLst>
+                                  <p:childTnLst>
+                                    <p:set>
+                                      <p:cBhvr>
+                                        <p:cTn id="24" dur="1" fill="hold">
+                                          <p:stCondLst>
+                                            <p:cond delay="0"/>
+                                          </p:stCondLst>
+                                        </p:cTn>
+                                        <p:tgtEl>
+                                          <p:spTgt spid="3">
+                                            <p:txEl>
+                                              <p:pRg st="5" end="5"/>
+                                            </p:txEl>
+                                          </p:spTgt>
+                                        </p:tgtEl>
+                                        <p:attrNameLst>
+                                          <p:attrName>style.visibility</p:attrName>
+                                        </p:attrNameLst>
+                                      </p:cBhvr>
+                                      <p:to>
+                                        <p:strVal val="visible"/>
+                                      </p:to>
+                                    </p:set>
+                                    <p:animEffect transition="in" filter="fade">
+                                      <p:cBhvr>
+                                        <p:cTn id="25" dur="500"/>
+                                        <p:tgtEl>
+                                          <p:spTgt spid="3">
+                                            <p:txEl>
+                                              <p:pRg st="5" end="5"/>
+                                            </p:txEl>
+                                          </p:spTgt>
+                                        </p:tgtEl>
+                                      </p:cBhvr>
+                                    </p:animEffect>
+                                  </p:childTnLst>
+                                </p:cTn>
+                              </p:par>
+                              <p:par>
+                                <p:cTn id="26" presetID="10" presetClass="entr" presetSubtype="0" fill="hold" grpId="0" nodeType="withEffect">
+                                  <p:stCondLst>
+                                    <p:cond delay="0"/>
+                                  </p:stCondLst>
+                                  <p:childTnLst>
+                                    <p:set>
+                                      <p:cBhvr>
+                                        <p:cTn id="27" dur="1" fill="hold">
+                                          <p:stCondLst>
+                                            <p:cond delay="0"/>
+                                          </p:stCondLst>
+                                        </p:cTn>
+                                        <p:tgtEl>
+                                          <p:spTgt spid="3">
+                                            <p:txEl>
+                                              <p:pRg st="6" end="6"/>
+                                            </p:txEl>
+                                          </p:spTgt>
+                                        </p:tgtEl>
+                                        <p:attrNameLst>
+                                          <p:attrName>style.visibility</p:attrName>
+                                        </p:attrNameLst>
+                                      </p:cBhvr>
+                                      <p:to>
+                                        <p:strVal val="visible"/>
+                                      </p:to>
+                                    </p:set>
+                                    <p:animEffect transition="in" filter="fade">
+                                      <p:cBhvr>
+                                        <p:cTn id="28" dur="500"/>
+                                        <p:tgtEl>
+                                          <p:spTgt spid="3">
+                                            <p:txEl>
+                                              <p:pRg st="6" end="6"/>
+                                            </p:txEl>
+                                          </p:spTgt>
+                                        </p:tgtEl>
+                                      </p:cBhvr>
+                                    </p:animEffect>
+                                  </p:childTnLst>
+                                </p:cTn>
+                              </p:par>
+                              <p:par>
+                                <p:cTn id="29" presetID="10" presetClass="entr" presetSubtype="0" fill="hold" grpId="0" nodeType="withEffect">
+                                  <p:stCondLst>
+                                    <p:cond delay="0"/>
+                                  </p:stCondLst>
+                                  <p:childTnLst>
+                                    <p:set>
+                                      <p:cBhvr>
+                                        <p:cTn id="30" dur="1" fill="hold">
+                                          <p:stCondLst>
+                                            <p:cond delay="0"/>
+                                          </p:stCondLst>
+                                        </p:cTn>
+                                        <p:tgtEl>
+                                          <p:spTgt spid="3">
+                                            <p:txEl>
+                                              <p:pRg st="7" end="7"/>
+                                            </p:txEl>
+                                          </p:spTgt>
+                                        </p:tgtEl>
+                                        <p:attrNameLst>
+                                          <p:attrName>style.visibility</p:attrName>
+                                        </p:attrNameLst>
+                                      </p:cBhvr>
+                                      <p:to>
+                                        <p:strVal val="visible"/>
+                                      </p:to>
+                                    </p:set>
+                                    <p:animEffect transition="in" filter="fade">
+                                      <p:cBhvr>
+                                        <p:cTn id="31" dur="500"/>
+                                        <p:tgtEl>
+                                          <p:spTgt spid="3">
+                                            <p:txEl>
+                                              <p:pRg st="7" end="7"/>
+                                            </p:txEl>
+                                          </p:spTgt>
+                                        </p:tgtEl>
+                                      </p:cBhvr>
+                                    </p:animEffect>
+                                  </p:childTnLst>
+                                </p:cTn>
+                              </p:par>
+                              <p:par>
+                                <p:cTn id="32" presetID="10" presetClass="entr" presetSubtype="0" fill="hold" grpId="0" nodeType="withEffect">
+                                  <p:stCondLst>
+                                    <p:cond delay="0"/>
+                                  </p:stCondLst>
+                                  <p:childTnLst>
+                                    <p:set>
+                                      <p:cBhvr>
+                                        <p:cTn id="33" dur="1" fill="hold">
+                                          <p:stCondLst>
+                                            <p:cond delay="0"/>
+                                          </p:stCondLst>
+                                        </p:cTn>
+                                        <p:tgtEl>
+                                          <p:spTgt spid="3">
+                                            <p:txEl>
+                                              <p:pRg st="8" end="8"/>
+                                            </p:txEl>
+                                          </p:spTgt>
+                                        </p:tgtEl>
+                                        <p:attrNameLst>
+                                          <p:attrName>style.visibility</p:attrName>
+                                        </p:attrNameLst>
+                                      </p:cBhvr>
+                                      <p:to>
+                                        <p:strVal val="visible"/>
+                                      </p:to>
+                                    </p:set>
+                                    <p:animEffect transition="in" filter="fade">
+                                      <p:cBhvr>
+                                        <p:cTn id="34" dur="500"/>
+                                        <p:tgtEl>
+                                          <p:spTgt spid="3">
+                                            <p:txEl>
+                                              <p:pRg st="8" end="8"/>
+                                            </p:txEl>
+                                          </p:spTgt>
+                                        </p:tgtEl>
+                                      </p:cBhvr>
+                                    </p:animEffect>
+                                  </p:childTnLst>
+                                </p:cTn>
+                              </p:par>
+                            </p:childTnLst>
+                          </p:cTn>
+                        </p:par>
+                      </p:childTnLst>
+                    </p:cTn>
+                  </p:par>
+                </p:childTnLst>
+              </p:cTn>
+              <p:prevCondLst>
+                <p:cond evt="onPrev" delay="0">
+                  <p:tgtEl>
+                    <p:sldTgt/>
+                  </p:tgtEl>
+                </p:cond>
+              </p:prevCondLst>
+              <p:nextCondLst>
+                <p:cond evt="onNext" delay="0">
+                  <p:tgtEl>
+                    <p:sldTgt/>
+                  </p:tgtEl>
+                </p:cond>
+              </p:nextCondLst>
+            </p:seq>
+          </p:childTnLst>
+        </p:cTn>
+      </p:par>
+    </p:tnLst>
+    <p:bldLst>
+      <p:bldP spid="2" grpId="0"/>
+      <p:bldP spid="3" grpId="0" build="p"/>
+    </p:bldLst>
+  </p:timing>
 </p:sld>
 </file>
 
@@ -6006,6 +10198,228 @@
   <p:clrMapOvr>
     <a:masterClrMapping/>
   </p:clrMapOvr>
+  <p:transition spd="med">
+    <p:pull/>
+  </p:transition>
+  <p:timing>
+    <p:tnLst>
+      <p:par>
+        <p:cTn id="1" dur="indefinite" restart="never" nodeType="tmRoot">
+          <p:childTnLst>
+            <p:seq concurrent="1" nextAc="seek">
+              <p:cTn id="2" dur="indefinite" nodeType="mainSeq">
+                <p:childTnLst>
+                  <p:par>
+                    <p:cTn id="3" fill="hold">
+                      <p:stCondLst>
+                        <p:cond delay="indefinite"/>
+                        <p:cond evt="onBegin" delay="0">
+                          <p:tn val="2"/>
+                        </p:cond>
+                      </p:stCondLst>
+                      <p:childTnLst>
+                        <p:par>
+                          <p:cTn id="4" fill="hold">
+                            <p:stCondLst>
+                              <p:cond delay="0"/>
+                            </p:stCondLst>
+                            <p:childTnLst>
+                              <p:par>
+                                <p:cTn id="5" presetID="10" presetClass="entr" presetSubtype="0" fill="hold" grpId="0" nodeType="afterEffect">
+                                  <p:stCondLst>
+                                    <p:cond delay="0"/>
+                                  </p:stCondLst>
+                                  <p:childTnLst>
+                                    <p:set>
+                                      <p:cBhvr>
+                                        <p:cTn id="6" dur="1" fill="hold">
+                                          <p:stCondLst>
+                                            <p:cond delay="0"/>
+                                          </p:stCondLst>
+                                        </p:cTn>
+                                        <p:tgtEl>
+                                          <p:spTgt spid="2"/>
+                                        </p:tgtEl>
+                                        <p:attrNameLst>
+                                          <p:attrName>style.visibility</p:attrName>
+                                        </p:attrNameLst>
+                                      </p:cBhvr>
+                                      <p:to>
+                                        <p:strVal val="visible"/>
+                                      </p:to>
+                                    </p:set>
+                                    <p:animEffect transition="in" filter="fade">
+                                      <p:cBhvr>
+                                        <p:cTn id="7" dur="500"/>
+                                        <p:tgtEl>
+                                          <p:spTgt spid="2"/>
+                                        </p:tgtEl>
+                                      </p:cBhvr>
+                                    </p:animEffect>
+                                  </p:childTnLst>
+                                </p:cTn>
+                              </p:par>
+                              <p:par>
+                                <p:cTn id="8" presetID="10" presetClass="entr" presetSubtype="0" fill="hold" grpId="0" nodeType="withEffect">
+                                  <p:stCondLst>
+                                    <p:cond delay="0"/>
+                                  </p:stCondLst>
+                                  <p:childTnLst>
+                                    <p:set>
+                                      <p:cBhvr>
+                                        <p:cTn id="9" dur="1" fill="hold">
+                                          <p:stCondLst>
+                                            <p:cond delay="0"/>
+                                          </p:stCondLst>
+                                        </p:cTn>
+                                        <p:tgtEl>
+                                          <p:spTgt spid="3">
+                                            <p:txEl>
+                                              <p:pRg st="0" end="0"/>
+                                            </p:txEl>
+                                          </p:spTgt>
+                                        </p:tgtEl>
+                                        <p:attrNameLst>
+                                          <p:attrName>style.visibility</p:attrName>
+                                        </p:attrNameLst>
+                                      </p:cBhvr>
+                                      <p:to>
+                                        <p:strVal val="visible"/>
+                                      </p:to>
+                                    </p:set>
+                                    <p:animEffect transition="in" filter="fade">
+                                      <p:cBhvr>
+                                        <p:cTn id="10" dur="500"/>
+                                        <p:tgtEl>
+                                          <p:spTgt spid="3">
+                                            <p:txEl>
+                                              <p:pRg st="0" end="0"/>
+                                            </p:txEl>
+                                          </p:spTgt>
+                                        </p:tgtEl>
+                                      </p:cBhvr>
+                                    </p:animEffect>
+                                  </p:childTnLst>
+                                </p:cTn>
+                              </p:par>
+                              <p:par>
+                                <p:cTn id="11" presetID="10" presetClass="entr" presetSubtype="0" fill="hold" grpId="0" nodeType="withEffect">
+                                  <p:stCondLst>
+                                    <p:cond delay="0"/>
+                                  </p:stCondLst>
+                                  <p:childTnLst>
+                                    <p:set>
+                                      <p:cBhvr>
+                                        <p:cTn id="12" dur="1" fill="hold">
+                                          <p:stCondLst>
+                                            <p:cond delay="0"/>
+                                          </p:stCondLst>
+                                        </p:cTn>
+                                        <p:tgtEl>
+                                          <p:spTgt spid="3">
+                                            <p:txEl>
+                                              <p:pRg st="1" end="1"/>
+                                            </p:txEl>
+                                          </p:spTgt>
+                                        </p:tgtEl>
+                                        <p:attrNameLst>
+                                          <p:attrName>style.visibility</p:attrName>
+                                        </p:attrNameLst>
+                                      </p:cBhvr>
+                                      <p:to>
+                                        <p:strVal val="visible"/>
+                                      </p:to>
+                                    </p:set>
+                                    <p:animEffect transition="in" filter="fade">
+                                      <p:cBhvr>
+                                        <p:cTn id="13" dur="500"/>
+                                        <p:tgtEl>
+                                          <p:spTgt spid="3">
+                                            <p:txEl>
+                                              <p:pRg st="1" end="1"/>
+                                            </p:txEl>
+                                          </p:spTgt>
+                                        </p:tgtEl>
+                                      </p:cBhvr>
+                                    </p:animEffect>
+                                  </p:childTnLst>
+                                </p:cTn>
+                              </p:par>
+                              <p:par>
+                                <p:cTn id="14" presetID="10" presetClass="entr" presetSubtype="0" fill="hold" grpId="0" nodeType="withEffect">
+                                  <p:stCondLst>
+                                    <p:cond delay="0"/>
+                                  </p:stCondLst>
+                                  <p:childTnLst>
+                                    <p:set>
+                                      <p:cBhvr>
+                                        <p:cTn id="15" dur="1" fill="hold">
+                                          <p:stCondLst>
+                                            <p:cond delay="0"/>
+                                          </p:stCondLst>
+                                        </p:cTn>
+                                        <p:tgtEl>
+                                          <p:spTgt spid="3">
+                                            <p:txEl>
+                                              <p:pRg st="2" end="2"/>
+                                            </p:txEl>
+                                          </p:spTgt>
+                                        </p:tgtEl>
+                                        <p:attrNameLst>
+                                          <p:attrName>style.visibility</p:attrName>
+                                        </p:attrNameLst>
+                                      </p:cBhvr>
+                                      <p:to>
+                                        <p:strVal val="visible"/>
+                                      </p:to>
+                                    </p:set>
+                                    <p:animEffect transition="in" filter="fade">
+                                      <p:cBhvr>
+                                        <p:cTn id="16" dur="500"/>
+                                        <p:tgtEl>
+                                          <p:spTgt spid="3">
+                                            <p:txEl>
+                                              <p:pRg st="2" end="2"/>
+                                            </p:txEl>
+                                          </p:spTgt>
+                                        </p:tgtEl>
+                                      </p:cBhvr>
+                                    </p:animEffect>
+                                  </p:childTnLst>
+                                </p:cTn>
+                              </p:par>
+                            </p:childTnLst>
+                          </p:cTn>
+                        </p:par>
+                      </p:childTnLst>
+                    </p:cTn>
+                  </p:par>
+                </p:childTnLst>
+              </p:cTn>
+              <p:prevCondLst>
+                <p:cond evt="onPrev" delay="0">
+                  <p:tgtEl>
+                    <p:sldTgt/>
+                  </p:tgtEl>
+                </p:cond>
+              </p:prevCondLst>
+              <p:nextCondLst>
+                <p:cond evt="onNext" delay="0">
+                  <p:tgtEl>
+                    <p:sldTgt/>
+                  </p:tgtEl>
+                </p:cond>
+              </p:nextCondLst>
+            </p:seq>
+          </p:childTnLst>
+        </p:cTn>
+      </p:par>
+    </p:tnLst>
+    <p:bldLst>
+      <p:bldP spid="2" grpId="0"/>
+      <p:bldP spid="3" grpId="0" build="p"/>
+    </p:bldLst>
+  </p:timing>
 </p:sld>
 </file>
 
@@ -6092,6 +10506,142 @@
   <p:clrMapOvr>
     <a:masterClrMapping/>
   </p:clrMapOvr>
+  <p:transition spd="med">
+    <p:pull/>
+  </p:transition>
+  <p:timing>
+    <p:tnLst>
+      <p:par>
+        <p:cTn id="1" dur="indefinite" restart="never" nodeType="tmRoot">
+          <p:childTnLst>
+            <p:seq concurrent="1" nextAc="seek">
+              <p:cTn id="2" dur="indefinite" nodeType="mainSeq">
+                <p:childTnLst>
+                  <p:par>
+                    <p:cTn id="3" fill="hold">
+                      <p:stCondLst>
+                        <p:cond delay="indefinite"/>
+                        <p:cond evt="onBegin" delay="0">
+                          <p:tn val="2"/>
+                        </p:cond>
+                      </p:stCondLst>
+                      <p:childTnLst>
+                        <p:par>
+                          <p:cTn id="4" fill="hold">
+                            <p:stCondLst>
+                              <p:cond delay="0"/>
+                            </p:stCondLst>
+                            <p:childTnLst>
+                              <p:par>
+                                <p:cTn id="5" presetID="10" presetClass="entr" presetSubtype="0" fill="hold" grpId="0" nodeType="afterEffect">
+                                  <p:stCondLst>
+                                    <p:cond delay="0"/>
+                                  </p:stCondLst>
+                                  <p:childTnLst>
+                                    <p:set>
+                                      <p:cBhvr>
+                                        <p:cTn id="6" dur="1" fill="hold">
+                                          <p:stCondLst>
+                                            <p:cond delay="0"/>
+                                          </p:stCondLst>
+                                        </p:cTn>
+                                        <p:tgtEl>
+                                          <p:spTgt spid="4"/>
+                                        </p:tgtEl>
+                                        <p:attrNameLst>
+                                          <p:attrName>style.visibility</p:attrName>
+                                        </p:attrNameLst>
+                                      </p:cBhvr>
+                                      <p:to>
+                                        <p:strVal val="visible"/>
+                                      </p:to>
+                                    </p:set>
+                                    <p:animEffect transition="in" filter="fade">
+                                      <p:cBhvr>
+                                        <p:cTn id="7" dur="500"/>
+                                        <p:tgtEl>
+                                          <p:spTgt spid="4"/>
+                                        </p:tgtEl>
+                                      </p:cBhvr>
+                                    </p:animEffect>
+                                  </p:childTnLst>
+                                </p:cTn>
+                              </p:par>
+                              <p:par>
+                                <p:cTn id="8" presetID="10" presetClass="entr" presetSubtype="0" fill="hold" grpId="0" nodeType="withEffect">
+                                  <p:stCondLst>
+                                    <p:cond delay="0"/>
+                                  </p:stCondLst>
+                                  <p:childTnLst>
+                                    <p:set>
+                                      <p:cBhvr>
+                                        <p:cTn id="9" dur="1" fill="hold">
+                                          <p:stCondLst>
+                                            <p:cond delay="0"/>
+                                          </p:stCondLst>
+                                        </p:cTn>
+                                        <p:tgtEl>
+                                          <p:spTgt spid="5">
+                                            <p:txEl>
+                                              <p:pRg st="0" end="0"/>
+                                            </p:txEl>
+                                          </p:spTgt>
+                                        </p:tgtEl>
+                                        <p:attrNameLst>
+                                          <p:attrName>style.visibility</p:attrName>
+                                        </p:attrNameLst>
+                                      </p:cBhvr>
+                                      <p:to>
+                                        <p:strVal val="visible"/>
+                                      </p:to>
+                                    </p:set>
+                                    <p:animEffect transition="in" filter="fade">
+                                      <p:cBhvr>
+                                        <p:cTn id="10" dur="500"/>
+                                        <p:tgtEl>
+                                          <p:spTgt spid="5">
+                                            <p:txEl>
+                                              <p:pRg st="0" end="0"/>
+                                            </p:txEl>
+                                          </p:spTgt>
+                                        </p:tgtEl>
+                                      </p:cBhvr>
+                                    </p:animEffect>
+                                  </p:childTnLst>
+                                </p:cTn>
+                              </p:par>
+                            </p:childTnLst>
+                          </p:cTn>
+                        </p:par>
+                      </p:childTnLst>
+                    </p:cTn>
+                  </p:par>
+                </p:childTnLst>
+              </p:cTn>
+              <p:prevCondLst>
+                <p:cond evt="onPrev" delay="0">
+                  <p:tgtEl>
+                    <p:sldTgt/>
+                  </p:tgtEl>
+                </p:cond>
+              </p:prevCondLst>
+              <p:nextCondLst>
+                <p:cond evt="onNext" delay="0">
+                  <p:tgtEl>
+                    <p:sldTgt/>
+                  </p:tgtEl>
+                </p:cond>
+              </p:nextCondLst>
+            </p:seq>
+          </p:childTnLst>
+        </p:cTn>
+      </p:par>
+    </p:tnLst>
+    <p:bldLst>
+      <p:bldP spid="4" grpId="0"/>
+      <p:bldP spid="5" grpId="0" build="p"/>
+    </p:bldLst>
+  </p:timing>
 </p:sld>
 </file>
 
@@ -6238,6 +10788,486 @@
   <p:clrMapOvr>
     <a:masterClrMapping/>
   </p:clrMapOvr>
+  <p:transition spd="med">
+    <p:pull/>
+  </p:transition>
+  <p:timing>
+    <p:tnLst>
+      <p:par>
+        <p:cTn id="1" dur="indefinite" restart="never" nodeType="tmRoot">
+          <p:childTnLst>
+            <p:seq concurrent="1" nextAc="seek">
+              <p:cTn id="2" dur="indefinite" nodeType="mainSeq">
+                <p:childTnLst>
+                  <p:par>
+                    <p:cTn id="3" fill="hold">
+                      <p:stCondLst>
+                        <p:cond delay="indefinite"/>
+                        <p:cond evt="onBegin" delay="0">
+                          <p:tn val="2"/>
+                        </p:cond>
+                      </p:stCondLst>
+                      <p:childTnLst>
+                        <p:par>
+                          <p:cTn id="4" fill="hold">
+                            <p:stCondLst>
+                              <p:cond delay="0"/>
+                            </p:stCondLst>
+                            <p:childTnLst>
+                              <p:par>
+                                <p:cTn id="5" presetID="10" presetClass="entr" presetSubtype="0" fill="hold" grpId="0" nodeType="afterEffect">
+                                  <p:stCondLst>
+                                    <p:cond delay="0"/>
+                                  </p:stCondLst>
+                                  <p:childTnLst>
+                                    <p:set>
+                                      <p:cBhvr>
+                                        <p:cTn id="6" dur="1" fill="hold">
+                                          <p:stCondLst>
+                                            <p:cond delay="0"/>
+                                          </p:stCondLst>
+                                        </p:cTn>
+                                        <p:tgtEl>
+                                          <p:spTgt spid="2"/>
+                                        </p:tgtEl>
+                                        <p:attrNameLst>
+                                          <p:attrName>style.visibility</p:attrName>
+                                        </p:attrNameLst>
+                                      </p:cBhvr>
+                                      <p:to>
+                                        <p:strVal val="visible"/>
+                                      </p:to>
+                                    </p:set>
+                                    <p:animEffect transition="in" filter="fade">
+                                      <p:cBhvr>
+                                        <p:cTn id="7" dur="500"/>
+                                        <p:tgtEl>
+                                          <p:spTgt spid="2"/>
+                                        </p:tgtEl>
+                                      </p:cBhvr>
+                                    </p:animEffect>
+                                  </p:childTnLst>
+                                </p:cTn>
+                              </p:par>
+                              <p:par>
+                                <p:cTn id="8" presetID="10" presetClass="entr" presetSubtype="0" fill="hold" grpId="0" nodeType="withEffect">
+                                  <p:stCondLst>
+                                    <p:cond delay="0"/>
+                                  </p:stCondLst>
+                                  <p:childTnLst>
+                                    <p:set>
+                                      <p:cBhvr>
+                                        <p:cTn id="9" dur="1" fill="hold">
+                                          <p:stCondLst>
+                                            <p:cond delay="0"/>
+                                          </p:stCondLst>
+                                        </p:cTn>
+                                        <p:tgtEl>
+                                          <p:spTgt spid="3">
+                                            <p:txEl>
+                                              <p:pRg st="0" end="0"/>
+                                            </p:txEl>
+                                          </p:spTgt>
+                                        </p:tgtEl>
+                                        <p:attrNameLst>
+                                          <p:attrName>style.visibility</p:attrName>
+                                        </p:attrNameLst>
+                                      </p:cBhvr>
+                                      <p:to>
+                                        <p:strVal val="visible"/>
+                                      </p:to>
+                                    </p:set>
+                                    <p:animEffect transition="in" filter="fade">
+                                      <p:cBhvr>
+                                        <p:cTn id="10" dur="500"/>
+                                        <p:tgtEl>
+                                          <p:spTgt spid="3">
+                                            <p:txEl>
+                                              <p:pRg st="0" end="0"/>
+                                            </p:txEl>
+                                          </p:spTgt>
+                                        </p:tgtEl>
+                                      </p:cBhvr>
+                                    </p:animEffect>
+                                  </p:childTnLst>
+                                </p:cTn>
+                              </p:par>
+                              <p:par>
+                                <p:cTn id="11" presetID="10" presetClass="entr" presetSubtype="0" fill="hold" grpId="0" nodeType="withEffect">
+                                  <p:stCondLst>
+                                    <p:cond delay="0"/>
+                                  </p:stCondLst>
+                                  <p:childTnLst>
+                                    <p:set>
+                                      <p:cBhvr>
+                                        <p:cTn id="12" dur="1" fill="hold">
+                                          <p:stCondLst>
+                                            <p:cond delay="0"/>
+                                          </p:stCondLst>
+                                        </p:cTn>
+                                        <p:tgtEl>
+                                          <p:spTgt spid="3">
+                                            <p:txEl>
+                                              <p:pRg st="1" end="1"/>
+                                            </p:txEl>
+                                          </p:spTgt>
+                                        </p:tgtEl>
+                                        <p:attrNameLst>
+                                          <p:attrName>style.visibility</p:attrName>
+                                        </p:attrNameLst>
+                                      </p:cBhvr>
+                                      <p:to>
+                                        <p:strVal val="visible"/>
+                                      </p:to>
+                                    </p:set>
+                                    <p:animEffect transition="in" filter="fade">
+                                      <p:cBhvr>
+                                        <p:cTn id="13" dur="500"/>
+                                        <p:tgtEl>
+                                          <p:spTgt spid="3">
+                                            <p:txEl>
+                                              <p:pRg st="1" end="1"/>
+                                            </p:txEl>
+                                          </p:spTgt>
+                                        </p:tgtEl>
+                                      </p:cBhvr>
+                                    </p:animEffect>
+                                  </p:childTnLst>
+                                </p:cTn>
+                              </p:par>
+                              <p:par>
+                                <p:cTn id="14" presetID="10" presetClass="entr" presetSubtype="0" fill="hold" grpId="0" nodeType="withEffect">
+                                  <p:stCondLst>
+                                    <p:cond delay="0"/>
+                                  </p:stCondLst>
+                                  <p:childTnLst>
+                                    <p:set>
+                                      <p:cBhvr>
+                                        <p:cTn id="15" dur="1" fill="hold">
+                                          <p:stCondLst>
+                                            <p:cond delay="0"/>
+                                          </p:stCondLst>
+                                        </p:cTn>
+                                        <p:tgtEl>
+                                          <p:spTgt spid="3">
+                                            <p:txEl>
+                                              <p:pRg st="2" end="2"/>
+                                            </p:txEl>
+                                          </p:spTgt>
+                                        </p:tgtEl>
+                                        <p:attrNameLst>
+                                          <p:attrName>style.visibility</p:attrName>
+                                        </p:attrNameLst>
+                                      </p:cBhvr>
+                                      <p:to>
+                                        <p:strVal val="visible"/>
+                                      </p:to>
+                                    </p:set>
+                                    <p:animEffect transition="in" filter="fade">
+                                      <p:cBhvr>
+                                        <p:cTn id="16" dur="500"/>
+                                        <p:tgtEl>
+                                          <p:spTgt spid="3">
+                                            <p:txEl>
+                                              <p:pRg st="2" end="2"/>
+                                            </p:txEl>
+                                          </p:spTgt>
+                                        </p:tgtEl>
+                                      </p:cBhvr>
+                                    </p:animEffect>
+                                  </p:childTnLst>
+                                </p:cTn>
+                              </p:par>
+                              <p:par>
+                                <p:cTn id="17" presetID="10" presetClass="entr" presetSubtype="0" fill="hold" grpId="0" nodeType="withEffect">
+                                  <p:stCondLst>
+                                    <p:cond delay="0"/>
+                                  </p:stCondLst>
+                                  <p:childTnLst>
+                                    <p:set>
+                                      <p:cBhvr>
+                                        <p:cTn id="18" dur="1" fill="hold">
+                                          <p:stCondLst>
+                                            <p:cond delay="0"/>
+                                          </p:stCondLst>
+                                        </p:cTn>
+                                        <p:tgtEl>
+                                          <p:spTgt spid="3">
+                                            <p:txEl>
+                                              <p:pRg st="3" end="3"/>
+                                            </p:txEl>
+                                          </p:spTgt>
+                                        </p:tgtEl>
+                                        <p:attrNameLst>
+                                          <p:attrName>style.visibility</p:attrName>
+                                        </p:attrNameLst>
+                                      </p:cBhvr>
+                                      <p:to>
+                                        <p:strVal val="visible"/>
+                                      </p:to>
+                                    </p:set>
+                                    <p:animEffect transition="in" filter="fade">
+                                      <p:cBhvr>
+                                        <p:cTn id="19" dur="500"/>
+                                        <p:tgtEl>
+                                          <p:spTgt spid="3">
+                                            <p:txEl>
+                                              <p:pRg st="3" end="3"/>
+                                            </p:txEl>
+                                          </p:spTgt>
+                                        </p:tgtEl>
+                                      </p:cBhvr>
+                                    </p:animEffect>
+                                  </p:childTnLst>
+                                </p:cTn>
+                              </p:par>
+                              <p:par>
+                                <p:cTn id="20" presetID="10" presetClass="entr" presetSubtype="0" fill="hold" grpId="0" nodeType="withEffect">
+                                  <p:stCondLst>
+                                    <p:cond delay="0"/>
+                                  </p:stCondLst>
+                                  <p:childTnLst>
+                                    <p:set>
+                                      <p:cBhvr>
+                                        <p:cTn id="21" dur="1" fill="hold">
+                                          <p:stCondLst>
+                                            <p:cond delay="0"/>
+                                          </p:stCondLst>
+                                        </p:cTn>
+                                        <p:tgtEl>
+                                          <p:spTgt spid="3">
+                                            <p:txEl>
+                                              <p:pRg st="4" end="4"/>
+                                            </p:txEl>
+                                          </p:spTgt>
+                                        </p:tgtEl>
+                                        <p:attrNameLst>
+                                          <p:attrName>style.visibility</p:attrName>
+                                        </p:attrNameLst>
+                                      </p:cBhvr>
+                                      <p:to>
+                                        <p:strVal val="visible"/>
+                                      </p:to>
+                                    </p:set>
+                                    <p:animEffect transition="in" filter="fade">
+                                      <p:cBhvr>
+                                        <p:cTn id="22" dur="500"/>
+                                        <p:tgtEl>
+                                          <p:spTgt spid="3">
+                                            <p:txEl>
+                                              <p:pRg st="4" end="4"/>
+                                            </p:txEl>
+                                          </p:spTgt>
+                                        </p:tgtEl>
+                                      </p:cBhvr>
+                                    </p:animEffect>
+                                  </p:childTnLst>
+                                </p:cTn>
+                              </p:par>
+                              <p:par>
+                                <p:cTn id="23" presetID="10" presetClass="entr" presetSubtype="0" fill="hold" grpId="0" nodeType="withEffect">
+                                  <p:stCondLst>
+                                    <p:cond delay="0"/>
+                                  </p:stCondLst>
+                                  <p:childTnLst>
+                                    <p:set>
+                                      <p:cBhvr>
+                                        <p:cTn id="24" dur="1" fill="hold">
+                                          <p:stCondLst>
+                                            <p:cond delay="0"/>
+                                          </p:stCondLst>
+                                        </p:cTn>
+                                        <p:tgtEl>
+                                          <p:spTgt spid="3">
+                                            <p:txEl>
+                                              <p:pRg st="5" end="5"/>
+                                            </p:txEl>
+                                          </p:spTgt>
+                                        </p:tgtEl>
+                                        <p:attrNameLst>
+                                          <p:attrName>style.visibility</p:attrName>
+                                        </p:attrNameLst>
+                                      </p:cBhvr>
+                                      <p:to>
+                                        <p:strVal val="visible"/>
+                                      </p:to>
+                                    </p:set>
+                                    <p:animEffect transition="in" filter="fade">
+                                      <p:cBhvr>
+                                        <p:cTn id="25" dur="500"/>
+                                        <p:tgtEl>
+                                          <p:spTgt spid="3">
+                                            <p:txEl>
+                                              <p:pRg st="5" end="5"/>
+                                            </p:txEl>
+                                          </p:spTgt>
+                                        </p:tgtEl>
+                                      </p:cBhvr>
+                                    </p:animEffect>
+                                  </p:childTnLst>
+                                </p:cTn>
+                              </p:par>
+                              <p:par>
+                                <p:cTn id="26" presetID="10" presetClass="entr" presetSubtype="0" fill="hold" grpId="0" nodeType="withEffect">
+                                  <p:stCondLst>
+                                    <p:cond delay="0"/>
+                                  </p:stCondLst>
+                                  <p:childTnLst>
+                                    <p:set>
+                                      <p:cBhvr>
+                                        <p:cTn id="27" dur="1" fill="hold">
+                                          <p:stCondLst>
+                                            <p:cond delay="0"/>
+                                          </p:stCondLst>
+                                        </p:cTn>
+                                        <p:tgtEl>
+                                          <p:spTgt spid="3">
+                                            <p:txEl>
+                                              <p:pRg st="6" end="6"/>
+                                            </p:txEl>
+                                          </p:spTgt>
+                                        </p:tgtEl>
+                                        <p:attrNameLst>
+                                          <p:attrName>style.visibility</p:attrName>
+                                        </p:attrNameLst>
+                                      </p:cBhvr>
+                                      <p:to>
+                                        <p:strVal val="visible"/>
+                                      </p:to>
+                                    </p:set>
+                                    <p:animEffect transition="in" filter="fade">
+                                      <p:cBhvr>
+                                        <p:cTn id="28" dur="500"/>
+                                        <p:tgtEl>
+                                          <p:spTgt spid="3">
+                                            <p:txEl>
+                                              <p:pRg st="6" end="6"/>
+                                            </p:txEl>
+                                          </p:spTgt>
+                                        </p:tgtEl>
+                                      </p:cBhvr>
+                                    </p:animEffect>
+                                  </p:childTnLst>
+                                </p:cTn>
+                              </p:par>
+                              <p:par>
+                                <p:cTn id="29" presetID="10" presetClass="entr" presetSubtype="0" fill="hold" grpId="0" nodeType="withEffect">
+                                  <p:stCondLst>
+                                    <p:cond delay="0"/>
+                                  </p:stCondLst>
+                                  <p:childTnLst>
+                                    <p:set>
+                                      <p:cBhvr>
+                                        <p:cTn id="30" dur="1" fill="hold">
+                                          <p:stCondLst>
+                                            <p:cond delay="0"/>
+                                          </p:stCondLst>
+                                        </p:cTn>
+                                        <p:tgtEl>
+                                          <p:spTgt spid="3">
+                                            <p:txEl>
+                                              <p:pRg st="7" end="7"/>
+                                            </p:txEl>
+                                          </p:spTgt>
+                                        </p:tgtEl>
+                                        <p:attrNameLst>
+                                          <p:attrName>style.visibility</p:attrName>
+                                        </p:attrNameLst>
+                                      </p:cBhvr>
+                                      <p:to>
+                                        <p:strVal val="visible"/>
+                                      </p:to>
+                                    </p:set>
+                                    <p:animEffect transition="in" filter="fade">
+                                      <p:cBhvr>
+                                        <p:cTn id="31" dur="500"/>
+                                        <p:tgtEl>
+                                          <p:spTgt spid="3">
+                                            <p:txEl>
+                                              <p:pRg st="7" end="7"/>
+                                            </p:txEl>
+                                          </p:spTgt>
+                                        </p:tgtEl>
+                                      </p:cBhvr>
+                                    </p:animEffect>
+                                  </p:childTnLst>
+                                </p:cTn>
+                              </p:par>
+                              <p:par>
+                                <p:cTn id="32" presetID="10" presetClass="entr" presetSubtype="0" fill="hold" grpId="0" nodeType="withEffect">
+                                  <p:stCondLst>
+                                    <p:cond delay="0"/>
+                                  </p:stCondLst>
+                                  <p:childTnLst>
+                                    <p:set>
+                                      <p:cBhvr>
+                                        <p:cTn id="33" dur="1" fill="hold">
+                                          <p:stCondLst>
+                                            <p:cond delay="0"/>
+                                          </p:stCondLst>
+                                        </p:cTn>
+                                        <p:tgtEl>
+                                          <p:spTgt spid="3">
+                                            <p:txEl>
+                                              <p:pRg st="8" end="8"/>
+                                            </p:txEl>
+                                          </p:spTgt>
+                                        </p:tgtEl>
+                                        <p:attrNameLst>
+                                          <p:attrName>style.visibility</p:attrName>
+                                        </p:attrNameLst>
+                                      </p:cBhvr>
+                                      <p:to>
+                                        <p:strVal val="visible"/>
+                                      </p:to>
+                                    </p:set>
+                                    <p:animEffect transition="in" filter="fade">
+                                      <p:cBhvr>
+                                        <p:cTn id="34" dur="500"/>
+                                        <p:tgtEl>
+                                          <p:spTgt spid="3">
+                                            <p:txEl>
+                                              <p:pRg st="8" end="8"/>
+                                            </p:txEl>
+                                          </p:spTgt>
+                                        </p:tgtEl>
+                                      </p:cBhvr>
+                                    </p:animEffect>
+                                  </p:childTnLst>
+                                </p:cTn>
+                              </p:par>
+                            </p:childTnLst>
+                          </p:cTn>
+                        </p:par>
+                      </p:childTnLst>
+                    </p:cTn>
+                  </p:par>
+                </p:childTnLst>
+              </p:cTn>
+              <p:prevCondLst>
+                <p:cond evt="onPrev" delay="0">
+                  <p:tgtEl>
+                    <p:sldTgt/>
+                  </p:tgtEl>
+                </p:cond>
+              </p:prevCondLst>
+              <p:nextCondLst>
+                <p:cond evt="onNext" delay="0">
+                  <p:tgtEl>
+                    <p:sldTgt/>
+                  </p:tgtEl>
+                </p:cond>
+              </p:nextCondLst>
+            </p:seq>
+          </p:childTnLst>
+        </p:cTn>
+      </p:par>
+    </p:tnLst>
+    <p:bldLst>
+      <p:bldP spid="2" grpId="0"/>
+      <p:bldP spid="3" grpId="0" build="p"/>
+    </p:bldLst>
+  </p:timing>
 </p:sld>
 </file>
 
@@ -6384,6 +11414,486 @@
   <p:clrMapOvr>
     <a:masterClrMapping/>
   </p:clrMapOvr>
+  <p:transition spd="med">
+    <p:pull/>
+  </p:transition>
+  <p:timing>
+    <p:tnLst>
+      <p:par>
+        <p:cTn id="1" dur="indefinite" restart="never" nodeType="tmRoot">
+          <p:childTnLst>
+            <p:seq concurrent="1" nextAc="seek">
+              <p:cTn id="2" dur="indefinite" nodeType="mainSeq">
+                <p:childTnLst>
+                  <p:par>
+                    <p:cTn id="3" fill="hold">
+                      <p:stCondLst>
+                        <p:cond delay="indefinite"/>
+                        <p:cond evt="onBegin" delay="0">
+                          <p:tn val="2"/>
+                        </p:cond>
+                      </p:stCondLst>
+                      <p:childTnLst>
+                        <p:par>
+                          <p:cTn id="4" fill="hold">
+                            <p:stCondLst>
+                              <p:cond delay="0"/>
+                            </p:stCondLst>
+                            <p:childTnLst>
+                              <p:par>
+                                <p:cTn id="5" presetID="10" presetClass="entr" presetSubtype="0" fill="hold" grpId="0" nodeType="afterEffect">
+                                  <p:stCondLst>
+                                    <p:cond delay="0"/>
+                                  </p:stCondLst>
+                                  <p:childTnLst>
+                                    <p:set>
+                                      <p:cBhvr>
+                                        <p:cTn id="6" dur="1" fill="hold">
+                                          <p:stCondLst>
+                                            <p:cond delay="0"/>
+                                          </p:stCondLst>
+                                        </p:cTn>
+                                        <p:tgtEl>
+                                          <p:spTgt spid="2"/>
+                                        </p:tgtEl>
+                                        <p:attrNameLst>
+                                          <p:attrName>style.visibility</p:attrName>
+                                        </p:attrNameLst>
+                                      </p:cBhvr>
+                                      <p:to>
+                                        <p:strVal val="visible"/>
+                                      </p:to>
+                                    </p:set>
+                                    <p:animEffect transition="in" filter="fade">
+                                      <p:cBhvr>
+                                        <p:cTn id="7" dur="500"/>
+                                        <p:tgtEl>
+                                          <p:spTgt spid="2"/>
+                                        </p:tgtEl>
+                                      </p:cBhvr>
+                                    </p:animEffect>
+                                  </p:childTnLst>
+                                </p:cTn>
+                              </p:par>
+                              <p:par>
+                                <p:cTn id="8" presetID="10" presetClass="entr" presetSubtype="0" fill="hold" grpId="0" nodeType="withEffect">
+                                  <p:stCondLst>
+                                    <p:cond delay="0"/>
+                                  </p:stCondLst>
+                                  <p:childTnLst>
+                                    <p:set>
+                                      <p:cBhvr>
+                                        <p:cTn id="9" dur="1" fill="hold">
+                                          <p:stCondLst>
+                                            <p:cond delay="0"/>
+                                          </p:stCondLst>
+                                        </p:cTn>
+                                        <p:tgtEl>
+                                          <p:spTgt spid="3">
+                                            <p:txEl>
+                                              <p:pRg st="0" end="0"/>
+                                            </p:txEl>
+                                          </p:spTgt>
+                                        </p:tgtEl>
+                                        <p:attrNameLst>
+                                          <p:attrName>style.visibility</p:attrName>
+                                        </p:attrNameLst>
+                                      </p:cBhvr>
+                                      <p:to>
+                                        <p:strVal val="visible"/>
+                                      </p:to>
+                                    </p:set>
+                                    <p:animEffect transition="in" filter="fade">
+                                      <p:cBhvr>
+                                        <p:cTn id="10" dur="500"/>
+                                        <p:tgtEl>
+                                          <p:spTgt spid="3">
+                                            <p:txEl>
+                                              <p:pRg st="0" end="0"/>
+                                            </p:txEl>
+                                          </p:spTgt>
+                                        </p:tgtEl>
+                                      </p:cBhvr>
+                                    </p:animEffect>
+                                  </p:childTnLst>
+                                </p:cTn>
+                              </p:par>
+                              <p:par>
+                                <p:cTn id="11" presetID="10" presetClass="entr" presetSubtype="0" fill="hold" grpId="0" nodeType="withEffect">
+                                  <p:stCondLst>
+                                    <p:cond delay="0"/>
+                                  </p:stCondLst>
+                                  <p:childTnLst>
+                                    <p:set>
+                                      <p:cBhvr>
+                                        <p:cTn id="12" dur="1" fill="hold">
+                                          <p:stCondLst>
+                                            <p:cond delay="0"/>
+                                          </p:stCondLst>
+                                        </p:cTn>
+                                        <p:tgtEl>
+                                          <p:spTgt spid="3">
+                                            <p:txEl>
+                                              <p:pRg st="1" end="1"/>
+                                            </p:txEl>
+                                          </p:spTgt>
+                                        </p:tgtEl>
+                                        <p:attrNameLst>
+                                          <p:attrName>style.visibility</p:attrName>
+                                        </p:attrNameLst>
+                                      </p:cBhvr>
+                                      <p:to>
+                                        <p:strVal val="visible"/>
+                                      </p:to>
+                                    </p:set>
+                                    <p:animEffect transition="in" filter="fade">
+                                      <p:cBhvr>
+                                        <p:cTn id="13" dur="500"/>
+                                        <p:tgtEl>
+                                          <p:spTgt spid="3">
+                                            <p:txEl>
+                                              <p:pRg st="1" end="1"/>
+                                            </p:txEl>
+                                          </p:spTgt>
+                                        </p:tgtEl>
+                                      </p:cBhvr>
+                                    </p:animEffect>
+                                  </p:childTnLst>
+                                </p:cTn>
+                              </p:par>
+                              <p:par>
+                                <p:cTn id="14" presetID="10" presetClass="entr" presetSubtype="0" fill="hold" grpId="0" nodeType="withEffect">
+                                  <p:stCondLst>
+                                    <p:cond delay="0"/>
+                                  </p:stCondLst>
+                                  <p:childTnLst>
+                                    <p:set>
+                                      <p:cBhvr>
+                                        <p:cTn id="15" dur="1" fill="hold">
+                                          <p:stCondLst>
+                                            <p:cond delay="0"/>
+                                          </p:stCondLst>
+                                        </p:cTn>
+                                        <p:tgtEl>
+                                          <p:spTgt spid="3">
+                                            <p:txEl>
+                                              <p:pRg st="2" end="2"/>
+                                            </p:txEl>
+                                          </p:spTgt>
+                                        </p:tgtEl>
+                                        <p:attrNameLst>
+                                          <p:attrName>style.visibility</p:attrName>
+                                        </p:attrNameLst>
+                                      </p:cBhvr>
+                                      <p:to>
+                                        <p:strVal val="visible"/>
+                                      </p:to>
+                                    </p:set>
+                                    <p:animEffect transition="in" filter="fade">
+                                      <p:cBhvr>
+                                        <p:cTn id="16" dur="500"/>
+                                        <p:tgtEl>
+                                          <p:spTgt spid="3">
+                                            <p:txEl>
+                                              <p:pRg st="2" end="2"/>
+                                            </p:txEl>
+                                          </p:spTgt>
+                                        </p:tgtEl>
+                                      </p:cBhvr>
+                                    </p:animEffect>
+                                  </p:childTnLst>
+                                </p:cTn>
+                              </p:par>
+                              <p:par>
+                                <p:cTn id="17" presetID="10" presetClass="entr" presetSubtype="0" fill="hold" grpId="0" nodeType="withEffect">
+                                  <p:stCondLst>
+                                    <p:cond delay="0"/>
+                                  </p:stCondLst>
+                                  <p:childTnLst>
+                                    <p:set>
+                                      <p:cBhvr>
+                                        <p:cTn id="18" dur="1" fill="hold">
+                                          <p:stCondLst>
+                                            <p:cond delay="0"/>
+                                          </p:stCondLst>
+                                        </p:cTn>
+                                        <p:tgtEl>
+                                          <p:spTgt spid="3">
+                                            <p:txEl>
+                                              <p:pRg st="3" end="3"/>
+                                            </p:txEl>
+                                          </p:spTgt>
+                                        </p:tgtEl>
+                                        <p:attrNameLst>
+                                          <p:attrName>style.visibility</p:attrName>
+                                        </p:attrNameLst>
+                                      </p:cBhvr>
+                                      <p:to>
+                                        <p:strVal val="visible"/>
+                                      </p:to>
+                                    </p:set>
+                                    <p:animEffect transition="in" filter="fade">
+                                      <p:cBhvr>
+                                        <p:cTn id="19" dur="500"/>
+                                        <p:tgtEl>
+                                          <p:spTgt spid="3">
+                                            <p:txEl>
+                                              <p:pRg st="3" end="3"/>
+                                            </p:txEl>
+                                          </p:spTgt>
+                                        </p:tgtEl>
+                                      </p:cBhvr>
+                                    </p:animEffect>
+                                  </p:childTnLst>
+                                </p:cTn>
+                              </p:par>
+                              <p:par>
+                                <p:cTn id="20" presetID="10" presetClass="entr" presetSubtype="0" fill="hold" grpId="0" nodeType="withEffect">
+                                  <p:stCondLst>
+                                    <p:cond delay="0"/>
+                                  </p:stCondLst>
+                                  <p:childTnLst>
+                                    <p:set>
+                                      <p:cBhvr>
+                                        <p:cTn id="21" dur="1" fill="hold">
+                                          <p:stCondLst>
+                                            <p:cond delay="0"/>
+                                          </p:stCondLst>
+                                        </p:cTn>
+                                        <p:tgtEl>
+                                          <p:spTgt spid="3">
+                                            <p:txEl>
+                                              <p:pRg st="4" end="4"/>
+                                            </p:txEl>
+                                          </p:spTgt>
+                                        </p:tgtEl>
+                                        <p:attrNameLst>
+                                          <p:attrName>style.visibility</p:attrName>
+                                        </p:attrNameLst>
+                                      </p:cBhvr>
+                                      <p:to>
+                                        <p:strVal val="visible"/>
+                                      </p:to>
+                                    </p:set>
+                                    <p:animEffect transition="in" filter="fade">
+                                      <p:cBhvr>
+                                        <p:cTn id="22" dur="500"/>
+                                        <p:tgtEl>
+                                          <p:spTgt spid="3">
+                                            <p:txEl>
+                                              <p:pRg st="4" end="4"/>
+                                            </p:txEl>
+                                          </p:spTgt>
+                                        </p:tgtEl>
+                                      </p:cBhvr>
+                                    </p:animEffect>
+                                  </p:childTnLst>
+                                </p:cTn>
+                              </p:par>
+                              <p:par>
+                                <p:cTn id="23" presetID="10" presetClass="entr" presetSubtype="0" fill="hold" grpId="0" nodeType="withEffect">
+                                  <p:stCondLst>
+                                    <p:cond delay="0"/>
+                                  </p:stCondLst>
+                                  <p:childTnLst>
+                                    <p:set>
+                                      <p:cBhvr>
+                                        <p:cTn id="24" dur="1" fill="hold">
+                                          <p:stCondLst>
+                                            <p:cond delay="0"/>
+                                          </p:stCondLst>
+                                        </p:cTn>
+                                        <p:tgtEl>
+                                          <p:spTgt spid="3">
+                                            <p:txEl>
+                                              <p:pRg st="6" end="6"/>
+                                            </p:txEl>
+                                          </p:spTgt>
+                                        </p:tgtEl>
+                                        <p:attrNameLst>
+                                          <p:attrName>style.visibility</p:attrName>
+                                        </p:attrNameLst>
+                                      </p:cBhvr>
+                                      <p:to>
+                                        <p:strVal val="visible"/>
+                                      </p:to>
+                                    </p:set>
+                                    <p:animEffect transition="in" filter="fade">
+                                      <p:cBhvr>
+                                        <p:cTn id="25" dur="500"/>
+                                        <p:tgtEl>
+                                          <p:spTgt spid="3">
+                                            <p:txEl>
+                                              <p:pRg st="6" end="6"/>
+                                            </p:txEl>
+                                          </p:spTgt>
+                                        </p:tgtEl>
+                                      </p:cBhvr>
+                                    </p:animEffect>
+                                  </p:childTnLst>
+                                </p:cTn>
+                              </p:par>
+                              <p:par>
+                                <p:cTn id="26" presetID="10" presetClass="entr" presetSubtype="0" fill="hold" grpId="0" nodeType="withEffect">
+                                  <p:stCondLst>
+                                    <p:cond delay="0"/>
+                                  </p:stCondLst>
+                                  <p:childTnLst>
+                                    <p:set>
+                                      <p:cBhvr>
+                                        <p:cTn id="27" dur="1" fill="hold">
+                                          <p:stCondLst>
+                                            <p:cond delay="0"/>
+                                          </p:stCondLst>
+                                        </p:cTn>
+                                        <p:tgtEl>
+                                          <p:spTgt spid="3">
+                                            <p:txEl>
+                                              <p:pRg st="7" end="7"/>
+                                            </p:txEl>
+                                          </p:spTgt>
+                                        </p:tgtEl>
+                                        <p:attrNameLst>
+                                          <p:attrName>style.visibility</p:attrName>
+                                        </p:attrNameLst>
+                                      </p:cBhvr>
+                                      <p:to>
+                                        <p:strVal val="visible"/>
+                                      </p:to>
+                                    </p:set>
+                                    <p:animEffect transition="in" filter="fade">
+                                      <p:cBhvr>
+                                        <p:cTn id="28" dur="500"/>
+                                        <p:tgtEl>
+                                          <p:spTgt spid="3">
+                                            <p:txEl>
+                                              <p:pRg st="7" end="7"/>
+                                            </p:txEl>
+                                          </p:spTgt>
+                                        </p:tgtEl>
+                                      </p:cBhvr>
+                                    </p:animEffect>
+                                  </p:childTnLst>
+                                </p:cTn>
+                              </p:par>
+                              <p:par>
+                                <p:cTn id="29" presetID="10" presetClass="entr" presetSubtype="0" fill="hold" grpId="0" nodeType="withEffect">
+                                  <p:stCondLst>
+                                    <p:cond delay="0"/>
+                                  </p:stCondLst>
+                                  <p:childTnLst>
+                                    <p:set>
+                                      <p:cBhvr>
+                                        <p:cTn id="30" dur="1" fill="hold">
+                                          <p:stCondLst>
+                                            <p:cond delay="0"/>
+                                          </p:stCondLst>
+                                        </p:cTn>
+                                        <p:tgtEl>
+                                          <p:spTgt spid="3">
+                                            <p:txEl>
+                                              <p:pRg st="8" end="8"/>
+                                            </p:txEl>
+                                          </p:spTgt>
+                                        </p:tgtEl>
+                                        <p:attrNameLst>
+                                          <p:attrName>style.visibility</p:attrName>
+                                        </p:attrNameLst>
+                                      </p:cBhvr>
+                                      <p:to>
+                                        <p:strVal val="visible"/>
+                                      </p:to>
+                                    </p:set>
+                                    <p:animEffect transition="in" filter="fade">
+                                      <p:cBhvr>
+                                        <p:cTn id="31" dur="500"/>
+                                        <p:tgtEl>
+                                          <p:spTgt spid="3">
+                                            <p:txEl>
+                                              <p:pRg st="8" end="8"/>
+                                            </p:txEl>
+                                          </p:spTgt>
+                                        </p:tgtEl>
+                                      </p:cBhvr>
+                                    </p:animEffect>
+                                  </p:childTnLst>
+                                </p:cTn>
+                              </p:par>
+                              <p:par>
+                                <p:cTn id="32" presetID="10" presetClass="entr" presetSubtype="0" fill="hold" grpId="0" nodeType="withEffect">
+                                  <p:stCondLst>
+                                    <p:cond delay="0"/>
+                                  </p:stCondLst>
+                                  <p:childTnLst>
+                                    <p:set>
+                                      <p:cBhvr>
+                                        <p:cTn id="33" dur="1" fill="hold">
+                                          <p:stCondLst>
+                                            <p:cond delay="0"/>
+                                          </p:stCondLst>
+                                        </p:cTn>
+                                        <p:tgtEl>
+                                          <p:spTgt spid="3">
+                                            <p:txEl>
+                                              <p:pRg st="9" end="9"/>
+                                            </p:txEl>
+                                          </p:spTgt>
+                                        </p:tgtEl>
+                                        <p:attrNameLst>
+                                          <p:attrName>style.visibility</p:attrName>
+                                        </p:attrNameLst>
+                                      </p:cBhvr>
+                                      <p:to>
+                                        <p:strVal val="visible"/>
+                                      </p:to>
+                                    </p:set>
+                                    <p:animEffect transition="in" filter="fade">
+                                      <p:cBhvr>
+                                        <p:cTn id="34" dur="500"/>
+                                        <p:tgtEl>
+                                          <p:spTgt spid="3">
+                                            <p:txEl>
+                                              <p:pRg st="9" end="9"/>
+                                            </p:txEl>
+                                          </p:spTgt>
+                                        </p:tgtEl>
+                                      </p:cBhvr>
+                                    </p:animEffect>
+                                  </p:childTnLst>
+                                </p:cTn>
+                              </p:par>
+                            </p:childTnLst>
+                          </p:cTn>
+                        </p:par>
+                      </p:childTnLst>
+                    </p:cTn>
+                  </p:par>
+                </p:childTnLst>
+              </p:cTn>
+              <p:prevCondLst>
+                <p:cond evt="onPrev" delay="0">
+                  <p:tgtEl>
+                    <p:sldTgt/>
+                  </p:tgtEl>
+                </p:cond>
+              </p:prevCondLst>
+              <p:nextCondLst>
+                <p:cond evt="onNext" delay="0">
+                  <p:tgtEl>
+                    <p:sldTgt/>
+                  </p:tgtEl>
+                </p:cond>
+              </p:nextCondLst>
+            </p:seq>
+          </p:childTnLst>
+        </p:cTn>
+      </p:par>
+    </p:tnLst>
+    <p:bldLst>
+      <p:bldP spid="2" grpId="0"/>
+      <p:bldP spid="3" grpId="0" build="p"/>
+    </p:bldLst>
+  </p:timing>
 </p:sld>
 </file>
 
@@ -6462,14 +11972,14 @@
             <a:pPr lvl="1"/>
             <a:r>
               <a:rPr lang="en-US" dirty="0"/>
-              <a:t>to process the documents</a:t>
+              <a:t>To process the documents</a:t>
             </a:r>
           </a:p>
           <a:p>
             <a:pPr lvl="1"/>
             <a:r>
               <a:rPr lang="en-US" dirty="0"/>
-              <a:t>perform tokenization </a:t>
+              <a:t>Perform tokenization </a:t>
             </a:r>
           </a:p>
           <a:p>
@@ -6503,48 +12013,356 @@
   <p:clrMapOvr>
     <a:masterClrMapping/>
   </p:clrMapOvr>
+  <p:transition spd="med">
+    <p:pull/>
+  </p:transition>
+  <p:timing>
+    <p:tnLst>
+      <p:par>
+        <p:cTn id="1" dur="indefinite" restart="never" nodeType="tmRoot">
+          <p:childTnLst>
+            <p:seq concurrent="1" nextAc="seek">
+              <p:cTn id="2" dur="indefinite" nodeType="mainSeq">
+                <p:childTnLst>
+                  <p:par>
+                    <p:cTn id="3" fill="hold">
+                      <p:stCondLst>
+                        <p:cond delay="indefinite"/>
+                        <p:cond evt="onBegin" delay="0">
+                          <p:tn val="2"/>
+                        </p:cond>
+                      </p:stCondLst>
+                      <p:childTnLst>
+                        <p:par>
+                          <p:cTn id="4" fill="hold">
+                            <p:stCondLst>
+                              <p:cond delay="0"/>
+                            </p:stCondLst>
+                            <p:childTnLst>
+                              <p:par>
+                                <p:cTn id="5" presetID="10" presetClass="entr" presetSubtype="0" fill="hold" grpId="0" nodeType="afterEffect">
+                                  <p:stCondLst>
+                                    <p:cond delay="0"/>
+                                  </p:stCondLst>
+                                  <p:childTnLst>
+                                    <p:set>
+                                      <p:cBhvr>
+                                        <p:cTn id="6" dur="1" fill="hold">
+                                          <p:stCondLst>
+                                            <p:cond delay="0"/>
+                                          </p:stCondLst>
+                                        </p:cTn>
+                                        <p:tgtEl>
+                                          <p:spTgt spid="2"/>
+                                        </p:tgtEl>
+                                        <p:attrNameLst>
+                                          <p:attrName>style.visibility</p:attrName>
+                                        </p:attrNameLst>
+                                      </p:cBhvr>
+                                      <p:to>
+                                        <p:strVal val="visible"/>
+                                      </p:to>
+                                    </p:set>
+                                    <p:animEffect transition="in" filter="fade">
+                                      <p:cBhvr>
+                                        <p:cTn id="7" dur="500"/>
+                                        <p:tgtEl>
+                                          <p:spTgt spid="2"/>
+                                        </p:tgtEl>
+                                      </p:cBhvr>
+                                    </p:animEffect>
+                                  </p:childTnLst>
+                                </p:cTn>
+                              </p:par>
+                              <p:par>
+                                <p:cTn id="8" presetID="10" presetClass="entr" presetSubtype="0" fill="hold" grpId="0" nodeType="withEffect">
+                                  <p:stCondLst>
+                                    <p:cond delay="0"/>
+                                  </p:stCondLst>
+                                  <p:childTnLst>
+                                    <p:set>
+                                      <p:cBhvr>
+                                        <p:cTn id="9" dur="1" fill="hold">
+                                          <p:stCondLst>
+                                            <p:cond delay="0"/>
+                                          </p:stCondLst>
+                                        </p:cTn>
+                                        <p:tgtEl>
+                                          <p:spTgt spid="3">
+                                            <p:txEl>
+                                              <p:pRg st="0" end="0"/>
+                                            </p:txEl>
+                                          </p:spTgt>
+                                        </p:tgtEl>
+                                        <p:attrNameLst>
+                                          <p:attrName>style.visibility</p:attrName>
+                                        </p:attrNameLst>
+                                      </p:cBhvr>
+                                      <p:to>
+                                        <p:strVal val="visible"/>
+                                      </p:to>
+                                    </p:set>
+                                    <p:animEffect transition="in" filter="fade">
+                                      <p:cBhvr>
+                                        <p:cTn id="10" dur="500"/>
+                                        <p:tgtEl>
+                                          <p:spTgt spid="3">
+                                            <p:txEl>
+                                              <p:pRg st="0" end="0"/>
+                                            </p:txEl>
+                                          </p:spTgt>
+                                        </p:tgtEl>
+                                      </p:cBhvr>
+                                    </p:animEffect>
+                                  </p:childTnLst>
+                                </p:cTn>
+                              </p:par>
+                              <p:par>
+                                <p:cTn id="11" presetID="10" presetClass="entr" presetSubtype="0" fill="hold" grpId="0" nodeType="withEffect">
+                                  <p:stCondLst>
+                                    <p:cond delay="0"/>
+                                  </p:stCondLst>
+                                  <p:childTnLst>
+                                    <p:set>
+                                      <p:cBhvr>
+                                        <p:cTn id="12" dur="1" fill="hold">
+                                          <p:stCondLst>
+                                            <p:cond delay="0"/>
+                                          </p:stCondLst>
+                                        </p:cTn>
+                                        <p:tgtEl>
+                                          <p:spTgt spid="3">
+                                            <p:txEl>
+                                              <p:pRg st="1" end="1"/>
+                                            </p:txEl>
+                                          </p:spTgt>
+                                        </p:tgtEl>
+                                        <p:attrNameLst>
+                                          <p:attrName>style.visibility</p:attrName>
+                                        </p:attrNameLst>
+                                      </p:cBhvr>
+                                      <p:to>
+                                        <p:strVal val="visible"/>
+                                      </p:to>
+                                    </p:set>
+                                    <p:animEffect transition="in" filter="fade">
+                                      <p:cBhvr>
+                                        <p:cTn id="13" dur="500"/>
+                                        <p:tgtEl>
+                                          <p:spTgt spid="3">
+                                            <p:txEl>
+                                              <p:pRg st="1" end="1"/>
+                                            </p:txEl>
+                                          </p:spTgt>
+                                        </p:tgtEl>
+                                      </p:cBhvr>
+                                    </p:animEffect>
+                                  </p:childTnLst>
+                                </p:cTn>
+                              </p:par>
+                              <p:par>
+                                <p:cTn id="14" presetID="10" presetClass="entr" presetSubtype="0" fill="hold" grpId="0" nodeType="withEffect">
+                                  <p:stCondLst>
+                                    <p:cond delay="0"/>
+                                  </p:stCondLst>
+                                  <p:childTnLst>
+                                    <p:set>
+                                      <p:cBhvr>
+                                        <p:cTn id="15" dur="1" fill="hold">
+                                          <p:stCondLst>
+                                            <p:cond delay="0"/>
+                                          </p:stCondLst>
+                                        </p:cTn>
+                                        <p:tgtEl>
+                                          <p:spTgt spid="3">
+                                            <p:txEl>
+                                              <p:pRg st="2" end="2"/>
+                                            </p:txEl>
+                                          </p:spTgt>
+                                        </p:tgtEl>
+                                        <p:attrNameLst>
+                                          <p:attrName>style.visibility</p:attrName>
+                                        </p:attrNameLst>
+                                      </p:cBhvr>
+                                      <p:to>
+                                        <p:strVal val="visible"/>
+                                      </p:to>
+                                    </p:set>
+                                    <p:animEffect transition="in" filter="fade">
+                                      <p:cBhvr>
+                                        <p:cTn id="16" dur="500"/>
+                                        <p:tgtEl>
+                                          <p:spTgt spid="3">
+                                            <p:txEl>
+                                              <p:pRg st="2" end="2"/>
+                                            </p:txEl>
+                                          </p:spTgt>
+                                        </p:tgtEl>
+                                      </p:cBhvr>
+                                    </p:animEffect>
+                                  </p:childTnLst>
+                                </p:cTn>
+                              </p:par>
+                              <p:par>
+                                <p:cTn id="17" presetID="10" presetClass="entr" presetSubtype="0" fill="hold" grpId="0" nodeType="withEffect">
+                                  <p:stCondLst>
+                                    <p:cond delay="0"/>
+                                  </p:stCondLst>
+                                  <p:childTnLst>
+                                    <p:set>
+                                      <p:cBhvr>
+                                        <p:cTn id="18" dur="1" fill="hold">
+                                          <p:stCondLst>
+                                            <p:cond delay="0"/>
+                                          </p:stCondLst>
+                                        </p:cTn>
+                                        <p:tgtEl>
+                                          <p:spTgt spid="3">
+                                            <p:txEl>
+                                              <p:pRg st="3" end="3"/>
+                                            </p:txEl>
+                                          </p:spTgt>
+                                        </p:tgtEl>
+                                        <p:attrNameLst>
+                                          <p:attrName>style.visibility</p:attrName>
+                                        </p:attrNameLst>
+                                      </p:cBhvr>
+                                      <p:to>
+                                        <p:strVal val="visible"/>
+                                      </p:to>
+                                    </p:set>
+                                    <p:animEffect transition="in" filter="fade">
+                                      <p:cBhvr>
+                                        <p:cTn id="19" dur="500"/>
+                                        <p:tgtEl>
+                                          <p:spTgt spid="3">
+                                            <p:txEl>
+                                              <p:pRg st="3" end="3"/>
+                                            </p:txEl>
+                                          </p:spTgt>
+                                        </p:tgtEl>
+                                      </p:cBhvr>
+                                    </p:animEffect>
+                                  </p:childTnLst>
+                                </p:cTn>
+                              </p:par>
+                              <p:par>
+                                <p:cTn id="20" presetID="10" presetClass="entr" presetSubtype="0" fill="hold" grpId="0" nodeType="withEffect">
+                                  <p:stCondLst>
+                                    <p:cond delay="0"/>
+                                  </p:stCondLst>
+                                  <p:childTnLst>
+                                    <p:set>
+                                      <p:cBhvr>
+                                        <p:cTn id="21" dur="1" fill="hold">
+                                          <p:stCondLst>
+                                            <p:cond delay="0"/>
+                                          </p:stCondLst>
+                                        </p:cTn>
+                                        <p:tgtEl>
+                                          <p:spTgt spid="3">
+                                            <p:txEl>
+                                              <p:pRg st="4" end="4"/>
+                                            </p:txEl>
+                                          </p:spTgt>
+                                        </p:tgtEl>
+                                        <p:attrNameLst>
+                                          <p:attrName>style.visibility</p:attrName>
+                                        </p:attrNameLst>
+                                      </p:cBhvr>
+                                      <p:to>
+                                        <p:strVal val="visible"/>
+                                      </p:to>
+                                    </p:set>
+                                    <p:animEffect transition="in" filter="fade">
+                                      <p:cBhvr>
+                                        <p:cTn id="22" dur="500"/>
+                                        <p:tgtEl>
+                                          <p:spTgt spid="3">
+                                            <p:txEl>
+                                              <p:pRg st="4" end="4"/>
+                                            </p:txEl>
+                                          </p:spTgt>
+                                        </p:tgtEl>
+                                      </p:cBhvr>
+                                    </p:animEffect>
+                                  </p:childTnLst>
+                                </p:cTn>
+                              </p:par>
+                            </p:childTnLst>
+                          </p:cTn>
+                        </p:par>
+                      </p:childTnLst>
+                    </p:cTn>
+                  </p:par>
+                </p:childTnLst>
+              </p:cTn>
+              <p:prevCondLst>
+                <p:cond evt="onPrev" delay="0">
+                  <p:tgtEl>
+                    <p:sldTgt/>
+                  </p:tgtEl>
+                </p:cond>
+              </p:prevCondLst>
+              <p:nextCondLst>
+                <p:cond evt="onNext" delay="0">
+                  <p:tgtEl>
+                    <p:sldTgt/>
+                  </p:tgtEl>
+                </p:cond>
+              </p:nextCondLst>
+            </p:seq>
+          </p:childTnLst>
+        </p:cTn>
+      </p:par>
+    </p:tnLst>
+    <p:bldLst>
+      <p:bldP spid="2" grpId="0"/>
+      <p:bldP spid="3" grpId="0" build="p"/>
+    </p:bldLst>
+  </p:timing>
 </p:sld>
 </file>
 
 <file path=ppt/theme/theme1.xml><?xml version="1.0" encoding="utf-8"?>
 <a:theme xmlns:a="http://schemas.openxmlformats.org/drawingml/2006/main" name="View">
   <a:themeElements>
-    <a:clrScheme name="View">
+    <a:clrScheme name="Custom 1">
       <a:dk1>
-        <a:srgbClr val="000000"/>
+        <a:sysClr val="windowText" lastClr="000000"/>
       </a:dk1>
       <a:lt1>
-        <a:srgbClr val="FFFFFF"/>
+        <a:sysClr val="window" lastClr="FFFFFF"/>
       </a:lt1>
       <a:dk2>
-        <a:srgbClr val="46464A"/>
+        <a:srgbClr val="323232"/>
       </a:dk2>
       <a:lt2>
-        <a:srgbClr val="D6D3CC"/>
+        <a:srgbClr val="E5C243"/>
       </a:lt2>
       <a:accent1>
-        <a:srgbClr val="6F6F74"/>
+        <a:srgbClr val="B5111A"/>
       </a:accent1>
       <a:accent2>
-        <a:srgbClr val="92A9B9"/>
+        <a:srgbClr val="D55816"/>
       </a:accent2>
       <a:accent3>
-        <a:srgbClr val="A7B789"/>
+        <a:srgbClr val="E19825"/>
       </a:accent3>
       <a:accent4>
-        <a:srgbClr val="B9A489"/>
+        <a:srgbClr val="B19C7D"/>
       </a:accent4>
       <a:accent5>
-        <a:srgbClr val="8D6374"/>
+        <a:srgbClr val="7F5F52"/>
       </a:accent5>
       <a:accent6>
-        <a:srgbClr val="9B7362"/>
+        <a:srgbClr val="B27D49"/>
       </a:accent6>
       <a:hlink>
-        <a:srgbClr val="67AABF"/>
+        <a:srgbClr val="6B9F25"/>
       </a:hlink>
       <a:folHlink>
-        <a:srgbClr val="ABAFA5"/>
+        <a:srgbClr val="B26B02"/>
       </a:folHlink>
     </a:clrScheme>
     <a:fontScheme name="View">
